--- a/Vendor_Boards/Microchip_PICDEM 2 plus_board_2010/tutorials/GCBASIC_Part7_LPC_demo.pptx
+++ b/Vendor_Boards/Microchip_PICDEM 2 plus_board_2010/tutorials/GCBASIC_Part7_LPC_demo.pptx
@@ -5,25 +5,27 @@
     <p:sldMasterId id="2147483660" r:id="rId1"/>
   </p:sldMasterIdLst>
   <p:notesMasterIdLst>
-    <p:notesMasterId r:id="rId15"/>
+    <p:notesMasterId r:id="rId17"/>
   </p:notesMasterIdLst>
   <p:handoutMasterIdLst>
-    <p:handoutMasterId r:id="rId16"/>
+    <p:handoutMasterId r:id="rId18"/>
   </p:handoutMasterIdLst>
   <p:sldIdLst>
-    <p:sldId id="294" r:id="rId2"/>
-    <p:sldId id="256" r:id="rId3"/>
-    <p:sldId id="295" r:id="rId4"/>
-    <p:sldId id="283" r:id="rId5"/>
-    <p:sldId id="296" r:id="rId6"/>
-    <p:sldId id="282" r:id="rId7"/>
-    <p:sldId id="291" r:id="rId8"/>
-    <p:sldId id="328" r:id="rId9"/>
-    <p:sldId id="329" r:id="rId10"/>
-    <p:sldId id="285" r:id="rId11"/>
-    <p:sldId id="288" r:id="rId12"/>
-    <p:sldId id="324" r:id="rId13"/>
-    <p:sldId id="327" r:id="rId14"/>
+    <p:sldId id="330" r:id="rId2"/>
+    <p:sldId id="331" r:id="rId3"/>
+    <p:sldId id="332" r:id="rId4"/>
+    <p:sldId id="333" r:id="rId5"/>
+    <p:sldId id="334" r:id="rId6"/>
+    <p:sldId id="335" r:id="rId7"/>
+    <p:sldId id="336" r:id="rId8"/>
+    <p:sldId id="337" r:id="rId9"/>
+    <p:sldId id="338" r:id="rId10"/>
+    <p:sldId id="339" r:id="rId11"/>
+    <p:sldId id="328" r:id="rId12"/>
+    <p:sldId id="329" r:id="rId13"/>
+    <p:sldId id="288" r:id="rId14"/>
+    <p:sldId id="341" r:id="rId15"/>
+    <p:sldId id="340" r:id="rId16"/>
   </p:sldIdLst>
   <p:sldSz cx="9144000" cy="5143500" type="screen16x9"/>
   <p:notesSz cx="6858000" cy="9144000"/>
@@ -208,7 +210,7 @@
             <a:fld id="{742E545A-AB39-44F0-B5A6-04A90C6C9399}" type="datetimeFigureOut">
               <a:rPr lang="en-GB" smtClean="0"/>
               <a:pPr/>
-              <a:t>19/11/2024</a:t>
+              <a:t>25/01/2025</a:t>
             </a:fld>
             <a:endParaRPr lang="en-GB" dirty="0"/>
           </a:p>
@@ -375,7 +377,7 @@
             <a:fld id="{FF100B3C-2E11-428B-8555-A77018253716}" type="datetimeFigureOut">
               <a:rPr lang="en-GB" smtClean="0"/>
               <a:pPr/>
-              <a:t>19/11/2024</a:t>
+              <a:t>25/01/2025</a:t>
             </a:fld>
             <a:endParaRPr lang="en-GB" dirty="0"/>
           </a:p>
@@ -1290,7 +1292,7 @@
             <a:fld id="{C473AACB-D821-4991-9D88-46EB8D29E619}" type="datetimeFigureOut">
               <a:rPr lang="en-GB" smtClean="0"/>
               <a:pPr/>
-              <a:t>19/11/2024</a:t>
+              <a:t>25/01/2025</a:t>
             </a:fld>
             <a:endParaRPr lang="en-GB" dirty="0"/>
           </a:p>
@@ -1584,7 +1586,7 @@
             <a:fld id="{C473AACB-D821-4991-9D88-46EB8D29E619}" type="datetimeFigureOut">
               <a:rPr lang="en-GB" smtClean="0"/>
               <a:pPr/>
-              <a:t>19/11/2024</a:t>
+              <a:t>25/01/2025</a:t>
             </a:fld>
             <a:endParaRPr lang="en-GB" dirty="0"/>
           </a:p>
@@ -1837,7 +1839,7 @@
             <a:fld id="{C473AACB-D821-4991-9D88-46EB8D29E619}" type="datetimeFigureOut">
               <a:rPr lang="en-GB" smtClean="0"/>
               <a:pPr/>
-              <a:t>19/11/2024</a:t>
+              <a:t>25/01/2025</a:t>
             </a:fld>
             <a:endParaRPr lang="en-GB" dirty="0"/>
           </a:p>
@@ -2182,7 +2184,7 @@
             <a:fld id="{C473AACB-D821-4991-9D88-46EB8D29E619}" type="datetimeFigureOut">
               <a:rPr lang="en-GB" smtClean="0"/>
               <a:pPr/>
-              <a:t>19/11/2024</a:t>
+              <a:t>25/01/2025</a:t>
             </a:fld>
             <a:endParaRPr lang="en-GB" dirty="0"/>
           </a:p>
@@ -2554,7 +2556,7 @@
             <a:fld id="{C473AACB-D821-4991-9D88-46EB8D29E619}" type="datetimeFigureOut">
               <a:rPr lang="en-GB" smtClean="0"/>
               <a:pPr/>
-              <a:t>19/11/2024</a:t>
+              <a:t>25/01/2025</a:t>
             </a:fld>
             <a:endParaRPr lang="en-GB" dirty="0"/>
           </a:p>
@@ -2900,7 +2902,7 @@
             <a:fld id="{C473AACB-D821-4991-9D88-46EB8D29E619}" type="datetimeFigureOut">
               <a:rPr lang="en-GB" smtClean="0"/>
               <a:pPr/>
-              <a:t>19/11/2024</a:t>
+              <a:t>25/01/2025</a:t>
             </a:fld>
             <a:endParaRPr lang="en-GB" dirty="0"/>
           </a:p>
@@ -3324,7 +3326,7 @@
             <a:fld id="{C473AACB-D821-4991-9D88-46EB8D29E619}" type="datetimeFigureOut">
               <a:rPr lang="en-GB" smtClean="0"/>
               <a:pPr/>
-              <a:t>19/11/2024</a:t>
+              <a:t>25/01/2025</a:t>
             </a:fld>
             <a:endParaRPr lang="en-GB" dirty="0"/>
           </a:p>
@@ -3559,7 +3561,7 @@
             <a:fld id="{C473AACB-D821-4991-9D88-46EB8D29E619}" type="datetimeFigureOut">
               <a:rPr lang="en-GB" smtClean="0"/>
               <a:pPr/>
-              <a:t>19/11/2024</a:t>
+              <a:t>25/01/2025</a:t>
             </a:fld>
             <a:endParaRPr lang="en-GB" dirty="0"/>
           </a:p>
@@ -3770,7 +3772,7 @@
             <a:fld id="{C473AACB-D821-4991-9D88-46EB8D29E619}" type="datetimeFigureOut">
               <a:rPr lang="en-GB" smtClean="0"/>
               <a:pPr/>
-              <a:t>19/11/2024</a:t>
+              <a:t>25/01/2025</a:t>
             </a:fld>
             <a:endParaRPr lang="en-GB" dirty="0"/>
           </a:p>
@@ -3988,7 +3990,7 @@
             <a:fld id="{C473AACB-D821-4991-9D88-46EB8D29E619}" type="datetimeFigureOut">
               <a:rPr lang="en-GB" smtClean="0"/>
               <a:pPr/>
-              <a:t>19/11/2024</a:t>
+              <a:t>25/01/2025</a:t>
             </a:fld>
             <a:endParaRPr lang="en-GB" dirty="0"/>
           </a:p>
@@ -4803,7 +4805,7 @@
             <a:fld id="{C473AACB-D821-4991-9D88-46EB8D29E619}" type="datetimeFigureOut">
               <a:rPr lang="en-GB" smtClean="0"/>
               <a:pPr/>
-              <a:t>19/11/2024</a:t>
+              <a:t>25/01/2025</a:t>
             </a:fld>
             <a:endParaRPr lang="en-GB" dirty="0"/>
           </a:p>
@@ -5617,7 +5619,7 @@
             <a:fld id="{C473AACB-D821-4991-9D88-46EB8D29E619}" type="datetimeFigureOut">
               <a:rPr lang="en-GB" smtClean="0"/>
               <a:pPr/>
-              <a:t>19/11/2024</a:t>
+              <a:t>25/01/2025</a:t>
             </a:fld>
             <a:endParaRPr lang="en-GB" dirty="0"/>
           </a:p>
@@ -5866,7 +5868,7 @@
             <a:fld id="{C473AACB-D821-4991-9D88-46EB8D29E619}" type="datetimeFigureOut">
               <a:rPr lang="en-GB" smtClean="0"/>
               <a:pPr/>
-              <a:t>19/11/2024</a:t>
+              <a:t>25/01/2025</a:t>
             </a:fld>
             <a:endParaRPr lang="en-GB" dirty="0"/>
           </a:p>
@@ -6130,7 +6132,7 @@
             <a:fld id="{C473AACB-D821-4991-9D88-46EB8D29E619}" type="datetimeFigureOut">
               <a:rPr lang="en-GB" smtClean="0"/>
               <a:pPr/>
-              <a:t>19/11/2024</a:t>
+              <a:t>25/01/2025</a:t>
             </a:fld>
             <a:endParaRPr lang="en-GB" dirty="0"/>
           </a:p>
@@ -6570,7 +6572,7 @@
             <a:fld id="{C473AACB-D821-4991-9D88-46EB8D29E619}" type="datetimeFigureOut">
               <a:rPr lang="en-GB" smtClean="0"/>
               <a:pPr/>
-              <a:t>19/11/2024</a:t>
+              <a:t>25/01/2025</a:t>
             </a:fld>
             <a:endParaRPr lang="en-GB" dirty="0"/>
           </a:p>
@@ -6725,7 +6727,7 @@
             <a:fld id="{C473AACB-D821-4991-9D88-46EB8D29E619}" type="datetimeFigureOut">
               <a:rPr lang="en-GB" smtClean="0"/>
               <a:pPr/>
-              <a:t>19/11/2024</a:t>
+              <a:t>25/01/2025</a:t>
             </a:fld>
             <a:endParaRPr lang="en-GB" dirty="0"/>
           </a:p>
@@ -6822,7 +6824,7 @@
             <a:fld id="{C473AACB-D821-4991-9D88-46EB8D29E619}" type="datetimeFigureOut">
               <a:rPr lang="en-GB" smtClean="0"/>
               <a:pPr/>
-              <a:t>19/11/2024</a:t>
+              <a:t>25/01/2025</a:t>
             </a:fld>
             <a:endParaRPr lang="en-GB" dirty="0"/>
           </a:p>
@@ -7599,7 +7601,7 @@
             <a:fld id="{C473AACB-D821-4991-9D88-46EB8D29E619}" type="datetimeFigureOut">
               <a:rPr lang="en-GB" smtClean="0"/>
               <a:pPr/>
-              <a:t>19/11/2024</a:t>
+              <a:t>25/01/2025</a:t>
             </a:fld>
             <a:endParaRPr lang="en-GB" dirty="0"/>
           </a:p>
@@ -8159,38 +8161,25 @@
             <p:ph type="body" idx="1"/>
           </p:nvPr>
         </p:nvSpPr>
-        <p:spPr>
-          <a:xfrm>
-            <a:off x="4144617" y="2776047"/>
-            <a:ext cx="3523727" cy="645300"/>
-          </a:xfrm>
-        </p:spPr>
+        <p:spPr/>
         <p:txBody>
           <a:bodyPr>
-            <a:normAutofit fontScale="77500" lnSpcReduction="20000"/>
+            <a:normAutofit fontScale="85000" lnSpcReduction="20000"/>
           </a:bodyPr>
           <a:lstStyle/>
           <a:p>
             <a:r>
               <a:rPr lang="en-GB" dirty="0" smtClean="0"/>
-              <a:t>PIC18FxxQ24</a:t>
+              <a:t>PIC16Fxxxx chip Family ( Legacy )</a:t>
             </a:r>
           </a:p>
           <a:p>
             <a:r>
               <a:rPr lang="en-GB" dirty="0"/>
-              <a:t>Part </a:t>
-            </a:r>
-            <a:r>
-              <a:rPr lang="en-GB" dirty="0" smtClean="0"/>
-              <a:t>7 </a:t>
-            </a:r>
-            <a:r>
-              <a:rPr lang="en-GB" dirty="0"/>
-              <a:t>– </a:t>
-            </a:r>
-            <a:r>
-              <a:rPr lang="en-GB" sz="1600" dirty="0"/>
+              <a:t>Part 7 – </a:t>
+            </a:r>
+            <a:r>
+              <a:rPr lang="en-GB" sz="1400" dirty="0"/>
               <a:t>make the LEDs flash in a sequence with reverse</a:t>
             </a:r>
             <a:endParaRPr lang="en-GB" dirty="0"/>
@@ -8200,7 +8189,7 @@
     </p:spTree>
     <p:extLst>
       <p:ext uri="{BB962C8B-B14F-4D97-AF65-F5344CB8AC3E}">
-        <p14:creationId xmlns:p14="http://schemas.microsoft.com/office/powerpoint/2010/main" val="1934043723"/>
+        <p14:creationId xmlns:p14="http://schemas.microsoft.com/office/powerpoint/2010/main" val="3541200958"/>
       </p:ext>
     </p:extLst>
   </p:cSld>
@@ -8300,7 +8289,7 @@
           <a:p>
             <a:r>
               <a:rPr lang="en-GB" dirty="0" smtClean="0"/>
-              <a:t>Switches &amp; resistors</a:t>
+              <a:t>Switches</a:t>
             </a:r>
           </a:p>
           <a:p>
@@ -8310,14 +8299,14 @@
       </p:sp>
       <p:sp>
         <p:nvSpPr>
-          <p:cNvPr id="4" name="TextBox 3"/>
+          <p:cNvPr id="5" name="TextBox 4"/>
           <p:cNvSpPr txBox="1"/>
           <p:nvPr/>
         </p:nvSpPr>
         <p:spPr>
           <a:xfrm>
-            <a:off x="2483768" y="1275606"/>
-            <a:ext cx="4968552" cy="3785652"/>
+            <a:off x="2206278" y="168176"/>
+            <a:ext cx="5328592" cy="4893647"/>
           </a:xfrm>
           <a:prstGeom prst="rect">
             <a:avLst/>
@@ -8346,16 +8335,21 @@
                 <a:latin typeface="Courier New" panose="02070309020205020404" pitchFamily="49" charset="0"/>
                 <a:cs typeface="Courier New" panose="02070309020205020404" pitchFamily="49" charset="0"/>
               </a:rPr>
-              <a:t>    -------------------PORTA----------------</a:t>
-            </a:r>
-          </a:p>
-          <a:p>
+              <a:t> </a:t>
+            </a:r>
+            <a:r>
+              <a:rPr lang="en-GB" sz="1200" b="1" dirty="0" smtClean="0">
+                <a:latin typeface="Courier New" panose="02070309020205020404" pitchFamily="49" charset="0"/>
+                <a:cs typeface="Courier New" panose="02070309020205020404" pitchFamily="49" charset="0"/>
+              </a:rPr>
+              <a:t>           ------------</a:t>
+            </a:r>
             <a:r>
               <a:rPr lang="en-GB" sz="1200" b="1" dirty="0">
                 <a:latin typeface="Courier New" panose="02070309020205020404" pitchFamily="49" charset="0"/>
                 <a:cs typeface="Courier New" panose="02070309020205020404" pitchFamily="49" charset="0"/>
               </a:rPr>
-              <a:t>    Bit#:  -7---6---5---4---3---2---1---0---</a:t>
+              <a:t>PORTA---------------</a:t>
             </a:r>
           </a:p>
           <a:p>
@@ -8364,21 +8358,30 @@
                 <a:latin typeface="Courier New" panose="02070309020205020404" pitchFamily="49" charset="0"/>
                 <a:cs typeface="Courier New" panose="02070309020205020404" pitchFamily="49" charset="0"/>
               </a:rPr>
-              <a:t>    IO:    </a:t>
+              <a:t>    Bit#:  -7---6---5---4---3---2---1---0---</a:t>
+            </a:r>
+          </a:p>
+          <a:p>
+            <a:r>
+              <a:rPr lang="en-GB" sz="1200" b="1" dirty="0">
+                <a:latin typeface="Courier New" panose="02070309020205020404" pitchFamily="49" charset="0"/>
+                <a:cs typeface="Courier New" panose="02070309020205020404" pitchFamily="49" charset="0"/>
+              </a:rPr>
+              <a:t>    IO:    </a:t>
             </a:r>
             <a:r>
               <a:rPr lang="en-GB" sz="1200" b="1" dirty="0" smtClean="0">
                 <a:latin typeface="Courier New" panose="02070309020205020404" pitchFamily="49" charset="0"/>
                 <a:cs typeface="Courier New" panose="02070309020205020404" pitchFamily="49" charset="0"/>
               </a:rPr>
-              <a:t>----------------SW----------ADC-</a:t>
+              <a:t>------------SW2-------------</a:t>
             </a:r>
             <a:r>
               <a:rPr lang="en-GB" sz="1200" b="1" dirty="0">
                 <a:latin typeface="Courier New" panose="02070309020205020404" pitchFamily="49" charset="0"/>
                 <a:cs typeface="Courier New" panose="02070309020205020404" pitchFamily="49" charset="0"/>
               </a:rPr>
-              <a:t>- </a:t>
+              <a:t>ADC--</a:t>
             </a:r>
           </a:p>
           <a:p>
@@ -8387,8 +8390,14 @@
                 <a:latin typeface="Courier New" panose="02070309020205020404" pitchFamily="49" charset="0"/>
                 <a:cs typeface="Courier New" panose="02070309020205020404" pitchFamily="49" charset="0"/>
               </a:rPr>
-              <a:t>    ----------------------------------------</a:t>
-            </a:r>
+              <a:t>    IO:    ---------------------------------</a:t>
+            </a:r>
+          </a:p>
+          <a:p>
+            <a:endParaRPr lang="en-GB" sz="1200" b="1" dirty="0">
+              <a:latin typeface="Courier New" panose="02070309020205020404" pitchFamily="49" charset="0"/>
+              <a:cs typeface="Courier New" panose="02070309020205020404" pitchFamily="49" charset="0"/>
+            </a:endParaRPr>
           </a:p>
           <a:p>
             <a:r>
@@ -8396,7 +8405,193 @@
                 <a:latin typeface="Courier New" panose="02070309020205020404" pitchFamily="49" charset="0"/>
                 <a:cs typeface="Courier New" panose="02070309020205020404" pitchFamily="49" charset="0"/>
               </a:rPr>
-              <a:t/>
+              <a:t>            ------------PORTB----------------</a:t>
+            </a:r>
+          </a:p>
+          <a:p>
+            <a:r>
+              <a:rPr lang="en-GB" sz="1200" b="1" dirty="0">
+                <a:latin typeface="Courier New" panose="02070309020205020404" pitchFamily="49" charset="0"/>
+                <a:cs typeface="Courier New" panose="02070309020205020404" pitchFamily="49" charset="0"/>
+              </a:rPr>
+              <a:t>    Bit#:  -7---6---5---4---3---2---1---0---</a:t>
+            </a:r>
+          </a:p>
+          <a:p>
+            <a:r>
+              <a:rPr lang="en-GB" sz="1200" b="1" dirty="0">
+                <a:latin typeface="Courier New" panose="02070309020205020404" pitchFamily="49" charset="0"/>
+                <a:cs typeface="Courier New" panose="02070309020205020404" pitchFamily="49" charset="0"/>
+              </a:rPr>
+              <a:t>    IO:    ----------------LED-LED-LED-LED--</a:t>
+            </a:r>
+          </a:p>
+          <a:p>
+            <a:r>
+              <a:rPr lang="en-GB" sz="1200" b="1" dirty="0">
+                <a:latin typeface="Courier New" panose="02070309020205020404" pitchFamily="49" charset="0"/>
+                <a:cs typeface="Courier New" panose="02070309020205020404" pitchFamily="49" charset="0"/>
+              </a:rPr>
+              <a:t>    IO:    ---------------------------------</a:t>
+            </a:r>
+          </a:p>
+          <a:p>
+            <a:endParaRPr lang="en-GB" sz="1200" b="1" dirty="0">
+              <a:latin typeface="Courier New" panose="02070309020205020404" pitchFamily="49" charset="0"/>
+              <a:cs typeface="Courier New" panose="02070309020205020404" pitchFamily="49" charset="0"/>
+            </a:endParaRPr>
+          </a:p>
+          <a:p>
+            <a:r>
+              <a:rPr lang="en-GB" sz="1200" b="1" dirty="0">
+                <a:latin typeface="Courier New" panose="02070309020205020404" pitchFamily="49" charset="0"/>
+                <a:cs typeface="Courier New" panose="02070309020205020404" pitchFamily="49" charset="0"/>
+              </a:rPr>
+              <a:t>            ------------PORTC----------------</a:t>
+            </a:r>
+          </a:p>
+          <a:p>
+            <a:r>
+              <a:rPr lang="en-GB" sz="1200" b="1" dirty="0">
+                <a:latin typeface="Courier New" panose="02070309020205020404" pitchFamily="49" charset="0"/>
+                <a:cs typeface="Courier New" panose="02070309020205020404" pitchFamily="49" charset="0"/>
+              </a:rPr>
+              <a:t>    Bit#:  -7---6---5---4---3---2---1---0---</a:t>
+            </a:r>
+          </a:p>
+          <a:p>
+            <a:r>
+              <a:rPr lang="en-GB" sz="1200" b="1" dirty="0">
+                <a:latin typeface="Courier New" panose="02070309020205020404" pitchFamily="49" charset="0"/>
+                <a:cs typeface="Courier New" panose="02070309020205020404" pitchFamily="49" charset="0"/>
+              </a:rPr>
+              <a:t>    IO:    </a:t>
+            </a:r>
+            <a:r>
+              <a:rPr lang="en-GB" sz="1200" b="1" dirty="0" smtClean="0">
+                <a:latin typeface="Courier New" panose="02070309020205020404" pitchFamily="49" charset="0"/>
+                <a:cs typeface="Courier New" panose="02070309020205020404" pitchFamily="49" charset="0"/>
+              </a:rPr>
+              <a:t>--------------------------------</a:t>
+            </a:r>
+            <a:endParaRPr lang="en-GB" sz="1200" b="1" dirty="0">
+              <a:latin typeface="Courier New" panose="02070309020205020404" pitchFamily="49" charset="0"/>
+              <a:cs typeface="Courier New" panose="02070309020205020404" pitchFamily="49" charset="0"/>
+            </a:endParaRPr>
+          </a:p>
+          <a:p>
+            <a:r>
+              <a:rPr lang="en-GB" sz="1200" b="1" dirty="0">
+                <a:latin typeface="Courier New" panose="02070309020205020404" pitchFamily="49" charset="0"/>
+                <a:cs typeface="Courier New" panose="02070309020205020404" pitchFamily="49" charset="0"/>
+              </a:rPr>
+              <a:t>    IO:    ---------------------------------</a:t>
+            </a:r>
+          </a:p>
+          <a:p>
+            <a:endParaRPr lang="en-GB" sz="1200" b="1" dirty="0">
+              <a:latin typeface="Courier New" panose="02070309020205020404" pitchFamily="49" charset="0"/>
+              <a:cs typeface="Courier New" panose="02070309020205020404" pitchFamily="49" charset="0"/>
+            </a:endParaRPr>
+          </a:p>
+          <a:p>
+            <a:r>
+              <a:rPr lang="en-GB" sz="1200" b="1" dirty="0">
+                <a:latin typeface="Courier New" panose="02070309020205020404" pitchFamily="49" charset="0"/>
+                <a:cs typeface="Courier New" panose="02070309020205020404" pitchFamily="49" charset="0"/>
+              </a:rPr>
+              <a:t>            ------------PORTD----------------</a:t>
+            </a:r>
+          </a:p>
+          <a:p>
+            <a:r>
+              <a:rPr lang="en-GB" sz="1200" b="1" dirty="0">
+                <a:latin typeface="Courier New" panose="02070309020205020404" pitchFamily="49" charset="0"/>
+                <a:cs typeface="Courier New" panose="02070309020205020404" pitchFamily="49" charset="0"/>
+              </a:rPr>
+              <a:t>    Bit#:  -7---6---5---4---3---2---1---0---</a:t>
+            </a:r>
+          </a:p>
+          <a:p>
+            <a:r>
+              <a:rPr lang="en-GB" sz="1200" b="1" dirty="0">
+                <a:latin typeface="Courier New" panose="02070309020205020404" pitchFamily="49" charset="0"/>
+                <a:cs typeface="Courier New" panose="02070309020205020404" pitchFamily="49" charset="0"/>
+              </a:rPr>
+              <a:t>    IO:    </a:t>
+            </a:r>
+            <a:r>
+              <a:rPr lang="en-GB" sz="1200" b="1" dirty="0" smtClean="0">
+                <a:latin typeface="Courier New" panose="02070309020205020404" pitchFamily="49" charset="0"/>
+                <a:cs typeface="Courier New" panose="02070309020205020404" pitchFamily="49" charset="0"/>
+              </a:rPr>
+              <a:t>--------------------------------</a:t>
+            </a:r>
+            <a:endParaRPr lang="en-GB" sz="1200" b="1" dirty="0">
+              <a:latin typeface="Courier New" panose="02070309020205020404" pitchFamily="49" charset="0"/>
+              <a:cs typeface="Courier New" panose="02070309020205020404" pitchFamily="49" charset="0"/>
+            </a:endParaRPr>
+          </a:p>
+          <a:p>
+            <a:r>
+              <a:rPr lang="en-GB" sz="1200" b="1" dirty="0">
+                <a:latin typeface="Courier New" panose="02070309020205020404" pitchFamily="49" charset="0"/>
+                <a:cs typeface="Courier New" panose="02070309020205020404" pitchFamily="49" charset="0"/>
+              </a:rPr>
+              <a:t>    IO:    ---------------------------------</a:t>
+            </a:r>
+          </a:p>
+          <a:p>
+            <a:endParaRPr lang="en-GB" sz="1200" b="1" dirty="0">
+              <a:latin typeface="Courier New" panose="02070309020205020404" pitchFamily="49" charset="0"/>
+              <a:cs typeface="Courier New" panose="02070309020205020404" pitchFamily="49" charset="0"/>
+            </a:endParaRPr>
+          </a:p>
+          <a:p>
+            <a:r>
+              <a:rPr lang="en-GB" sz="1200" b="1" dirty="0">
+                <a:latin typeface="Courier New" panose="02070309020205020404" pitchFamily="49" charset="0"/>
+                <a:cs typeface="Courier New" panose="02070309020205020404" pitchFamily="49" charset="0"/>
+              </a:rPr>
+              <a:t>            ------------PORTE----------------</a:t>
+            </a:r>
+          </a:p>
+          <a:p>
+            <a:r>
+              <a:rPr lang="en-GB" sz="1200" b="1" dirty="0">
+                <a:latin typeface="Courier New" panose="02070309020205020404" pitchFamily="49" charset="0"/>
+                <a:cs typeface="Courier New" panose="02070309020205020404" pitchFamily="49" charset="0"/>
+              </a:rPr>
+              <a:t>    Bit#:  -7---6---5---4---3---2---1---0---</a:t>
+            </a:r>
+          </a:p>
+          <a:p>
+            <a:r>
+              <a:rPr lang="en-GB" sz="1200" b="1" dirty="0">
+                <a:latin typeface="Courier New" panose="02070309020205020404" pitchFamily="49" charset="0"/>
+                <a:cs typeface="Courier New" panose="02070309020205020404" pitchFamily="49" charset="0"/>
+              </a:rPr>
+              <a:t>    IO:    </a:t>
+            </a:r>
+            <a:r>
+              <a:rPr lang="en-GB" sz="1200" b="1" dirty="0" smtClean="0">
+                <a:latin typeface="Courier New" panose="02070309020205020404" pitchFamily="49" charset="0"/>
+                <a:cs typeface="Courier New" panose="02070309020205020404" pitchFamily="49" charset="0"/>
+              </a:rPr>
+              <a:t>----------------RST---------------</a:t>
+            </a:r>
+            <a:endParaRPr lang="en-GB" sz="1200" b="1" dirty="0">
+              <a:latin typeface="Courier New" panose="02070309020205020404" pitchFamily="49" charset="0"/>
+              <a:cs typeface="Courier New" panose="02070309020205020404" pitchFamily="49" charset="0"/>
+            </a:endParaRPr>
+          </a:p>
+          <a:p>
+            <a:r>
+              <a:rPr lang="en-GB" sz="1200" b="1" dirty="0">
+                <a:latin typeface="Courier New" panose="02070309020205020404" pitchFamily="49" charset="0"/>
+                <a:cs typeface="Courier New" panose="02070309020205020404" pitchFamily="49" charset="0"/>
+              </a:rPr>
+              <a:t>    IO:    ---------------------------------</a:t>
             </a:r>
             <a:br>
               <a:rPr lang="en-GB" sz="1200" b="1" dirty="0">
@@ -8404,230 +8599,19 @@
                 <a:cs typeface="Courier New" panose="02070309020205020404" pitchFamily="49" charset="0"/>
               </a:rPr>
             </a:br>
-            <a:r>
-              <a:rPr lang="en-GB" sz="1200" b="1" dirty="0">
-                <a:latin typeface="Courier New" panose="02070309020205020404" pitchFamily="49" charset="0"/>
-                <a:cs typeface="Courier New" panose="02070309020205020404" pitchFamily="49" charset="0"/>
-              </a:rPr>
-              <a:t>    -------------------PORTB----------------</a:t>
-            </a:r>
-          </a:p>
-          <a:p>
-            <a:r>
-              <a:rPr lang="en-GB" sz="1200" b="1" dirty="0">
-                <a:latin typeface="Courier New" panose="02070309020205020404" pitchFamily="49" charset="0"/>
-                <a:cs typeface="Courier New" panose="02070309020205020404" pitchFamily="49" charset="0"/>
-              </a:rPr>
-              <a:t>    Bit#:  -7---6---5---4---3---2---1---0---</a:t>
-            </a:r>
-          </a:p>
-          <a:p>
-            <a:r>
-              <a:rPr lang="en-GB" sz="1200" b="1" dirty="0">
-                <a:latin typeface="Courier New" panose="02070309020205020404" pitchFamily="49" charset="0"/>
-                <a:cs typeface="Courier New" panose="02070309020205020404" pitchFamily="49" charset="0"/>
-              </a:rPr>
-              <a:t>    IO:    ----------------LED-LED-LED-LED--</a:t>
-            </a:r>
-          </a:p>
-          <a:p>
-            <a:r>
-              <a:rPr lang="en-GB" sz="1200" b="1" dirty="0">
-                <a:latin typeface="Courier New" panose="02070309020205020404" pitchFamily="49" charset="0"/>
-                <a:cs typeface="Courier New" panose="02070309020205020404" pitchFamily="49" charset="0"/>
-              </a:rPr>
-              <a:t>    ----------------------------------------</a:t>
-            </a:r>
-          </a:p>
-          <a:p>
-            <a:r>
-              <a:rPr lang="en-GB" sz="1200" b="1" dirty="0">
-                <a:latin typeface="Courier New" panose="02070309020205020404" pitchFamily="49" charset="0"/>
-                <a:cs typeface="Courier New" panose="02070309020205020404" pitchFamily="49" charset="0"/>
-              </a:rPr>
-              <a:t>    </a:t>
-            </a:r>
-          </a:p>
-          <a:p>
-            <a:r>
-              <a:rPr lang="en-GB" sz="1200" b="1" dirty="0">
-                <a:latin typeface="Courier New" panose="02070309020205020404" pitchFamily="49" charset="0"/>
-                <a:cs typeface="Courier New" panose="02070309020205020404" pitchFamily="49" charset="0"/>
-              </a:rPr>
-              <a:t>    ------------------PORTC-----------------</a:t>
-            </a:r>
-          </a:p>
-          <a:p>
-            <a:r>
-              <a:rPr lang="en-GB" sz="1200" b="1" dirty="0">
-                <a:latin typeface="Courier New" panose="02070309020205020404" pitchFamily="49" charset="0"/>
-                <a:cs typeface="Courier New" panose="02070309020205020404" pitchFamily="49" charset="0"/>
-              </a:rPr>
-              <a:t>    Bit#:  -X---6---5---4---3---2---1---0---</a:t>
-            </a:r>
-          </a:p>
-          <a:p>
-            <a:r>
-              <a:rPr lang="en-GB" sz="1200" b="1" dirty="0">
-                <a:latin typeface="Courier New" panose="02070309020205020404" pitchFamily="49" charset="0"/>
-                <a:cs typeface="Courier New" panose="02070309020205020404" pitchFamily="49" charset="0"/>
-              </a:rPr>
-              <a:t>    IO:    -^-------------------------------</a:t>
-            </a:r>
-          </a:p>
-          <a:p>
-            <a:r>
-              <a:rPr lang="en-GB" sz="1200" b="1" dirty="0">
-                <a:latin typeface="Courier New" panose="02070309020205020404" pitchFamily="49" charset="0"/>
-                <a:cs typeface="Courier New" panose="02070309020205020404" pitchFamily="49" charset="0"/>
-              </a:rPr>
-              <a:t>    -----VDDIO2----------------------------- </a:t>
-            </a:r>
-            <a:endParaRPr lang="en-GB" sz="1200" b="1" dirty="0" smtClean="0">
-              <a:latin typeface="Courier New" panose="02070309020205020404" pitchFamily="49" charset="0"/>
-              <a:cs typeface="Courier New" panose="02070309020205020404" pitchFamily="49" charset="0"/>
-            </a:endParaRPr>
-          </a:p>
-          <a:p>
-            <a:r>
-              <a:rPr lang="en-GB" sz="1200" b="1" dirty="0">
-                <a:latin typeface="Courier New" panose="02070309020205020404" pitchFamily="49" charset="0"/>
-                <a:cs typeface="Courier New" panose="02070309020205020404" pitchFamily="49" charset="0"/>
-              </a:rPr>
-              <a:t> </a:t>
-            </a:r>
-            <a:r>
-              <a:rPr lang="en-GB" sz="1200" b="1" dirty="0" smtClean="0">
-                <a:latin typeface="Courier New" panose="02070309020205020404" pitchFamily="49" charset="0"/>
-                <a:cs typeface="Courier New" panose="02070309020205020404" pitchFamily="49" charset="0"/>
-              </a:rPr>
-              <a:t>   You </a:t>
-            </a:r>
-            <a:r>
-              <a:rPr lang="en-GB" sz="1200" b="1" dirty="0">
-                <a:latin typeface="Courier New" panose="02070309020205020404" pitchFamily="49" charset="0"/>
-                <a:cs typeface="Courier New" panose="02070309020205020404" pitchFamily="49" charset="0"/>
-              </a:rPr>
-              <a:t>must apply correct </a:t>
-            </a:r>
-            <a:r>
-              <a:rPr lang="en-GB" sz="1200" b="1" dirty="0" smtClean="0">
-                <a:latin typeface="Courier New" panose="02070309020205020404" pitchFamily="49" charset="0"/>
-                <a:cs typeface="Courier New" panose="02070309020205020404" pitchFamily="49" charset="0"/>
-              </a:rPr>
-              <a:t>Voltage</a:t>
-            </a:r>
-          </a:p>
-          <a:p>
-            <a:r>
-              <a:rPr lang="en-GB" sz="1200" b="1" dirty="0" smtClean="0">
-                <a:latin typeface="Courier New" panose="02070309020205020404" pitchFamily="49" charset="0"/>
-                <a:cs typeface="Courier New" panose="02070309020205020404" pitchFamily="49" charset="0"/>
-              </a:rPr>
-              <a:t> </a:t>
-            </a:r>
-            <a:r>
-              <a:rPr lang="en-GB" sz="1200" b="1" dirty="0">
-                <a:latin typeface="Courier New" panose="02070309020205020404" pitchFamily="49" charset="0"/>
-                <a:cs typeface="Courier New" panose="02070309020205020404" pitchFamily="49" charset="0"/>
-              </a:rPr>
-              <a:t>  </a:t>
-            </a:r>
-          </a:p>
-          <a:p>
-            <a:r>
-              <a:rPr lang="en-GB" sz="1200" b="1" dirty="0">
-                <a:latin typeface="Courier New" panose="02070309020205020404" pitchFamily="49" charset="0"/>
-                <a:cs typeface="Courier New" panose="02070309020205020404" pitchFamily="49" charset="0"/>
-              </a:rPr>
-              <a:t>    ------------------</a:t>
-            </a:r>
-            <a:r>
-              <a:rPr lang="en-GB" sz="1200" b="1" dirty="0" smtClean="0">
-                <a:latin typeface="Courier New" panose="02070309020205020404" pitchFamily="49" charset="0"/>
-                <a:cs typeface="Courier New" panose="02070309020205020404" pitchFamily="49" charset="0"/>
-              </a:rPr>
-              <a:t>PORTE-</a:t>
-            </a:r>
-            <a:r>
-              <a:rPr lang="en-GB" sz="1200" b="1" dirty="0">
-                <a:latin typeface="Courier New" panose="02070309020205020404" pitchFamily="49" charset="0"/>
-                <a:cs typeface="Courier New" panose="02070309020205020404" pitchFamily="49" charset="0"/>
-              </a:rPr>
-              <a:t>----------------</a:t>
-            </a:r>
-          </a:p>
-          <a:p>
-            <a:r>
-              <a:rPr lang="en-GB" sz="1200" b="1" dirty="0">
-                <a:latin typeface="Courier New" panose="02070309020205020404" pitchFamily="49" charset="0"/>
-                <a:cs typeface="Courier New" panose="02070309020205020404" pitchFamily="49" charset="0"/>
-              </a:rPr>
-              <a:t>    Bit#:  </a:t>
-            </a:r>
-            <a:r>
-              <a:rPr lang="en-GB" sz="1200" b="1" dirty="0" smtClean="0">
-                <a:latin typeface="Courier New" panose="02070309020205020404" pitchFamily="49" charset="0"/>
-                <a:cs typeface="Courier New" panose="02070309020205020404" pitchFamily="49" charset="0"/>
-              </a:rPr>
-              <a:t>-----------------</a:t>
-            </a:r>
-            <a:r>
-              <a:rPr lang="en-GB" sz="1200" b="1" dirty="0">
-                <a:latin typeface="Courier New" panose="02070309020205020404" pitchFamily="49" charset="0"/>
-                <a:cs typeface="Courier New" panose="02070309020205020404" pitchFamily="49" charset="0"/>
-              </a:rPr>
-              <a:t>3-</a:t>
-            </a:r>
-            <a:r>
-              <a:rPr lang="en-GB" sz="1200" b="1" dirty="0" smtClean="0">
-                <a:latin typeface="Courier New" panose="02070309020205020404" pitchFamily="49" charset="0"/>
-                <a:cs typeface="Courier New" panose="02070309020205020404" pitchFamily="49" charset="0"/>
-              </a:rPr>
-              <a:t>--------------</a:t>
-            </a:r>
             <a:endParaRPr lang="en-GB" sz="1200" b="1" dirty="0">
               <a:latin typeface="Courier New" panose="02070309020205020404" pitchFamily="49" charset="0"/>
               <a:cs typeface="Courier New" panose="02070309020205020404" pitchFamily="49" charset="0"/>
             </a:endParaRPr>
           </a:p>
-          <a:p>
-            <a:r>
-              <a:rPr lang="en-GB" sz="1200" b="1" dirty="0">
-                <a:latin typeface="Courier New" panose="02070309020205020404" pitchFamily="49" charset="0"/>
-                <a:cs typeface="Courier New" panose="02070309020205020404" pitchFamily="49" charset="0"/>
-              </a:rPr>
-              <a:t>    IO:   </a:t>
-            </a:r>
-            <a:r>
-              <a:rPr lang="en-GB" sz="1200" b="1">
-                <a:latin typeface="Courier New" panose="02070309020205020404" pitchFamily="49" charset="0"/>
-                <a:cs typeface="Courier New" panose="02070309020205020404" pitchFamily="49" charset="0"/>
-              </a:rPr>
-              <a:t> </a:t>
-            </a:r>
-            <a:r>
-              <a:rPr lang="en-GB" sz="1200" b="1" smtClean="0">
-                <a:latin typeface="Courier New" panose="02070309020205020404" pitchFamily="49" charset="0"/>
-                <a:cs typeface="Courier New" panose="02070309020205020404" pitchFamily="49" charset="0"/>
-              </a:rPr>
-              <a:t>----------------</a:t>
-            </a:r>
-            <a:r>
-              <a:rPr lang="en-GB" sz="1200" b="1" dirty="0" smtClean="0">
-                <a:latin typeface="Courier New" panose="02070309020205020404" pitchFamily="49" charset="0"/>
-                <a:cs typeface="Courier New" panose="02070309020205020404" pitchFamily="49" charset="0"/>
-              </a:rPr>
-              <a:t>SW---------------</a:t>
-            </a:r>
-            <a:endParaRPr lang="en-GB" sz="1200" b="1" dirty="0">
-              <a:latin typeface="Courier New" panose="02070309020205020404" pitchFamily="49" charset="0"/>
-              <a:cs typeface="Courier New" panose="02070309020205020404" pitchFamily="49" charset="0"/>
-            </a:endParaRPr>
-          </a:p>
         </p:txBody>
       </p:sp>
     </p:spTree>
+    <p:extLst>
+      <p:ext uri="{BB962C8B-B14F-4D97-AF65-F5344CB8AC3E}">
+        <p14:creationId xmlns:p14="http://schemas.microsoft.com/office/powerpoint/2010/main" val="1086313748"/>
+      </p:ext>
+    </p:extLst>
   </p:cSld>
   <p:clrMapOvr>
     <a:masterClrMapping/>
@@ -8679,9 +8663,16 @@
         </p:nvSpPr>
         <p:spPr/>
         <p:txBody>
-          <a:bodyPr/>
+          <a:bodyPr vert="horz" lIns="85064" tIns="42531" rIns="85064" bIns="42531" rtlCol="0" anchor="t">
+            <a:normAutofit/>
+          </a:bodyPr>
           <a:lstStyle/>
           <a:p>
+            <a:pPr algn="l"/>
+            <a:r>
+              <a:rPr lang="en-GB" dirty="0" smtClean="0"/>
+              <a:t>Pulling it all together </a:t>
+            </a:r>
             <a:endParaRPr lang="en-GB" dirty="0"/>
           </a:p>
         </p:txBody>
@@ -8698,24 +8689,114 @@
         </p:nvSpPr>
         <p:spPr/>
         <p:txBody>
-          <a:bodyPr/>
+          <a:bodyPr>
+            <a:normAutofit/>
+          </a:bodyPr>
           <a:lstStyle/>
           <a:p>
+            <a:r>
+              <a:rPr lang="en-GB" dirty="0" smtClean="0"/>
+              <a:t>Output</a:t>
+            </a:r>
+          </a:p>
+          <a:p>
+            <a:pPr lvl="1"/>
+            <a:r>
+              <a:rPr lang="en-GB" dirty="0" smtClean="0"/>
+              <a:t>LEDs rotating in sequence</a:t>
+            </a:r>
+          </a:p>
+          <a:p>
+            <a:r>
+              <a:rPr lang="en-GB" dirty="0" smtClean="0"/>
+              <a:t>Input</a:t>
+            </a:r>
+          </a:p>
+          <a:p>
+            <a:pPr lvl="1"/>
+            <a:r>
+              <a:rPr lang="en-GB" dirty="0" smtClean="0"/>
+              <a:t>Switch to control direction of sequence</a:t>
+            </a:r>
+          </a:p>
+          <a:p>
+            <a:pPr lvl="1"/>
+            <a:r>
+              <a:rPr lang="en-GB" dirty="0" smtClean="0"/>
+              <a:t>Using Master Clear as an input NOT as a reset</a:t>
+            </a:r>
+          </a:p>
+          <a:p>
+            <a:r>
+              <a:rPr lang="en-GB" dirty="0" smtClean="0"/>
+              <a:t>ADC </a:t>
+            </a:r>
+          </a:p>
+          <a:p>
+            <a:pPr lvl="1"/>
+            <a:r>
+              <a:rPr lang="en-GB" dirty="0" smtClean="0"/>
+              <a:t>Read the voltage from the potentiometer</a:t>
+            </a:r>
+          </a:p>
+          <a:p>
+            <a:r>
+              <a:rPr lang="en-GB" dirty="0" smtClean="0"/>
+              <a:t>Time</a:t>
+            </a:r>
+          </a:p>
+          <a:p>
+            <a:pPr lvl="1"/>
+            <a:r>
+              <a:rPr lang="en-GB" dirty="0" smtClean="0"/>
+              <a:t>Using WAIT that consistent across all </a:t>
+            </a:r>
+            <a:r>
+              <a:rPr lang="en-GB" dirty="0" err="1" smtClean="0"/>
+              <a:t>mcu</a:t>
+            </a:r>
+            <a:r>
+              <a:rPr lang="en-GB" dirty="0" smtClean="0"/>
+              <a:t> frequency</a:t>
+            </a:r>
+          </a:p>
+          <a:p>
+            <a:endParaRPr lang="en-GB" dirty="0" smtClean="0"/>
+          </a:p>
+          <a:p>
+            <a:pPr lvl="1"/>
+            <a:endParaRPr lang="en-GB" dirty="0" smtClean="0"/>
+          </a:p>
+          <a:p>
+            <a:pPr lvl="2">
+              <a:buNone/>
+            </a:pPr>
+            <a:endParaRPr lang="en-GB" i="1" dirty="0" smtClean="0"/>
+          </a:p>
+          <a:p>
+            <a:pPr lvl="2">
+              <a:buNone/>
+            </a:pPr>
             <a:endParaRPr lang="en-GB" dirty="0"/>
           </a:p>
         </p:txBody>
       </p:sp>
     </p:spTree>
+    <p:extLst>
+      <p:ext uri="{BB962C8B-B14F-4D97-AF65-F5344CB8AC3E}">
+        <p14:creationId xmlns:p14="http://schemas.microsoft.com/office/powerpoint/2010/main" val="3795166154"/>
+      </p:ext>
+    </p:extLst>
   </p:cSld>
   <p:clrMapOvr>
     <a:masterClrMapping/>
   </p:clrMapOvr>
   <mc:AlternateContent xmlns:mc="http://schemas.openxmlformats.org/markup-compatibility/2006" xmlns:p14="http://schemas.microsoft.com/office/powerpoint/2010/main">
     <mc:Choice Requires="p14">
-      <p:transition spd="slow" p14:dur="2000"/>
+      <p:transition spd="slow" p14:dur="2000" advClick="0"/>
     </mc:Choice>
     <mc:Fallback xmlns="">
-      <p:transition spd="slow"/>
+      <p:transition spd="slow" advClick="0"/>
     </mc:Fallback>
   </mc:AlternateContent>
   <p:timing>
@@ -8729,2646 +8810,6 @@
 </file>
 
 <file path=ppt/slides/slide12.xml><?xml version="1.0" encoding="utf-8"?>
-<p:sld xmlns:a="http://schemas.openxmlformats.org/drawingml/2006/main" xmlns:r="http://schemas.openxmlformats.org/officeDocument/2006/relationships" xmlns:p="http://schemas.openxmlformats.org/presentationml/2006/main">
-  <p:cSld>
-    <p:spTree>
-      <p:nvGrpSpPr>
-        <p:cNvPr id="1" name=""/>
-        <p:cNvGrpSpPr/>
-        <p:nvPr/>
-      </p:nvGrpSpPr>
-      <p:grpSpPr>
-        <a:xfrm>
-          <a:off x="0" y="0"/>
-          <a:ext cx="0" cy="0"/>
-          <a:chOff x="0" y="0"/>
-          <a:chExt cx="0" cy="0"/>
-        </a:xfrm>
-      </p:grpSpPr>
-      <p:sp>
-        <p:nvSpPr>
-          <p:cNvPr id="2" name="Title 1"/>
-          <p:cNvSpPr>
-            <a:spLocks noGrp="1"/>
-          </p:cNvSpPr>
-          <p:nvPr>
-            <p:ph type="title"/>
-          </p:nvPr>
-        </p:nvSpPr>
-        <p:spPr/>
-        <p:txBody>
-          <a:bodyPr>
-            <a:normAutofit/>
-          </a:bodyPr>
-          <a:lstStyle/>
-          <a:p>
-            <a:r>
-              <a:rPr lang="en-GB" dirty="0" smtClean="0"/>
-              <a:t>Videos...</a:t>
-            </a:r>
-            <a:endParaRPr lang="en-GB" dirty="0"/>
-          </a:p>
-        </p:txBody>
-      </p:sp>
-      <p:sp>
-        <p:nvSpPr>
-          <p:cNvPr id="3" name="Content Placeholder 2"/>
-          <p:cNvSpPr>
-            <a:spLocks noGrp="1"/>
-          </p:cNvSpPr>
-          <p:nvPr>
-            <p:ph idx="1"/>
-          </p:nvPr>
-        </p:nvSpPr>
-        <p:spPr>
-          <a:xfrm>
-            <a:off x="467544" y="987574"/>
-            <a:ext cx="6447501" cy="4111476"/>
-          </a:xfrm>
-          <a:solidFill>
-            <a:schemeClr val="bg1"/>
-          </a:solidFill>
-        </p:spPr>
-        <p:txBody>
-          <a:bodyPr>
-            <a:noAutofit/>
-          </a:bodyPr>
-          <a:lstStyle/>
-          <a:p>
-            <a:pPr marL="180000" indent="-478483">
-              <a:spcBef>
-                <a:spcPts val="300"/>
-              </a:spcBef>
-              <a:buFont typeface="+mj-lt"/>
-              <a:buAutoNum type="arabicPeriod"/>
-            </a:pPr>
-            <a:r>
-              <a:rPr lang="en-GB" sz="1100" dirty="0"/>
-              <a:t>Install the hardware and make the board work – three LED programs</a:t>
-            </a:r>
-          </a:p>
-          <a:p>
-            <a:pPr marL="180000" indent="-478483">
-              <a:spcBef>
-                <a:spcPts val="300"/>
-              </a:spcBef>
-              <a:buFont typeface="+mj-lt"/>
-              <a:buAutoNum type="arabicPeriod"/>
-            </a:pPr>
-            <a:r>
-              <a:rPr lang="en-GB" sz="1100" dirty="0"/>
-              <a:t>Make  four LEDs flash in a sequence</a:t>
-            </a:r>
-          </a:p>
-          <a:p>
-            <a:pPr marL="180000" indent="-478483">
-              <a:spcBef>
-                <a:spcPts val="300"/>
-              </a:spcBef>
-              <a:buFont typeface="+mj-lt"/>
-              <a:buAutoNum type="arabicPeriod"/>
-            </a:pPr>
-            <a:r>
-              <a:rPr lang="en-GB" sz="1100" dirty="0"/>
-              <a:t>Set the LEDs to represent the value of ADC</a:t>
-            </a:r>
-          </a:p>
-          <a:p>
-            <a:pPr marL="180000" indent="-478483">
-              <a:spcBef>
-                <a:spcPts val="300"/>
-              </a:spcBef>
-              <a:buFont typeface="+mj-lt"/>
-              <a:buAutoNum type="arabicPeriod"/>
-            </a:pPr>
-            <a:r>
-              <a:rPr lang="en-GB" sz="1100" dirty="0"/>
-              <a:t>Sequence the LEDs with a delay using the value of ADC</a:t>
-            </a:r>
-          </a:p>
-          <a:p>
-            <a:pPr marL="180000" indent="-478483">
-              <a:spcBef>
-                <a:spcPts val="300"/>
-              </a:spcBef>
-              <a:buFont typeface="+mj-lt"/>
-              <a:buAutoNum type="arabicPeriod"/>
-            </a:pPr>
-            <a:r>
-              <a:rPr lang="en-GB" sz="1100" dirty="0"/>
-              <a:t>Using an input to set the state of the LEDs</a:t>
-            </a:r>
-          </a:p>
-          <a:p>
-            <a:pPr marL="180000" indent="-478483">
-              <a:spcBef>
-                <a:spcPts val="300"/>
-              </a:spcBef>
-              <a:buFont typeface="+mj-lt"/>
-              <a:buAutoNum type="arabicPeriod"/>
-            </a:pPr>
-            <a:r>
-              <a:rPr lang="en-GB" sz="1100" dirty="0"/>
-              <a:t>Using the reset switch</a:t>
-            </a:r>
-          </a:p>
-          <a:p>
-            <a:pPr marL="180000" indent="-478483">
-              <a:spcBef>
-                <a:spcPts val="300"/>
-              </a:spcBef>
-              <a:buFont typeface="+mj-lt"/>
-              <a:buAutoNum type="arabicPeriod"/>
-            </a:pPr>
-            <a:r>
-              <a:rPr lang="en-GB" sz="1100" dirty="0"/>
-              <a:t>Using the switch, ADC – make the LEDs flash in a sequence with reverse</a:t>
-            </a:r>
-          </a:p>
-          <a:p>
-            <a:pPr marL="180000" indent="-478483">
-              <a:spcBef>
-                <a:spcPts val="300"/>
-              </a:spcBef>
-              <a:buFont typeface="+mj-lt"/>
-              <a:buAutoNum type="arabicPeriod"/>
-            </a:pPr>
-            <a:r>
-              <a:rPr lang="en-GB" sz="1100" b="1" dirty="0"/>
-              <a:t>Using the serial to display values</a:t>
-            </a:r>
-          </a:p>
-          <a:p>
-            <a:pPr marL="180000" indent="-478483">
-              <a:spcBef>
-                <a:spcPts val="300"/>
-              </a:spcBef>
-              <a:buFont typeface="+mj-lt"/>
-              <a:buAutoNum type="arabicPeriod"/>
-            </a:pPr>
-            <a:r>
-              <a:rPr lang="en-GB" sz="1100" dirty="0"/>
-              <a:t>Using the timer0 overflow, 8bit timer, 16bit timer to flash the LEDs</a:t>
-            </a:r>
-          </a:p>
-          <a:p>
-            <a:pPr marL="180000" indent="-478483">
-              <a:spcBef>
-                <a:spcPts val="300"/>
-              </a:spcBef>
-              <a:buFont typeface="+mj-lt"/>
-              <a:buAutoNum type="arabicPeriod"/>
-            </a:pPr>
-            <a:r>
-              <a:rPr lang="en-GB" sz="1100" dirty="0"/>
-              <a:t>Using EEProm – showing values on the serial terminal, and more constants insights</a:t>
-            </a:r>
-          </a:p>
-          <a:p>
-            <a:pPr marL="180000" indent="-478483">
-              <a:spcBef>
-                <a:spcPts val="300"/>
-              </a:spcBef>
-              <a:buFont typeface="+mj-lt"/>
-              <a:buAutoNum type="arabicPeriod"/>
-            </a:pPr>
-            <a:r>
-              <a:rPr lang="en-GB" sz="1100" dirty="0"/>
-              <a:t>Using I2C with serial to discover I2C devices</a:t>
-            </a:r>
-          </a:p>
-          <a:p>
-            <a:pPr marL="180000" indent="-478483">
-              <a:spcBef>
-                <a:spcPts val="300"/>
-              </a:spcBef>
-              <a:buFont typeface="+mj-lt"/>
-              <a:buAutoNum type="arabicPeriod"/>
-            </a:pPr>
-            <a:r>
-              <a:rPr lang="en-GB" sz="1100" dirty="0"/>
-              <a:t>Using an I2C GCLD display</a:t>
-            </a:r>
-          </a:p>
-          <a:p>
-            <a:pPr marL="180000" indent="-478483">
-              <a:spcBef>
-                <a:spcPts val="300"/>
-              </a:spcBef>
-              <a:buFont typeface="+mj-lt"/>
-              <a:buAutoNum type="arabicPeriod"/>
-            </a:pPr>
-            <a:r>
-              <a:rPr lang="en-GB" sz="1100" dirty="0"/>
-              <a:t>Using a SPI GCLD display</a:t>
-            </a:r>
-          </a:p>
-          <a:p>
-            <a:pPr marL="180000" indent="-478483">
-              <a:spcBef>
-                <a:spcPts val="300"/>
-              </a:spcBef>
-              <a:buFont typeface="+mj-lt"/>
-              <a:buAutoNum type="arabicPeriod"/>
-            </a:pPr>
-            <a:r>
-              <a:rPr lang="en-GB" sz="1100" dirty="0"/>
-              <a:t>Using PWM, 7  ways,  to dim the LEDS</a:t>
-            </a:r>
-          </a:p>
-          <a:p>
-            <a:pPr marL="180000" indent="-478483">
-              <a:spcBef>
-                <a:spcPts val="300"/>
-              </a:spcBef>
-              <a:buFont typeface="+mj-lt"/>
-              <a:buAutoNum type="arabicPeriod"/>
-            </a:pPr>
-            <a:r>
-              <a:rPr lang="en-GB" sz="1100" dirty="0"/>
-              <a:t>Using an external interrupt to control an LED</a:t>
-            </a:r>
-          </a:p>
-          <a:p>
-            <a:pPr marL="180000" indent="-478483">
-              <a:spcBef>
-                <a:spcPts val="300"/>
-              </a:spcBef>
-              <a:buFont typeface="+mj-lt"/>
-              <a:buAutoNum type="arabicPeriod"/>
-            </a:pPr>
-            <a:r>
-              <a:rPr lang="en-GB" sz="1100" dirty="0"/>
-              <a:t>Using storage within the chip – Progmem, SAF memory, EEPROM and DATA blocks</a:t>
-            </a:r>
-          </a:p>
-          <a:p>
-            <a:pPr marL="180000" indent="-478483">
-              <a:spcBef>
-                <a:spcPts val="300"/>
-              </a:spcBef>
-              <a:buFont typeface="+mj-lt"/>
-              <a:buAutoNum type="arabicPeriod"/>
-            </a:pPr>
-            <a:r>
-              <a:rPr lang="en-GB" sz="1100" dirty="0"/>
-              <a:t>Using CLC</a:t>
-            </a:r>
-          </a:p>
-          <a:p>
-            <a:pPr marL="180000" indent="-478483">
-              <a:spcBef>
-                <a:spcPts val="300"/>
-              </a:spcBef>
-              <a:buFont typeface="+mj-lt"/>
-              <a:buAutoNum type="arabicPeriod"/>
-            </a:pPr>
-            <a:r>
-              <a:rPr lang="en-GB" sz="1100" dirty="0"/>
-              <a:t>The GCBASIC tool chain</a:t>
-            </a:r>
-          </a:p>
-          <a:p>
-            <a:pPr marL="180000" indent="-478483">
-              <a:spcBef>
-                <a:spcPts val="300"/>
-              </a:spcBef>
-              <a:buFont typeface="+mj-lt"/>
-              <a:buAutoNum type="arabicPeriod"/>
-            </a:pPr>
-            <a:r>
-              <a:rPr lang="en-GB" sz="1100" dirty="0"/>
-              <a:t>Assembly , alternatives assemblers and MPLAB-X</a:t>
-            </a:r>
-          </a:p>
-          <a:p>
-            <a:pPr marL="180000" indent="-478483">
-              <a:spcBef>
-                <a:spcPts val="300"/>
-              </a:spcBef>
-              <a:buFont typeface="+mj-lt"/>
-              <a:buAutoNum type="arabicPeriod"/>
-            </a:pPr>
-            <a:r>
-              <a:rPr lang="en-GB" sz="1100" dirty="0"/>
-              <a:t>Summary</a:t>
-            </a:r>
-          </a:p>
-          <a:p>
-            <a:pPr marL="180000" indent="-478483">
-              <a:spcBef>
-                <a:spcPts val="300"/>
-              </a:spcBef>
-              <a:buFont typeface="+mj-lt"/>
-              <a:buAutoNum type="arabicPeriod"/>
-            </a:pPr>
-            <a:endParaRPr lang="en-GB" sz="400" dirty="0" smtClean="0">
-              <a:solidFill>
-                <a:schemeClr val="bg1">
-                  <a:lumMod val="75000"/>
-                </a:schemeClr>
-              </a:solidFill>
-            </a:endParaRPr>
-          </a:p>
-          <a:p>
-            <a:pPr marL="180000" indent="-478483">
-              <a:spcBef>
-                <a:spcPts val="300"/>
-              </a:spcBef>
-              <a:buNone/>
-            </a:pPr>
-            <a:endParaRPr lang="en-GB" sz="700" dirty="0" smtClean="0"/>
-          </a:p>
-          <a:p>
-            <a:pPr marL="180000" indent="-478483">
-              <a:spcBef>
-                <a:spcPts val="300"/>
-              </a:spcBef>
-              <a:buFont typeface="+mj-lt"/>
-              <a:buAutoNum type="arabicPeriod"/>
-            </a:pPr>
-            <a:endParaRPr lang="en-GB" sz="700" dirty="0" smtClean="0"/>
-          </a:p>
-          <a:p>
-            <a:pPr marL="180000" indent="-478483">
-              <a:spcBef>
-                <a:spcPts val="300"/>
-              </a:spcBef>
-              <a:buFont typeface="+mj-lt"/>
-              <a:buAutoNum type="arabicPeriod"/>
-            </a:pPr>
-            <a:endParaRPr lang="en-GB" sz="500" dirty="0" smtClean="0"/>
-          </a:p>
-          <a:p>
-            <a:pPr marL="180000" indent="-478483">
-              <a:spcBef>
-                <a:spcPts val="300"/>
-              </a:spcBef>
-              <a:buFont typeface="+mj-lt"/>
-              <a:buAutoNum type="arabicPeriod"/>
-            </a:pPr>
-            <a:endParaRPr lang="en-GB" sz="500" dirty="0" smtClean="0"/>
-          </a:p>
-          <a:p>
-            <a:pPr marL="180000" indent="-478483">
-              <a:spcBef>
-                <a:spcPts val="300"/>
-              </a:spcBef>
-              <a:buFont typeface="+mj-lt"/>
-              <a:buAutoNum type="arabicPeriod"/>
-            </a:pPr>
-            <a:endParaRPr lang="en-GB" sz="500" dirty="0" smtClean="0"/>
-          </a:p>
-          <a:p>
-            <a:pPr marL="180000" indent="-478483">
-              <a:spcBef>
-                <a:spcPts val="300"/>
-              </a:spcBef>
-              <a:buFont typeface="+mj-lt"/>
-              <a:buAutoNum type="arabicPeriod"/>
-            </a:pPr>
-            <a:endParaRPr lang="en-GB" sz="500" dirty="0"/>
-          </a:p>
-        </p:txBody>
-      </p:sp>
-    </p:spTree>
-    <p:extLst>
-      <p:ext uri="{BB962C8B-B14F-4D97-AF65-F5344CB8AC3E}">
-        <p14:creationId xmlns:p14="http://schemas.microsoft.com/office/powerpoint/2010/main" val="1332074503"/>
-      </p:ext>
-    </p:extLst>
-  </p:cSld>
-  <p:clrMapOvr>
-    <a:masterClrMapping/>
-  </p:clrMapOvr>
-  <mc:AlternateContent xmlns:mc="http://schemas.openxmlformats.org/markup-compatibility/2006" xmlns:p14="http://schemas.microsoft.com/office/powerpoint/2010/main">
-    <mc:Choice Requires="p14">
-      <p:transition spd="slow" p14:dur="2000"/>
-    </mc:Choice>
-    <mc:Fallback xmlns="">
-      <p:transition spd="slow"/>
-    </mc:Fallback>
-  </mc:AlternateContent>
-  <p:timing>
-    <p:tnLst>
-      <p:par>
-        <p:cTn id="1" dur="indefinite" restart="never" nodeType="tmRoot"/>
-      </p:par>
-    </p:tnLst>
-  </p:timing>
-</p:sld>
-</file>
-
-<file path=ppt/slides/slide13.xml><?xml version="1.0" encoding="utf-8"?>
-<p:sld xmlns:a="http://schemas.openxmlformats.org/drawingml/2006/main" xmlns:r="http://schemas.openxmlformats.org/officeDocument/2006/relationships" xmlns:p="http://schemas.openxmlformats.org/presentationml/2006/main">
-  <p:cSld>
-    <p:spTree>
-      <p:nvGrpSpPr>
-        <p:cNvPr id="1" name=""/>
-        <p:cNvGrpSpPr/>
-        <p:nvPr/>
-      </p:nvGrpSpPr>
-      <p:grpSpPr>
-        <a:xfrm>
-          <a:off x="0" y="0"/>
-          <a:ext cx="0" cy="0"/>
-          <a:chOff x="0" y="0"/>
-          <a:chExt cx="0" cy="0"/>
-        </a:xfrm>
-      </p:grpSpPr>
-      <p:sp>
-        <p:nvSpPr>
-          <p:cNvPr id="2" name="Title 1"/>
-          <p:cNvSpPr>
-            <a:spLocks noGrp="1"/>
-          </p:cNvSpPr>
-          <p:nvPr>
-            <p:ph type="ctrTitle"/>
-          </p:nvPr>
-        </p:nvSpPr>
-        <p:spPr/>
-        <p:txBody>
-          <a:bodyPr/>
-          <a:lstStyle/>
-          <a:p>
-            <a:r>
-              <a:rPr lang="en-GB" dirty="0" smtClean="0"/>
-              <a:t>GCBASIC</a:t>
-            </a:r>
-            <a:endParaRPr lang="en-GB" dirty="0"/>
-          </a:p>
-        </p:txBody>
-      </p:sp>
-      <p:pic>
-        <p:nvPicPr>
-          <p:cNvPr id="1026" name="Picture 2" descr="D:\Build\AnobiumTransparent.jpg"/>
-          <p:cNvPicPr>
-            <a:picLocks noChangeAspect="1" noChangeArrowheads="1"/>
-          </p:cNvPicPr>
-          <p:nvPr/>
-        </p:nvPicPr>
-        <p:blipFill>
-          <a:blip r:embed="rId2" cstate="print"/>
-          <a:srcRect/>
-          <a:stretch>
-            <a:fillRect/>
-          </a:stretch>
-        </p:blipFill>
-        <p:spPr bwMode="auto">
-          <a:xfrm>
-            <a:off x="5292080" y="911052"/>
-            <a:ext cx="1828859" cy="771550"/>
-          </a:xfrm>
-          <a:prstGeom prst="rect">
-            <a:avLst/>
-          </a:prstGeom>
-          <a:noFill/>
-        </p:spPr>
-      </p:pic>
-      <p:sp>
-        <p:nvSpPr>
-          <p:cNvPr id="4" name="AutoShape 2" descr="ICSP connection"/>
-          <p:cNvSpPr>
-            <a:spLocks noChangeAspect="1" noChangeArrowheads="1"/>
-          </p:cNvSpPr>
-          <p:nvPr/>
-        </p:nvSpPr>
-        <p:spPr bwMode="auto">
-          <a:xfrm>
-            <a:off x="155575" y="-144462"/>
-            <a:ext cx="304800" cy="304801"/>
-          </a:xfrm>
-          <a:prstGeom prst="rect">
-            <a:avLst/>
-          </a:prstGeom>
-          <a:noFill/>
-        </p:spPr>
-        <p:txBody>
-          <a:bodyPr vert="horz" wrap="square" lIns="85064" tIns="42531" rIns="85064" bIns="42531" numCol="1" anchor="t" anchorCtr="0" compatLnSpc="1">
-            <a:prstTxWarp prst="textNoShape">
-              <a:avLst/>
-            </a:prstTxWarp>
-          </a:bodyPr>
-          <a:lstStyle/>
-          <a:p>
-            <a:endParaRPr lang="en-GB" dirty="0"/>
-          </a:p>
-        </p:txBody>
-      </p:sp>
-      <p:sp>
-        <p:nvSpPr>
-          <p:cNvPr id="8" name="Text Placeholder 4"/>
-          <p:cNvSpPr txBox="1">
-            <a:spLocks/>
-          </p:cNvSpPr>
-          <p:nvPr/>
-        </p:nvSpPr>
-        <p:spPr>
-          <a:xfrm>
-            <a:off x="3805512" y="2931790"/>
-            <a:ext cx="3342861" cy="645300"/>
-          </a:xfrm>
-          <a:prstGeom prst="rect">
-            <a:avLst/>
-          </a:prstGeom>
-        </p:spPr>
-        <p:txBody>
-          <a:bodyPr vert="horz" lIns="68580" tIns="34290" rIns="68580" bIns="34290" rtlCol="0" anchor="t">
-            <a:normAutofit fontScale="85000" lnSpcReduction="20000"/>
-          </a:bodyPr>
-          <a:lstStyle>
-            <a:lvl1pPr marL="0" indent="0" algn="r" defTabSz="342900" rtl="0" eaLnBrk="1" latinLnBrk="0" hangingPunct="1">
-              <a:spcBef>
-                <a:spcPts val="750"/>
-              </a:spcBef>
-              <a:spcAft>
-                <a:spcPts val="0"/>
-              </a:spcAft>
-              <a:buClr>
-                <a:schemeClr val="accent1"/>
-              </a:buClr>
-              <a:buSzPct val="80000"/>
-              <a:buFont typeface="Wingdings 3" charset="2"/>
-              <a:buNone/>
-              <a:defRPr sz="1400" kern="1200">
-                <a:solidFill>
-                  <a:schemeClr val="tx1">
-                    <a:lumMod val="50000"/>
-                    <a:lumOff val="50000"/>
-                  </a:schemeClr>
-                </a:solidFill>
-                <a:latin typeface="+mn-lt"/>
-                <a:ea typeface="+mn-ea"/>
-                <a:cs typeface="+mn-cs"/>
-              </a:defRPr>
-            </a:lvl1pPr>
-            <a:lvl2pPr marL="342900" indent="0" algn="ctr" defTabSz="342900" rtl="0" eaLnBrk="1" latinLnBrk="0" hangingPunct="1">
-              <a:spcBef>
-                <a:spcPts val="750"/>
-              </a:spcBef>
-              <a:spcAft>
-                <a:spcPts val="0"/>
-              </a:spcAft>
-              <a:buClr>
-                <a:schemeClr val="accent1"/>
-              </a:buClr>
-              <a:buSzPct val="80000"/>
-              <a:buFont typeface="Wingdings 3" charset="2"/>
-              <a:buNone/>
-              <a:defRPr sz="1200" kern="1200">
-                <a:solidFill>
-                  <a:schemeClr val="tx1">
-                    <a:tint val="75000"/>
-                  </a:schemeClr>
-                </a:solidFill>
-                <a:latin typeface="+mn-lt"/>
-                <a:ea typeface="+mn-ea"/>
-                <a:cs typeface="+mn-cs"/>
-              </a:defRPr>
-            </a:lvl2pPr>
-            <a:lvl3pPr marL="685800" indent="0" algn="ctr" defTabSz="342900" rtl="0" eaLnBrk="1" latinLnBrk="0" hangingPunct="1">
-              <a:spcBef>
-                <a:spcPts val="750"/>
-              </a:spcBef>
-              <a:spcAft>
-                <a:spcPts val="0"/>
-              </a:spcAft>
-              <a:buClr>
-                <a:schemeClr val="accent1"/>
-              </a:buClr>
-              <a:buSzPct val="80000"/>
-              <a:buFont typeface="Wingdings 3" charset="2"/>
-              <a:buNone/>
-              <a:defRPr sz="1100" kern="1200">
-                <a:solidFill>
-                  <a:schemeClr val="tx1">
-                    <a:tint val="75000"/>
-                  </a:schemeClr>
-                </a:solidFill>
-                <a:latin typeface="+mn-lt"/>
-                <a:ea typeface="+mn-ea"/>
-                <a:cs typeface="+mn-cs"/>
-              </a:defRPr>
-            </a:lvl3pPr>
-            <a:lvl4pPr marL="1028700" indent="0" algn="ctr" defTabSz="342900" rtl="0" eaLnBrk="1" latinLnBrk="0" hangingPunct="1">
-              <a:spcBef>
-                <a:spcPts val="750"/>
-              </a:spcBef>
-              <a:spcAft>
-                <a:spcPts val="0"/>
-              </a:spcAft>
-              <a:buClr>
-                <a:schemeClr val="accent1"/>
-              </a:buClr>
-              <a:buSzPct val="80000"/>
-              <a:buFont typeface="Wingdings 3" charset="2"/>
-              <a:buNone/>
-              <a:defRPr sz="900" kern="1200">
-                <a:solidFill>
-                  <a:schemeClr val="tx1">
-                    <a:tint val="75000"/>
-                  </a:schemeClr>
-                </a:solidFill>
-                <a:latin typeface="+mn-lt"/>
-                <a:ea typeface="+mn-ea"/>
-                <a:cs typeface="+mn-cs"/>
-              </a:defRPr>
-            </a:lvl4pPr>
-            <a:lvl5pPr marL="1371600" indent="0" algn="ctr" defTabSz="342900" rtl="0" eaLnBrk="1" latinLnBrk="0" hangingPunct="1">
-              <a:spcBef>
-                <a:spcPts val="750"/>
-              </a:spcBef>
-              <a:spcAft>
-                <a:spcPts val="0"/>
-              </a:spcAft>
-              <a:buClr>
-                <a:schemeClr val="accent1"/>
-              </a:buClr>
-              <a:buSzPct val="80000"/>
-              <a:buFont typeface="Wingdings 3" charset="2"/>
-              <a:buNone/>
-              <a:defRPr sz="900" kern="1200">
-                <a:solidFill>
-                  <a:schemeClr val="tx1">
-                    <a:tint val="75000"/>
-                  </a:schemeClr>
-                </a:solidFill>
-                <a:latin typeface="+mn-lt"/>
-                <a:ea typeface="+mn-ea"/>
-                <a:cs typeface="+mn-cs"/>
-              </a:defRPr>
-            </a:lvl5pPr>
-            <a:lvl6pPr marL="1714500" indent="0" algn="ctr" defTabSz="342900" rtl="0" eaLnBrk="1" latinLnBrk="0" hangingPunct="1">
-              <a:spcBef>
-                <a:spcPts val="750"/>
-              </a:spcBef>
-              <a:spcAft>
-                <a:spcPts val="0"/>
-              </a:spcAft>
-              <a:buClr>
-                <a:schemeClr val="accent1"/>
-              </a:buClr>
-              <a:buSzPct val="80000"/>
-              <a:buFont typeface="Wingdings 3" charset="2"/>
-              <a:buNone/>
-              <a:defRPr sz="900" kern="1200">
-                <a:solidFill>
-                  <a:schemeClr val="tx1">
-                    <a:tint val="75000"/>
-                  </a:schemeClr>
-                </a:solidFill>
-                <a:latin typeface="+mn-lt"/>
-                <a:ea typeface="+mn-ea"/>
-                <a:cs typeface="+mn-cs"/>
-              </a:defRPr>
-            </a:lvl6pPr>
-            <a:lvl7pPr marL="2057400" indent="0" algn="ctr" defTabSz="342900" rtl="0" eaLnBrk="1" latinLnBrk="0" hangingPunct="1">
-              <a:spcBef>
-                <a:spcPts val="750"/>
-              </a:spcBef>
-              <a:spcAft>
-                <a:spcPts val="0"/>
-              </a:spcAft>
-              <a:buClr>
-                <a:schemeClr val="accent1"/>
-              </a:buClr>
-              <a:buSzPct val="80000"/>
-              <a:buFont typeface="Wingdings 3" charset="2"/>
-              <a:buNone/>
-              <a:defRPr sz="900" kern="1200">
-                <a:solidFill>
-                  <a:schemeClr val="tx1">
-                    <a:tint val="75000"/>
-                  </a:schemeClr>
-                </a:solidFill>
-                <a:latin typeface="+mn-lt"/>
-                <a:ea typeface="+mn-ea"/>
-                <a:cs typeface="+mn-cs"/>
-              </a:defRPr>
-            </a:lvl7pPr>
-            <a:lvl8pPr marL="2400300" indent="0" algn="ctr" defTabSz="342900" rtl="0" eaLnBrk="1" latinLnBrk="0" hangingPunct="1">
-              <a:spcBef>
-                <a:spcPts val="750"/>
-              </a:spcBef>
-              <a:spcAft>
-                <a:spcPts val="0"/>
-              </a:spcAft>
-              <a:buClr>
-                <a:schemeClr val="accent1"/>
-              </a:buClr>
-              <a:buSzPct val="80000"/>
-              <a:buFont typeface="Wingdings 3" charset="2"/>
-              <a:buNone/>
-              <a:defRPr sz="900" kern="1200">
-                <a:solidFill>
-                  <a:schemeClr val="tx1">
-                    <a:tint val="75000"/>
-                  </a:schemeClr>
-                </a:solidFill>
-                <a:latin typeface="+mn-lt"/>
-                <a:ea typeface="+mn-ea"/>
-                <a:cs typeface="+mn-cs"/>
-              </a:defRPr>
-            </a:lvl8pPr>
-            <a:lvl9pPr marL="2743200" indent="0" algn="ctr" defTabSz="342900" rtl="0" eaLnBrk="1" latinLnBrk="0" hangingPunct="1">
-              <a:spcBef>
-                <a:spcPts val="750"/>
-              </a:spcBef>
-              <a:spcAft>
-                <a:spcPts val="0"/>
-              </a:spcAft>
-              <a:buClr>
-                <a:schemeClr val="accent1"/>
-              </a:buClr>
-              <a:buSzPct val="80000"/>
-              <a:buFont typeface="Wingdings 3" charset="2"/>
-              <a:buNone/>
-              <a:defRPr sz="900" kern="1200">
-                <a:solidFill>
-                  <a:schemeClr val="tx1">
-                    <a:tint val="75000"/>
-                  </a:schemeClr>
-                </a:solidFill>
-                <a:latin typeface="+mn-lt"/>
-                <a:ea typeface="+mn-ea"/>
-                <a:cs typeface="+mn-cs"/>
-              </a:defRPr>
-            </a:lvl9pPr>
-          </a:lstStyle>
-          <a:p>
-            <a:r>
-              <a:rPr lang="en-GB" dirty="0" smtClean="0"/>
-              <a:t>PIC18FxxQ24</a:t>
-            </a:r>
-          </a:p>
-          <a:p>
-            <a:r>
-              <a:rPr lang="en-GB" dirty="0"/>
-              <a:t>Part 7 – make the LEDs flash in a sequence with reverse</a:t>
-            </a:r>
-            <a:endParaRPr lang="en-GB" dirty="0"/>
-          </a:p>
-        </p:txBody>
-      </p:sp>
-      <p:pic>
-        <p:nvPicPr>
-          <p:cNvPr id="10" name="Picture 2" descr="PIC18F26Q24"/>
-          <p:cNvPicPr>
-            <a:picLocks noChangeAspect="1" noChangeArrowheads="1"/>
-          </p:cNvPicPr>
-          <p:nvPr/>
-        </p:nvPicPr>
-        <p:blipFill>
-          <a:blip r:embed="rId3" cstate="print">
-            <a:extLst>
-              <a:ext uri="{28A0092B-C50C-407E-A947-70E740481C1C}">
-                <a14:useLocalDpi xmlns:a14="http://schemas.microsoft.com/office/drawing/2010/main" val="0"/>
-              </a:ext>
-            </a:extLst>
-          </a:blip>
-          <a:srcRect/>
-          <a:stretch>
-            <a:fillRect/>
-          </a:stretch>
-        </p:blipFill>
-        <p:spPr bwMode="auto">
-          <a:xfrm>
-            <a:off x="1907705" y="4116163"/>
-            <a:ext cx="1280738" cy="922132"/>
-          </a:xfrm>
-          <a:prstGeom prst="rect">
-            <a:avLst/>
-          </a:prstGeom>
-          <a:noFill/>
-          <a:extLst>
-            <a:ext uri="{909E8E84-426E-40DD-AFC4-6F175D3DCCD1}">
-              <a14:hiddenFill xmlns:a14="http://schemas.microsoft.com/office/drawing/2010/main">
-                <a:solidFill>
-                  <a:srgbClr val="FFFFFF"/>
-                </a:solidFill>
-              </a14:hiddenFill>
-            </a:ext>
-          </a:extLst>
-        </p:spPr>
-      </p:pic>
-    </p:spTree>
-    <p:extLst>
-      <p:ext uri="{BB962C8B-B14F-4D97-AF65-F5344CB8AC3E}">
-        <p14:creationId xmlns:p14="http://schemas.microsoft.com/office/powerpoint/2010/main" val="2544629102"/>
-      </p:ext>
-    </p:extLst>
-  </p:cSld>
-  <p:clrMapOvr>
-    <a:masterClrMapping/>
-  </p:clrMapOvr>
-  <mc:AlternateContent xmlns:mc="http://schemas.openxmlformats.org/markup-compatibility/2006" xmlns:p14="http://schemas.microsoft.com/office/powerpoint/2010/main">
-    <mc:Choice Requires="p14">
-      <p:transition spd="slow" p14:dur="2000"/>
-    </mc:Choice>
-    <mc:Fallback xmlns="">
-      <p:transition spd="slow"/>
-    </mc:Fallback>
-  </mc:AlternateContent>
-  <p:timing>
-    <p:tnLst>
-      <p:par>
-        <p:cTn id="1" dur="indefinite" restart="never" nodeType="tmRoot"/>
-      </p:par>
-    </p:tnLst>
-  </p:timing>
-</p:sld>
-</file>
-
-<file path=ppt/slides/slide2.xml><?xml version="1.0" encoding="utf-8"?>
-<p:sld xmlns:a="http://schemas.openxmlformats.org/drawingml/2006/main" xmlns:r="http://schemas.openxmlformats.org/officeDocument/2006/relationships" xmlns:p="http://schemas.openxmlformats.org/presentationml/2006/main">
-  <p:cSld>
-    <p:spTree>
-      <p:nvGrpSpPr>
-        <p:cNvPr id="1" name=""/>
-        <p:cNvGrpSpPr/>
-        <p:nvPr/>
-      </p:nvGrpSpPr>
-      <p:grpSpPr>
-        <a:xfrm>
-          <a:off x="0" y="0"/>
-          <a:ext cx="0" cy="0"/>
-          <a:chOff x="0" y="0"/>
-          <a:chExt cx="0" cy="0"/>
-        </a:xfrm>
-      </p:grpSpPr>
-      <p:sp>
-        <p:nvSpPr>
-          <p:cNvPr id="2" name="Title 1"/>
-          <p:cNvSpPr>
-            <a:spLocks noGrp="1"/>
-          </p:cNvSpPr>
-          <p:nvPr>
-            <p:ph type="ctrTitle"/>
-          </p:nvPr>
-        </p:nvSpPr>
-        <p:spPr/>
-        <p:txBody>
-          <a:bodyPr/>
-          <a:lstStyle/>
-          <a:p>
-            <a:r>
-              <a:rPr lang="en-GB" dirty="0" smtClean="0"/>
-              <a:t>GCBASIC</a:t>
-            </a:r>
-            <a:endParaRPr lang="en-GB" dirty="0"/>
-          </a:p>
-        </p:txBody>
-      </p:sp>
-      <p:pic>
-        <p:nvPicPr>
-          <p:cNvPr id="1026" name="Picture 2" descr="D:\Build\AnobiumTransparent.jpg"/>
-          <p:cNvPicPr>
-            <a:picLocks noChangeAspect="1" noChangeArrowheads="1"/>
-          </p:cNvPicPr>
-          <p:nvPr/>
-        </p:nvPicPr>
-        <p:blipFill>
-          <a:blip r:embed="rId2" cstate="print"/>
-          <a:srcRect/>
-          <a:stretch>
-            <a:fillRect/>
-          </a:stretch>
-        </p:blipFill>
-        <p:spPr bwMode="auto">
-          <a:xfrm>
-            <a:off x="5292080" y="911052"/>
-            <a:ext cx="1828859" cy="771550"/>
-          </a:xfrm>
-          <a:prstGeom prst="rect">
-            <a:avLst/>
-          </a:prstGeom>
-          <a:noFill/>
-        </p:spPr>
-      </p:pic>
-      <p:sp>
-        <p:nvSpPr>
-          <p:cNvPr id="4" name="AutoShape 2" descr="ICSP connection"/>
-          <p:cNvSpPr>
-            <a:spLocks noChangeAspect="1" noChangeArrowheads="1"/>
-          </p:cNvSpPr>
-          <p:nvPr/>
-        </p:nvSpPr>
-        <p:spPr bwMode="auto">
-          <a:xfrm>
-            <a:off x="155575" y="-144462"/>
-            <a:ext cx="304800" cy="304801"/>
-          </a:xfrm>
-          <a:prstGeom prst="rect">
-            <a:avLst/>
-          </a:prstGeom>
-          <a:noFill/>
-        </p:spPr>
-        <p:txBody>
-          <a:bodyPr vert="horz" wrap="square" lIns="85064" tIns="42531" rIns="85064" bIns="42531" numCol="1" anchor="t" anchorCtr="0" compatLnSpc="1">
-            <a:prstTxWarp prst="textNoShape">
-              <a:avLst/>
-            </a:prstTxWarp>
-          </a:bodyPr>
-          <a:lstStyle/>
-          <a:p>
-            <a:endParaRPr lang="en-GB" dirty="0"/>
-          </a:p>
-        </p:txBody>
-      </p:sp>
-      <p:sp>
-        <p:nvSpPr>
-          <p:cNvPr id="8" name="Text Placeholder 4"/>
-          <p:cNvSpPr txBox="1">
-            <a:spLocks/>
-          </p:cNvSpPr>
-          <p:nvPr/>
-        </p:nvSpPr>
-        <p:spPr>
-          <a:xfrm>
-            <a:off x="3805512" y="2931790"/>
-            <a:ext cx="3342861" cy="645300"/>
-          </a:xfrm>
-          <a:prstGeom prst="rect">
-            <a:avLst/>
-          </a:prstGeom>
-        </p:spPr>
-        <p:txBody>
-          <a:bodyPr vert="horz" lIns="68580" tIns="34290" rIns="68580" bIns="34290" rtlCol="0" anchor="t">
-            <a:normAutofit fontScale="85000" lnSpcReduction="20000"/>
-          </a:bodyPr>
-          <a:lstStyle>
-            <a:lvl1pPr marL="0" indent="0" algn="r" defTabSz="342900" rtl="0" eaLnBrk="1" latinLnBrk="0" hangingPunct="1">
-              <a:spcBef>
-                <a:spcPts val="750"/>
-              </a:spcBef>
-              <a:spcAft>
-                <a:spcPts val="0"/>
-              </a:spcAft>
-              <a:buClr>
-                <a:schemeClr val="accent1"/>
-              </a:buClr>
-              <a:buSzPct val="80000"/>
-              <a:buFont typeface="Wingdings 3" charset="2"/>
-              <a:buNone/>
-              <a:defRPr sz="1400" kern="1200">
-                <a:solidFill>
-                  <a:schemeClr val="tx1">
-                    <a:lumMod val="50000"/>
-                    <a:lumOff val="50000"/>
-                  </a:schemeClr>
-                </a:solidFill>
-                <a:latin typeface="+mn-lt"/>
-                <a:ea typeface="+mn-ea"/>
-                <a:cs typeface="+mn-cs"/>
-              </a:defRPr>
-            </a:lvl1pPr>
-            <a:lvl2pPr marL="342900" indent="0" algn="ctr" defTabSz="342900" rtl="0" eaLnBrk="1" latinLnBrk="0" hangingPunct="1">
-              <a:spcBef>
-                <a:spcPts val="750"/>
-              </a:spcBef>
-              <a:spcAft>
-                <a:spcPts val="0"/>
-              </a:spcAft>
-              <a:buClr>
-                <a:schemeClr val="accent1"/>
-              </a:buClr>
-              <a:buSzPct val="80000"/>
-              <a:buFont typeface="Wingdings 3" charset="2"/>
-              <a:buNone/>
-              <a:defRPr sz="1200" kern="1200">
-                <a:solidFill>
-                  <a:schemeClr val="tx1">
-                    <a:tint val="75000"/>
-                  </a:schemeClr>
-                </a:solidFill>
-                <a:latin typeface="+mn-lt"/>
-                <a:ea typeface="+mn-ea"/>
-                <a:cs typeface="+mn-cs"/>
-              </a:defRPr>
-            </a:lvl2pPr>
-            <a:lvl3pPr marL="685800" indent="0" algn="ctr" defTabSz="342900" rtl="0" eaLnBrk="1" latinLnBrk="0" hangingPunct="1">
-              <a:spcBef>
-                <a:spcPts val="750"/>
-              </a:spcBef>
-              <a:spcAft>
-                <a:spcPts val="0"/>
-              </a:spcAft>
-              <a:buClr>
-                <a:schemeClr val="accent1"/>
-              </a:buClr>
-              <a:buSzPct val="80000"/>
-              <a:buFont typeface="Wingdings 3" charset="2"/>
-              <a:buNone/>
-              <a:defRPr sz="1100" kern="1200">
-                <a:solidFill>
-                  <a:schemeClr val="tx1">
-                    <a:tint val="75000"/>
-                  </a:schemeClr>
-                </a:solidFill>
-                <a:latin typeface="+mn-lt"/>
-                <a:ea typeface="+mn-ea"/>
-                <a:cs typeface="+mn-cs"/>
-              </a:defRPr>
-            </a:lvl3pPr>
-            <a:lvl4pPr marL="1028700" indent="0" algn="ctr" defTabSz="342900" rtl="0" eaLnBrk="1" latinLnBrk="0" hangingPunct="1">
-              <a:spcBef>
-                <a:spcPts val="750"/>
-              </a:spcBef>
-              <a:spcAft>
-                <a:spcPts val="0"/>
-              </a:spcAft>
-              <a:buClr>
-                <a:schemeClr val="accent1"/>
-              </a:buClr>
-              <a:buSzPct val="80000"/>
-              <a:buFont typeface="Wingdings 3" charset="2"/>
-              <a:buNone/>
-              <a:defRPr sz="900" kern="1200">
-                <a:solidFill>
-                  <a:schemeClr val="tx1">
-                    <a:tint val="75000"/>
-                  </a:schemeClr>
-                </a:solidFill>
-                <a:latin typeface="+mn-lt"/>
-                <a:ea typeface="+mn-ea"/>
-                <a:cs typeface="+mn-cs"/>
-              </a:defRPr>
-            </a:lvl4pPr>
-            <a:lvl5pPr marL="1371600" indent="0" algn="ctr" defTabSz="342900" rtl="0" eaLnBrk="1" latinLnBrk="0" hangingPunct="1">
-              <a:spcBef>
-                <a:spcPts val="750"/>
-              </a:spcBef>
-              <a:spcAft>
-                <a:spcPts val="0"/>
-              </a:spcAft>
-              <a:buClr>
-                <a:schemeClr val="accent1"/>
-              </a:buClr>
-              <a:buSzPct val="80000"/>
-              <a:buFont typeface="Wingdings 3" charset="2"/>
-              <a:buNone/>
-              <a:defRPr sz="900" kern="1200">
-                <a:solidFill>
-                  <a:schemeClr val="tx1">
-                    <a:tint val="75000"/>
-                  </a:schemeClr>
-                </a:solidFill>
-                <a:latin typeface="+mn-lt"/>
-                <a:ea typeface="+mn-ea"/>
-                <a:cs typeface="+mn-cs"/>
-              </a:defRPr>
-            </a:lvl5pPr>
-            <a:lvl6pPr marL="1714500" indent="0" algn="ctr" defTabSz="342900" rtl="0" eaLnBrk="1" latinLnBrk="0" hangingPunct="1">
-              <a:spcBef>
-                <a:spcPts val="750"/>
-              </a:spcBef>
-              <a:spcAft>
-                <a:spcPts val="0"/>
-              </a:spcAft>
-              <a:buClr>
-                <a:schemeClr val="accent1"/>
-              </a:buClr>
-              <a:buSzPct val="80000"/>
-              <a:buFont typeface="Wingdings 3" charset="2"/>
-              <a:buNone/>
-              <a:defRPr sz="900" kern="1200">
-                <a:solidFill>
-                  <a:schemeClr val="tx1">
-                    <a:tint val="75000"/>
-                  </a:schemeClr>
-                </a:solidFill>
-                <a:latin typeface="+mn-lt"/>
-                <a:ea typeface="+mn-ea"/>
-                <a:cs typeface="+mn-cs"/>
-              </a:defRPr>
-            </a:lvl6pPr>
-            <a:lvl7pPr marL="2057400" indent="0" algn="ctr" defTabSz="342900" rtl="0" eaLnBrk="1" latinLnBrk="0" hangingPunct="1">
-              <a:spcBef>
-                <a:spcPts val="750"/>
-              </a:spcBef>
-              <a:spcAft>
-                <a:spcPts val="0"/>
-              </a:spcAft>
-              <a:buClr>
-                <a:schemeClr val="accent1"/>
-              </a:buClr>
-              <a:buSzPct val="80000"/>
-              <a:buFont typeface="Wingdings 3" charset="2"/>
-              <a:buNone/>
-              <a:defRPr sz="900" kern="1200">
-                <a:solidFill>
-                  <a:schemeClr val="tx1">
-                    <a:tint val="75000"/>
-                  </a:schemeClr>
-                </a:solidFill>
-                <a:latin typeface="+mn-lt"/>
-                <a:ea typeface="+mn-ea"/>
-                <a:cs typeface="+mn-cs"/>
-              </a:defRPr>
-            </a:lvl7pPr>
-            <a:lvl8pPr marL="2400300" indent="0" algn="ctr" defTabSz="342900" rtl="0" eaLnBrk="1" latinLnBrk="0" hangingPunct="1">
-              <a:spcBef>
-                <a:spcPts val="750"/>
-              </a:spcBef>
-              <a:spcAft>
-                <a:spcPts val="0"/>
-              </a:spcAft>
-              <a:buClr>
-                <a:schemeClr val="accent1"/>
-              </a:buClr>
-              <a:buSzPct val="80000"/>
-              <a:buFont typeface="Wingdings 3" charset="2"/>
-              <a:buNone/>
-              <a:defRPr sz="900" kern="1200">
-                <a:solidFill>
-                  <a:schemeClr val="tx1">
-                    <a:tint val="75000"/>
-                  </a:schemeClr>
-                </a:solidFill>
-                <a:latin typeface="+mn-lt"/>
-                <a:ea typeface="+mn-ea"/>
-                <a:cs typeface="+mn-cs"/>
-              </a:defRPr>
-            </a:lvl8pPr>
-            <a:lvl9pPr marL="2743200" indent="0" algn="ctr" defTabSz="342900" rtl="0" eaLnBrk="1" latinLnBrk="0" hangingPunct="1">
-              <a:spcBef>
-                <a:spcPts val="750"/>
-              </a:spcBef>
-              <a:spcAft>
-                <a:spcPts val="0"/>
-              </a:spcAft>
-              <a:buClr>
-                <a:schemeClr val="accent1"/>
-              </a:buClr>
-              <a:buSzPct val="80000"/>
-              <a:buFont typeface="Wingdings 3" charset="2"/>
-              <a:buNone/>
-              <a:defRPr sz="900" kern="1200">
-                <a:solidFill>
-                  <a:schemeClr val="tx1">
-                    <a:tint val="75000"/>
-                  </a:schemeClr>
-                </a:solidFill>
-                <a:latin typeface="+mn-lt"/>
-                <a:ea typeface="+mn-ea"/>
-                <a:cs typeface="+mn-cs"/>
-              </a:defRPr>
-            </a:lvl9pPr>
-          </a:lstStyle>
-          <a:p>
-            <a:r>
-              <a:rPr lang="en-GB" dirty="0" smtClean="0"/>
-              <a:t>PIC18FxxQ24</a:t>
-            </a:r>
-          </a:p>
-          <a:p>
-            <a:r>
-              <a:rPr lang="en-GB" dirty="0"/>
-              <a:t>Part 7 – make the LEDs flash in a sequence with reverse</a:t>
-            </a:r>
-            <a:endParaRPr lang="en-GB" dirty="0"/>
-          </a:p>
-        </p:txBody>
-      </p:sp>
-      <p:pic>
-        <p:nvPicPr>
-          <p:cNvPr id="10" name="Picture 2" descr="PIC18F26Q24"/>
-          <p:cNvPicPr>
-            <a:picLocks noChangeAspect="1" noChangeArrowheads="1"/>
-          </p:cNvPicPr>
-          <p:nvPr/>
-        </p:nvPicPr>
-        <p:blipFill>
-          <a:blip r:embed="rId3" cstate="print">
-            <a:extLst>
-              <a:ext uri="{28A0092B-C50C-407E-A947-70E740481C1C}">
-                <a14:useLocalDpi xmlns:a14="http://schemas.microsoft.com/office/drawing/2010/main" val="0"/>
-              </a:ext>
-            </a:extLst>
-          </a:blip>
-          <a:srcRect/>
-          <a:stretch>
-            <a:fillRect/>
-          </a:stretch>
-        </p:blipFill>
-        <p:spPr bwMode="auto">
-          <a:xfrm>
-            <a:off x="1907705" y="4116163"/>
-            <a:ext cx="1280738" cy="922132"/>
-          </a:xfrm>
-          <a:prstGeom prst="rect">
-            <a:avLst/>
-          </a:prstGeom>
-          <a:noFill/>
-          <a:extLst>
-            <a:ext uri="{909E8E84-426E-40DD-AFC4-6F175D3DCCD1}">
-              <a14:hiddenFill xmlns:a14="http://schemas.microsoft.com/office/drawing/2010/main">
-                <a:solidFill>
-                  <a:srgbClr val="FFFFFF"/>
-                </a:solidFill>
-              </a14:hiddenFill>
-            </a:ext>
-          </a:extLst>
-        </p:spPr>
-      </p:pic>
-    </p:spTree>
-  </p:cSld>
-  <p:clrMapOvr>
-    <a:masterClrMapping/>
-  </p:clrMapOvr>
-  <mc:AlternateContent xmlns:mc="http://schemas.openxmlformats.org/markup-compatibility/2006" xmlns:p14="http://schemas.microsoft.com/office/powerpoint/2010/main">
-    <mc:Choice Requires="p14">
-      <p:transition spd="slow" p14:dur="2000"/>
-    </mc:Choice>
-    <mc:Fallback xmlns="">
-      <p:transition spd="slow"/>
-    </mc:Fallback>
-  </mc:AlternateContent>
-  <p:timing>
-    <p:tnLst>
-      <p:par>
-        <p:cTn id="1" dur="indefinite" restart="never" nodeType="tmRoot"/>
-      </p:par>
-    </p:tnLst>
-  </p:timing>
-</p:sld>
-</file>
-
-<file path=ppt/slides/slide3.xml><?xml version="1.0" encoding="utf-8"?>
-<p:sld xmlns:a="http://schemas.openxmlformats.org/drawingml/2006/main" xmlns:r="http://schemas.openxmlformats.org/officeDocument/2006/relationships" xmlns:p="http://schemas.openxmlformats.org/presentationml/2006/main">
-  <p:cSld>
-    <p:spTree>
-      <p:nvGrpSpPr>
-        <p:cNvPr id="1" name=""/>
-        <p:cNvGrpSpPr/>
-        <p:nvPr/>
-      </p:nvGrpSpPr>
-      <p:grpSpPr>
-        <a:xfrm>
-          <a:off x="0" y="0"/>
-          <a:ext cx="0" cy="0"/>
-          <a:chOff x="0" y="0"/>
-          <a:chExt cx="0" cy="0"/>
-        </a:xfrm>
-      </p:grpSpPr>
-      <p:sp>
-        <p:nvSpPr>
-          <p:cNvPr id="2" name="Title 1"/>
-          <p:cNvSpPr>
-            <a:spLocks noGrp="1"/>
-          </p:cNvSpPr>
-          <p:nvPr>
-            <p:ph type="title"/>
-          </p:nvPr>
-        </p:nvSpPr>
-        <p:spPr/>
-        <p:txBody>
-          <a:bodyPr/>
-          <a:lstStyle/>
-          <a:p>
-            <a:r>
-              <a:rPr lang="en-GB" dirty="0" smtClean="0"/>
-              <a:t>GCBASIC</a:t>
-            </a:r>
-            <a:endParaRPr lang="en-GB" dirty="0"/>
-          </a:p>
-        </p:txBody>
-      </p:sp>
-      <p:pic>
-        <p:nvPicPr>
-          <p:cNvPr id="1026" name="Picture 2" descr="D:\Build\AnobiumTransparent.jpg"/>
-          <p:cNvPicPr>
-            <a:picLocks noChangeAspect="1" noChangeArrowheads="1"/>
-          </p:cNvPicPr>
-          <p:nvPr/>
-        </p:nvPicPr>
-        <p:blipFill>
-          <a:blip r:embed="rId2" cstate="print"/>
-          <a:srcRect/>
-          <a:stretch>
-            <a:fillRect/>
-          </a:stretch>
-        </p:blipFill>
-        <p:spPr bwMode="auto">
-          <a:xfrm>
-            <a:off x="5292080" y="911052"/>
-            <a:ext cx="1828859" cy="771550"/>
-          </a:xfrm>
-          <a:prstGeom prst="rect">
-            <a:avLst/>
-          </a:prstGeom>
-          <a:noFill/>
-        </p:spPr>
-      </p:pic>
-      <p:sp>
-        <p:nvSpPr>
-          <p:cNvPr id="4" name="AutoShape 2" descr="ICSP connection"/>
-          <p:cNvSpPr>
-            <a:spLocks noChangeAspect="1" noChangeArrowheads="1"/>
-          </p:cNvSpPr>
-          <p:nvPr/>
-        </p:nvSpPr>
-        <p:spPr bwMode="auto">
-          <a:xfrm>
-            <a:off x="155575" y="-144462"/>
-            <a:ext cx="304800" cy="304801"/>
-          </a:xfrm>
-          <a:prstGeom prst="rect">
-            <a:avLst/>
-          </a:prstGeom>
-          <a:noFill/>
-        </p:spPr>
-        <p:txBody>
-          <a:bodyPr vert="horz" wrap="square" lIns="85064" tIns="42531" rIns="85064" bIns="42531" numCol="1" anchor="t" anchorCtr="0" compatLnSpc="1">
-            <a:prstTxWarp prst="textNoShape">
-              <a:avLst/>
-            </a:prstTxWarp>
-          </a:bodyPr>
-          <a:lstStyle/>
-          <a:p>
-            <a:endParaRPr lang="en-GB" dirty="0"/>
-          </a:p>
-        </p:txBody>
-      </p:sp>
-      <p:sp>
-        <p:nvSpPr>
-          <p:cNvPr id="7" name="Rectangle 6"/>
-          <p:cNvSpPr/>
-          <p:nvPr/>
-        </p:nvSpPr>
-        <p:spPr>
-          <a:xfrm>
-            <a:off x="539552" y="2067694"/>
-            <a:ext cx="7367888" cy="707886"/>
-          </a:xfrm>
-          <a:prstGeom prst="rect">
-            <a:avLst/>
-          </a:prstGeom>
-          <a:noFill/>
-        </p:spPr>
-        <p:txBody>
-          <a:bodyPr wrap="square" lIns="91440" tIns="45720" rIns="91440" bIns="45720">
-            <a:spAutoFit/>
-          </a:bodyPr>
-          <a:lstStyle/>
-          <a:p>
-            <a:pPr algn="ctr"/>
-            <a:r>
-              <a:rPr lang="en-US" sz="4000" b="1" dirty="0" smtClean="0">
-                <a:ln w="10541" cmpd="sng">
-                  <a:solidFill>
-                    <a:srgbClr val="7D7D7D">
-                      <a:tint val="100000"/>
-                      <a:shade val="100000"/>
-                      <a:satMod val="110000"/>
-                    </a:srgbClr>
-                  </a:solidFill>
-                  <a:prstDash val="solid"/>
-                </a:ln>
-                <a:solidFill>
-                  <a:srgbClr val="FF0000"/>
-                </a:solidFill>
-              </a:rPr>
-              <a:t>Like and subscribe</a:t>
-            </a:r>
-            <a:r>
-              <a:rPr lang="en-US" sz="4000" b="1" dirty="0">
-                <a:ln w="10541" cmpd="sng">
-                  <a:solidFill>
-                    <a:srgbClr val="7D7D7D">
-                      <a:tint val="100000"/>
-                      <a:shade val="100000"/>
-                      <a:satMod val="110000"/>
-                    </a:srgbClr>
-                  </a:solidFill>
-                  <a:prstDash val="solid"/>
-                </a:ln>
-                <a:solidFill>
-                  <a:srgbClr val="FF0000"/>
-                </a:solidFill>
-              </a:rPr>
-              <a:t>!</a:t>
-            </a:r>
-            <a:endParaRPr lang="en-US" sz="4000" b="1" dirty="0" smtClean="0">
-              <a:ln w="10541" cmpd="sng">
-                <a:solidFill>
-                  <a:srgbClr val="7D7D7D">
-                    <a:tint val="100000"/>
-                    <a:shade val="100000"/>
-                    <a:satMod val="110000"/>
-                  </a:srgbClr>
-                </a:solidFill>
-                <a:prstDash val="solid"/>
-              </a:ln>
-              <a:solidFill>
-                <a:srgbClr val="FF0000"/>
-              </a:solidFill>
-            </a:endParaRPr>
-          </a:p>
-        </p:txBody>
-      </p:sp>
-      <p:pic>
-        <p:nvPicPr>
-          <p:cNvPr id="8" name="Picture 2" descr="PIC18F26Q24"/>
-          <p:cNvPicPr>
-            <a:picLocks noChangeAspect="1" noChangeArrowheads="1"/>
-          </p:cNvPicPr>
-          <p:nvPr/>
-        </p:nvPicPr>
-        <p:blipFill>
-          <a:blip r:embed="rId3" cstate="print">
-            <a:extLst>
-              <a:ext uri="{28A0092B-C50C-407E-A947-70E740481C1C}">
-                <a14:useLocalDpi xmlns:a14="http://schemas.microsoft.com/office/drawing/2010/main" val="0"/>
-              </a:ext>
-            </a:extLst>
-          </a:blip>
-          <a:srcRect/>
-          <a:stretch>
-            <a:fillRect/>
-          </a:stretch>
-        </p:blipFill>
-        <p:spPr bwMode="auto">
-          <a:xfrm>
-            <a:off x="1907705" y="4116163"/>
-            <a:ext cx="1280738" cy="922132"/>
-          </a:xfrm>
-          <a:prstGeom prst="rect">
-            <a:avLst/>
-          </a:prstGeom>
-          <a:noFill/>
-          <a:extLst>
-            <a:ext uri="{909E8E84-426E-40DD-AFC4-6F175D3DCCD1}">
-              <a14:hiddenFill xmlns:a14="http://schemas.microsoft.com/office/drawing/2010/main">
-                <a:solidFill>
-                  <a:srgbClr val="FFFFFF"/>
-                </a:solidFill>
-              </a14:hiddenFill>
-            </a:ext>
-          </a:extLst>
-        </p:spPr>
-      </p:pic>
-      <p:pic>
-        <p:nvPicPr>
-          <p:cNvPr id="10" name="Picture 8" descr="C:\Users\admin\OneDrive\Desktop\Picture1.jpg"/>
-          <p:cNvPicPr>
-            <a:picLocks noChangeAspect="1" noChangeArrowheads="1"/>
-          </p:cNvPicPr>
-          <p:nvPr/>
-        </p:nvPicPr>
-        <p:blipFill>
-          <a:blip r:embed="rId4">
-            <a:extLst>
-              <a:ext uri="{28A0092B-C50C-407E-A947-70E740481C1C}">
-                <a14:useLocalDpi xmlns:a14="http://schemas.microsoft.com/office/drawing/2010/main" val="0"/>
-              </a:ext>
-            </a:extLst>
-          </a:blip>
-          <a:srcRect/>
-          <a:stretch>
-            <a:fillRect/>
-          </a:stretch>
-        </p:blipFill>
-        <p:spPr bwMode="auto">
-          <a:xfrm>
-            <a:off x="3995936" y="3937587"/>
-            <a:ext cx="2320300" cy="1129258"/>
-          </a:xfrm>
-          <a:prstGeom prst="rect">
-            <a:avLst/>
-          </a:prstGeom>
-          <a:noFill/>
-          <a:extLst>
-            <a:ext uri="{909E8E84-426E-40DD-AFC4-6F175D3DCCD1}">
-              <a14:hiddenFill xmlns:a14="http://schemas.microsoft.com/office/drawing/2010/main">
-                <a:solidFill>
-                  <a:srgbClr val="FFFFFF"/>
-                </a:solidFill>
-              </a14:hiddenFill>
-            </a:ext>
-          </a:extLst>
-        </p:spPr>
-      </p:pic>
-      <p:sp>
-        <p:nvSpPr>
-          <p:cNvPr id="11" name="Date Placeholder 3"/>
-          <p:cNvSpPr>
-            <a:spLocks noGrp="1"/>
-          </p:cNvSpPr>
-          <p:nvPr>
-            <p:ph type="dt" sz="half" idx="10"/>
-          </p:nvPr>
-        </p:nvSpPr>
-        <p:spPr>
-          <a:xfrm>
-            <a:off x="6113182" y="4384422"/>
-            <a:ext cx="354882" cy="305233"/>
-          </a:xfrm>
-        </p:spPr>
-        <p:txBody>
-          <a:bodyPr/>
-          <a:lstStyle/>
-          <a:p>
-            <a:fld id="{1E700B27-DE4C-4B9E-BB11-B9027034A00F}" type="datetimeFigureOut">
-              <a:rPr lang="en-US" smtClean="0"/>
-              <a:pPr/>
-              <a:t>11/19/2024</a:t>
-            </a:fld>
-            <a:endParaRPr lang="en-US" dirty="0"/>
-          </a:p>
-        </p:txBody>
-      </p:sp>
-    </p:spTree>
-    <p:extLst>
-      <p:ext uri="{BB962C8B-B14F-4D97-AF65-F5344CB8AC3E}">
-        <p14:creationId xmlns:p14="http://schemas.microsoft.com/office/powerpoint/2010/main" val="2553573428"/>
-      </p:ext>
-    </p:extLst>
-  </p:cSld>
-  <p:clrMapOvr>
-    <a:masterClrMapping/>
-  </p:clrMapOvr>
-  <mc:AlternateContent xmlns:mc="http://schemas.openxmlformats.org/markup-compatibility/2006" xmlns:p14="http://schemas.microsoft.com/office/powerpoint/2010/main">
-    <mc:Choice Requires="p14">
-      <p:transition spd="slow" p14:dur="2000"/>
-    </mc:Choice>
-    <mc:Fallback xmlns="">
-      <p:transition spd="slow"/>
-    </mc:Fallback>
-  </mc:AlternateContent>
-  <p:timing>
-    <p:tnLst>
-      <p:par>
-        <p:cTn id="1" dur="indefinite" restart="never" nodeType="tmRoot"/>
-      </p:par>
-    </p:tnLst>
-  </p:timing>
-</p:sld>
-</file>
-
-<file path=ppt/slides/slide4.xml><?xml version="1.0" encoding="utf-8"?>
-<p:sld xmlns:a="http://schemas.openxmlformats.org/drawingml/2006/main" xmlns:r="http://schemas.openxmlformats.org/officeDocument/2006/relationships" xmlns:p="http://schemas.openxmlformats.org/presentationml/2006/main" show="0">
-  <p:cSld>
-    <p:spTree>
-      <p:nvGrpSpPr>
-        <p:cNvPr id="1" name=""/>
-        <p:cNvGrpSpPr/>
-        <p:nvPr/>
-      </p:nvGrpSpPr>
-      <p:grpSpPr>
-        <a:xfrm>
-          <a:off x="0" y="0"/>
-          <a:ext cx="0" cy="0"/>
-          <a:chOff x="0" y="0"/>
-          <a:chExt cx="0" cy="0"/>
-        </a:xfrm>
-      </p:grpSpPr>
-      <p:sp>
-        <p:nvSpPr>
-          <p:cNvPr id="2" name="Title 1"/>
-          <p:cNvSpPr>
-            <a:spLocks noGrp="1"/>
-          </p:cNvSpPr>
-          <p:nvPr>
-            <p:ph type="title"/>
-          </p:nvPr>
-        </p:nvSpPr>
-        <p:spPr/>
-        <p:txBody>
-          <a:bodyPr/>
-          <a:lstStyle/>
-          <a:p>
-            <a:pPr algn="l"/>
-            <a:r>
-              <a:rPr lang="en-GB" dirty="0" smtClean="0"/>
-              <a:t>PIC18FxxQ24</a:t>
-            </a:r>
-            <a:endParaRPr lang="en-GB" dirty="0"/>
-          </a:p>
-        </p:txBody>
-      </p:sp>
-      <p:sp>
-        <p:nvSpPr>
-          <p:cNvPr id="3" name="Content Placeholder 2"/>
-          <p:cNvSpPr>
-            <a:spLocks noGrp="1"/>
-          </p:cNvSpPr>
-          <p:nvPr>
-            <p:ph idx="1"/>
-          </p:nvPr>
-        </p:nvSpPr>
-        <p:spPr/>
-        <p:txBody>
-          <a:bodyPr>
-            <a:normAutofit fontScale="92500" lnSpcReduction="10000"/>
-          </a:bodyPr>
-          <a:lstStyle/>
-          <a:p>
-            <a:r>
-              <a:rPr lang="en-GB" dirty="0" smtClean="0"/>
-              <a:t>PIC18-Q24 is a high performance PIC18 </a:t>
-            </a:r>
-          </a:p>
-          <a:p>
-            <a:pPr lvl="1"/>
-            <a:r>
-              <a:rPr lang="en-GB" dirty="0" smtClean="0"/>
-              <a:t>Digital and Analog peripherals </a:t>
-            </a:r>
-          </a:p>
-          <a:p>
-            <a:pPr lvl="1"/>
-            <a:r>
-              <a:rPr lang="en-GB" dirty="0" smtClean="0"/>
-              <a:t>10-bit ADC</a:t>
-            </a:r>
-          </a:p>
-          <a:p>
-            <a:pPr lvl="1"/>
-            <a:r>
-              <a:rPr lang="en-GB" dirty="0" smtClean="0"/>
-              <a:t>Multiple communication interfaces</a:t>
-            </a:r>
-          </a:p>
-          <a:p>
-            <a:pPr lvl="2"/>
-            <a:r>
-              <a:rPr lang="en-GB" dirty="0" smtClean="0"/>
-              <a:t>Serial, I2C and  SPI </a:t>
-            </a:r>
-          </a:p>
-          <a:p>
-            <a:pPr lvl="2"/>
-            <a:r>
-              <a:rPr lang="en-GB" dirty="0" smtClean="0"/>
-              <a:t>PWM – CCP/PWM and 16Bit</a:t>
-            </a:r>
-          </a:p>
-          <a:p>
-            <a:pPr lvl="1"/>
-            <a:r>
-              <a:rPr lang="en-GB" dirty="0" smtClean="0"/>
-              <a:t>Configurable Logic Cells</a:t>
-            </a:r>
-          </a:p>
-          <a:p>
-            <a:pPr lvl="1"/>
-            <a:r>
-              <a:rPr lang="en-GB" dirty="0" smtClean="0"/>
-              <a:t>Multi voltage domains</a:t>
-            </a:r>
-          </a:p>
-          <a:p>
-            <a:endParaRPr lang="en-GB" dirty="0" smtClean="0"/>
-          </a:p>
-          <a:p>
-            <a:r>
-              <a:rPr lang="en-GB" dirty="0" smtClean="0"/>
-              <a:t>The PIC18xxQ24 offers 28, 40 and 48-pin products in small footprint packages to support customers in a wide variety of applications. </a:t>
-            </a:r>
-          </a:p>
-          <a:p>
-            <a:endParaRPr lang="en-GB" dirty="0"/>
-          </a:p>
-        </p:txBody>
-      </p:sp>
-    </p:spTree>
-  </p:cSld>
-  <p:clrMapOvr>
-    <a:masterClrMapping/>
-  </p:clrMapOvr>
-  <mc:AlternateContent xmlns:mc="http://schemas.openxmlformats.org/markup-compatibility/2006" xmlns:p14="http://schemas.microsoft.com/office/powerpoint/2010/main">
-    <mc:Choice Requires="p14">
-      <p:transition spd="slow" p14:dur="2000"/>
-    </mc:Choice>
-    <mc:Fallback xmlns="">
-      <p:transition spd="slow"/>
-    </mc:Fallback>
-  </mc:AlternateContent>
-  <p:timing>
-    <p:tnLst>
-      <p:par>
-        <p:cTn id="1" dur="indefinite" restart="never" nodeType="tmRoot"/>
-      </p:par>
-    </p:tnLst>
-  </p:timing>
-</p:sld>
-</file>
-
-<file path=ppt/slides/slide5.xml><?xml version="1.0" encoding="utf-8"?>
-<p:sld xmlns:a="http://schemas.openxmlformats.org/drawingml/2006/main" xmlns:r="http://schemas.openxmlformats.org/officeDocument/2006/relationships" xmlns:p="http://schemas.openxmlformats.org/presentationml/2006/main">
-  <p:cSld>
-    <p:spTree>
-      <p:nvGrpSpPr>
-        <p:cNvPr id="1" name=""/>
-        <p:cNvGrpSpPr/>
-        <p:nvPr/>
-      </p:nvGrpSpPr>
-      <p:grpSpPr>
-        <a:xfrm>
-          <a:off x="0" y="0"/>
-          <a:ext cx="0" cy="0"/>
-          <a:chOff x="0" y="0"/>
-          <a:chExt cx="0" cy="0"/>
-        </a:xfrm>
-      </p:grpSpPr>
-      <p:sp>
-        <p:nvSpPr>
-          <p:cNvPr id="2" name="Title 1"/>
-          <p:cNvSpPr>
-            <a:spLocks noGrp="1"/>
-          </p:cNvSpPr>
-          <p:nvPr>
-            <p:ph type="title"/>
-          </p:nvPr>
-        </p:nvSpPr>
-        <p:spPr/>
-        <p:txBody>
-          <a:bodyPr>
-            <a:normAutofit/>
-          </a:bodyPr>
-          <a:lstStyle/>
-          <a:p>
-            <a:r>
-              <a:rPr lang="en-GB" dirty="0" smtClean="0"/>
-              <a:t>Videos...</a:t>
-            </a:r>
-            <a:endParaRPr lang="en-GB" dirty="0"/>
-          </a:p>
-        </p:txBody>
-      </p:sp>
-      <p:sp>
-        <p:nvSpPr>
-          <p:cNvPr id="3" name="Content Placeholder 2"/>
-          <p:cNvSpPr>
-            <a:spLocks noGrp="1"/>
-          </p:cNvSpPr>
-          <p:nvPr>
-            <p:ph idx="1"/>
-          </p:nvPr>
-        </p:nvSpPr>
-        <p:spPr>
-          <a:xfrm>
-            <a:off x="467544" y="987574"/>
-            <a:ext cx="6447501" cy="4111476"/>
-          </a:xfrm>
-          <a:solidFill>
-            <a:schemeClr val="bg1"/>
-          </a:solidFill>
-        </p:spPr>
-        <p:txBody>
-          <a:bodyPr>
-            <a:noAutofit/>
-          </a:bodyPr>
-          <a:lstStyle/>
-          <a:p>
-            <a:pPr marL="180000" indent="-478483">
-              <a:spcBef>
-                <a:spcPts val="300"/>
-              </a:spcBef>
-              <a:buFont typeface="+mj-lt"/>
-              <a:buAutoNum type="arabicPeriod"/>
-            </a:pPr>
-            <a:r>
-              <a:rPr lang="en-GB" sz="1100" dirty="0"/>
-              <a:t>Install the hardware and make the board work – three LED programs</a:t>
-            </a:r>
-          </a:p>
-          <a:p>
-            <a:pPr marL="180000" indent="-478483">
-              <a:spcBef>
-                <a:spcPts val="300"/>
-              </a:spcBef>
-              <a:buFont typeface="+mj-lt"/>
-              <a:buAutoNum type="arabicPeriod"/>
-            </a:pPr>
-            <a:r>
-              <a:rPr lang="en-GB" sz="1100" dirty="0"/>
-              <a:t>Make  four LEDs flash in a sequence</a:t>
-            </a:r>
-          </a:p>
-          <a:p>
-            <a:pPr marL="180000" indent="-478483">
-              <a:spcBef>
-                <a:spcPts val="300"/>
-              </a:spcBef>
-              <a:buFont typeface="+mj-lt"/>
-              <a:buAutoNum type="arabicPeriod"/>
-            </a:pPr>
-            <a:r>
-              <a:rPr lang="en-GB" sz="1100" dirty="0"/>
-              <a:t>Set the LEDs to represent the value of ADC</a:t>
-            </a:r>
-          </a:p>
-          <a:p>
-            <a:pPr marL="180000" indent="-478483">
-              <a:spcBef>
-                <a:spcPts val="300"/>
-              </a:spcBef>
-              <a:buFont typeface="+mj-lt"/>
-              <a:buAutoNum type="arabicPeriod"/>
-            </a:pPr>
-            <a:r>
-              <a:rPr lang="en-GB" sz="1100" dirty="0"/>
-              <a:t>Sequence the LEDs with a delay using the value of ADC</a:t>
-            </a:r>
-          </a:p>
-          <a:p>
-            <a:pPr marL="180000" indent="-478483">
-              <a:spcBef>
-                <a:spcPts val="300"/>
-              </a:spcBef>
-              <a:buFont typeface="+mj-lt"/>
-              <a:buAutoNum type="arabicPeriod"/>
-            </a:pPr>
-            <a:r>
-              <a:rPr lang="en-GB" sz="1100" dirty="0"/>
-              <a:t>Using an input to set the state of the LEDs</a:t>
-            </a:r>
-          </a:p>
-          <a:p>
-            <a:pPr marL="180000" indent="-478483">
-              <a:spcBef>
-                <a:spcPts val="300"/>
-              </a:spcBef>
-              <a:buFont typeface="+mj-lt"/>
-              <a:buAutoNum type="arabicPeriod"/>
-            </a:pPr>
-            <a:r>
-              <a:rPr lang="en-GB" sz="1100" dirty="0"/>
-              <a:t>Using the reset switch</a:t>
-            </a:r>
-          </a:p>
-          <a:p>
-            <a:pPr marL="180000" indent="-478483">
-              <a:spcBef>
-                <a:spcPts val="300"/>
-              </a:spcBef>
-              <a:buFont typeface="+mj-lt"/>
-              <a:buAutoNum type="arabicPeriod"/>
-            </a:pPr>
-            <a:r>
-              <a:rPr lang="en-GB" sz="1100" b="1" dirty="0"/>
-              <a:t>Using the switch, ADC – make the LEDs flash in a sequence with reverse</a:t>
-            </a:r>
-          </a:p>
-          <a:p>
-            <a:pPr marL="180000" indent="-478483">
-              <a:spcBef>
-                <a:spcPts val="300"/>
-              </a:spcBef>
-              <a:buFont typeface="+mj-lt"/>
-              <a:buAutoNum type="arabicPeriod"/>
-            </a:pPr>
-            <a:r>
-              <a:rPr lang="en-GB" sz="1100" dirty="0"/>
-              <a:t>Using the serial to display values</a:t>
-            </a:r>
-          </a:p>
-          <a:p>
-            <a:pPr marL="180000" indent="-478483">
-              <a:spcBef>
-                <a:spcPts val="300"/>
-              </a:spcBef>
-              <a:buFont typeface="+mj-lt"/>
-              <a:buAutoNum type="arabicPeriod"/>
-            </a:pPr>
-            <a:r>
-              <a:rPr lang="en-GB" sz="1100" dirty="0"/>
-              <a:t>Using the timer0 overflow, 8bit timer, 16bit timer to flash the LEDs</a:t>
-            </a:r>
-          </a:p>
-          <a:p>
-            <a:pPr marL="180000" indent="-478483">
-              <a:spcBef>
-                <a:spcPts val="300"/>
-              </a:spcBef>
-              <a:buFont typeface="+mj-lt"/>
-              <a:buAutoNum type="arabicPeriod"/>
-            </a:pPr>
-            <a:r>
-              <a:rPr lang="en-GB" sz="1100" dirty="0"/>
-              <a:t>Using EEProm – showing values on the serial terminal, and more constants insights</a:t>
-            </a:r>
-          </a:p>
-          <a:p>
-            <a:pPr marL="180000" indent="-478483">
-              <a:spcBef>
-                <a:spcPts val="300"/>
-              </a:spcBef>
-              <a:buFont typeface="+mj-lt"/>
-              <a:buAutoNum type="arabicPeriod"/>
-            </a:pPr>
-            <a:r>
-              <a:rPr lang="en-GB" sz="1100" dirty="0"/>
-              <a:t>Using I2C with serial to discover I2C devices</a:t>
-            </a:r>
-          </a:p>
-          <a:p>
-            <a:pPr marL="180000" indent="-478483">
-              <a:spcBef>
-                <a:spcPts val="300"/>
-              </a:spcBef>
-              <a:buFont typeface="+mj-lt"/>
-              <a:buAutoNum type="arabicPeriod"/>
-            </a:pPr>
-            <a:r>
-              <a:rPr lang="en-GB" sz="1100" dirty="0"/>
-              <a:t>Using an I2C GCLD display</a:t>
-            </a:r>
-          </a:p>
-          <a:p>
-            <a:pPr marL="180000" indent="-478483">
-              <a:spcBef>
-                <a:spcPts val="300"/>
-              </a:spcBef>
-              <a:buFont typeface="+mj-lt"/>
-              <a:buAutoNum type="arabicPeriod"/>
-            </a:pPr>
-            <a:r>
-              <a:rPr lang="en-GB" sz="1100" dirty="0"/>
-              <a:t>Using a SPI GCLD display</a:t>
-            </a:r>
-          </a:p>
-          <a:p>
-            <a:pPr marL="180000" indent="-478483">
-              <a:spcBef>
-                <a:spcPts val="300"/>
-              </a:spcBef>
-              <a:buFont typeface="+mj-lt"/>
-              <a:buAutoNum type="arabicPeriod"/>
-            </a:pPr>
-            <a:r>
-              <a:rPr lang="en-GB" sz="1100" dirty="0"/>
-              <a:t>Using PWM, 7  ways,  to dim the LEDS</a:t>
-            </a:r>
-          </a:p>
-          <a:p>
-            <a:pPr marL="180000" indent="-478483">
-              <a:spcBef>
-                <a:spcPts val="300"/>
-              </a:spcBef>
-              <a:buFont typeface="+mj-lt"/>
-              <a:buAutoNum type="arabicPeriod"/>
-            </a:pPr>
-            <a:r>
-              <a:rPr lang="en-GB" sz="1100" dirty="0"/>
-              <a:t>Using an external interrupt to control an LED</a:t>
-            </a:r>
-          </a:p>
-          <a:p>
-            <a:pPr marL="180000" indent="-478483">
-              <a:spcBef>
-                <a:spcPts val="300"/>
-              </a:spcBef>
-              <a:buFont typeface="+mj-lt"/>
-              <a:buAutoNum type="arabicPeriod"/>
-            </a:pPr>
-            <a:r>
-              <a:rPr lang="en-GB" sz="1100" dirty="0"/>
-              <a:t>Using storage within the chip – Progmem, SAF memory, EEPROM and DATA blocks</a:t>
-            </a:r>
-          </a:p>
-          <a:p>
-            <a:pPr marL="180000" indent="-478483">
-              <a:spcBef>
-                <a:spcPts val="300"/>
-              </a:spcBef>
-              <a:buFont typeface="+mj-lt"/>
-              <a:buAutoNum type="arabicPeriod"/>
-            </a:pPr>
-            <a:r>
-              <a:rPr lang="en-GB" sz="1100" dirty="0"/>
-              <a:t>Using CLC</a:t>
-            </a:r>
-          </a:p>
-          <a:p>
-            <a:pPr marL="180000" indent="-478483">
-              <a:spcBef>
-                <a:spcPts val="300"/>
-              </a:spcBef>
-              <a:buFont typeface="+mj-lt"/>
-              <a:buAutoNum type="arabicPeriod"/>
-            </a:pPr>
-            <a:r>
-              <a:rPr lang="en-GB" sz="1100" dirty="0"/>
-              <a:t>The GCBASIC tool chain</a:t>
-            </a:r>
-          </a:p>
-          <a:p>
-            <a:pPr marL="180000" indent="-478483">
-              <a:spcBef>
-                <a:spcPts val="300"/>
-              </a:spcBef>
-              <a:buFont typeface="+mj-lt"/>
-              <a:buAutoNum type="arabicPeriod"/>
-            </a:pPr>
-            <a:r>
-              <a:rPr lang="en-GB" sz="1100" dirty="0"/>
-              <a:t>Assembly , alternatives assemblers and MPLAB-X</a:t>
-            </a:r>
-          </a:p>
-          <a:p>
-            <a:pPr marL="180000" indent="-478483">
-              <a:spcBef>
-                <a:spcPts val="300"/>
-              </a:spcBef>
-              <a:buFont typeface="+mj-lt"/>
-              <a:buAutoNum type="arabicPeriod"/>
-            </a:pPr>
-            <a:r>
-              <a:rPr lang="en-GB" sz="1100" dirty="0"/>
-              <a:t>Summary</a:t>
-            </a:r>
-          </a:p>
-          <a:p>
-            <a:pPr marL="180000" indent="-478483">
-              <a:spcBef>
-                <a:spcPts val="300"/>
-              </a:spcBef>
-              <a:buFont typeface="+mj-lt"/>
-              <a:buAutoNum type="arabicPeriod"/>
-            </a:pPr>
-            <a:endParaRPr lang="en-GB" sz="400" dirty="0" smtClean="0">
-              <a:solidFill>
-                <a:schemeClr val="bg1">
-                  <a:lumMod val="75000"/>
-                </a:schemeClr>
-              </a:solidFill>
-            </a:endParaRPr>
-          </a:p>
-          <a:p>
-            <a:pPr marL="180000" indent="-478483">
-              <a:spcBef>
-                <a:spcPts val="300"/>
-              </a:spcBef>
-              <a:buNone/>
-            </a:pPr>
-            <a:endParaRPr lang="en-GB" sz="700" dirty="0" smtClean="0"/>
-          </a:p>
-          <a:p>
-            <a:pPr marL="180000" indent="-478483">
-              <a:spcBef>
-                <a:spcPts val="300"/>
-              </a:spcBef>
-              <a:buFont typeface="+mj-lt"/>
-              <a:buAutoNum type="arabicPeriod"/>
-            </a:pPr>
-            <a:endParaRPr lang="en-GB" sz="700" dirty="0" smtClean="0"/>
-          </a:p>
-          <a:p>
-            <a:pPr marL="180000" indent="-478483">
-              <a:spcBef>
-                <a:spcPts val="300"/>
-              </a:spcBef>
-              <a:buFont typeface="+mj-lt"/>
-              <a:buAutoNum type="arabicPeriod"/>
-            </a:pPr>
-            <a:endParaRPr lang="en-GB" sz="500" dirty="0" smtClean="0"/>
-          </a:p>
-          <a:p>
-            <a:pPr marL="180000" indent="-478483">
-              <a:spcBef>
-                <a:spcPts val="300"/>
-              </a:spcBef>
-              <a:buFont typeface="+mj-lt"/>
-              <a:buAutoNum type="arabicPeriod"/>
-            </a:pPr>
-            <a:endParaRPr lang="en-GB" sz="500" dirty="0" smtClean="0"/>
-          </a:p>
-          <a:p>
-            <a:pPr marL="180000" indent="-478483">
-              <a:spcBef>
-                <a:spcPts val="300"/>
-              </a:spcBef>
-              <a:buFont typeface="+mj-lt"/>
-              <a:buAutoNum type="arabicPeriod"/>
-            </a:pPr>
-            <a:endParaRPr lang="en-GB" sz="500" dirty="0" smtClean="0"/>
-          </a:p>
-          <a:p>
-            <a:pPr marL="180000" indent="-478483">
-              <a:spcBef>
-                <a:spcPts val="300"/>
-              </a:spcBef>
-              <a:buFont typeface="+mj-lt"/>
-              <a:buAutoNum type="arabicPeriod"/>
-            </a:pPr>
-            <a:endParaRPr lang="en-GB" sz="500" dirty="0"/>
-          </a:p>
-        </p:txBody>
-      </p:sp>
-    </p:spTree>
-    <p:extLst>
-      <p:ext uri="{BB962C8B-B14F-4D97-AF65-F5344CB8AC3E}">
-        <p14:creationId xmlns:p14="http://schemas.microsoft.com/office/powerpoint/2010/main" val="1947865557"/>
-      </p:ext>
-    </p:extLst>
-  </p:cSld>
-  <p:clrMapOvr>
-    <a:masterClrMapping/>
-  </p:clrMapOvr>
-  <mc:AlternateContent xmlns:mc="http://schemas.openxmlformats.org/markup-compatibility/2006" xmlns:p14="http://schemas.microsoft.com/office/powerpoint/2010/main">
-    <mc:Choice Requires="p14">
-      <p:transition spd="slow" p14:dur="2000"/>
-    </mc:Choice>
-    <mc:Fallback xmlns="">
-      <p:transition spd="slow"/>
-    </mc:Fallback>
-  </mc:AlternateContent>
-  <p:timing>
-    <p:tnLst>
-      <p:par>
-        <p:cTn id="1" dur="indefinite" restart="never" nodeType="tmRoot"/>
-      </p:par>
-    </p:tnLst>
-  </p:timing>
-</p:sld>
-</file>
-
-<file path=ppt/slides/slide6.xml><?xml version="1.0" encoding="utf-8"?>
-<p:sld xmlns:a="http://schemas.openxmlformats.org/drawingml/2006/main" xmlns:r="http://schemas.openxmlformats.org/officeDocument/2006/relationships" xmlns:p="http://schemas.openxmlformats.org/presentationml/2006/main" show="0">
-  <p:cSld>
-    <p:spTree>
-      <p:nvGrpSpPr>
-        <p:cNvPr id="1" name=""/>
-        <p:cNvGrpSpPr/>
-        <p:nvPr/>
-      </p:nvGrpSpPr>
-      <p:grpSpPr>
-        <a:xfrm>
-          <a:off x="0" y="0"/>
-          <a:ext cx="0" cy="0"/>
-          <a:chOff x="0" y="0"/>
-          <a:chExt cx="0" cy="0"/>
-        </a:xfrm>
-      </p:grpSpPr>
-      <p:sp>
-        <p:nvSpPr>
-          <p:cNvPr id="4" name="Oval 3"/>
-          <p:cNvSpPr/>
-          <p:nvPr/>
-        </p:nvSpPr>
-        <p:spPr>
-          <a:xfrm>
-            <a:off x="1835697" y="1707656"/>
-            <a:ext cx="1605103" cy="1425217"/>
-          </a:xfrm>
-          <a:prstGeom prst="ellipse">
-            <a:avLst/>
-          </a:prstGeom>
-        </p:spPr>
-        <p:style>
-          <a:lnRef idx="2">
-            <a:schemeClr val="accent1">
-              <a:shade val="50000"/>
-            </a:schemeClr>
-          </a:lnRef>
-          <a:fillRef idx="1">
-            <a:schemeClr val="accent1"/>
-          </a:fillRef>
-          <a:effectRef idx="0">
-            <a:schemeClr val="accent1"/>
-          </a:effectRef>
-          <a:fontRef idx="minor">
-            <a:schemeClr val="lt1"/>
-          </a:fontRef>
-        </p:style>
-        <p:txBody>
-          <a:bodyPr lIns="0" tIns="0" rIns="0" bIns="0" rtlCol="0" anchor="ctr"/>
-          <a:lstStyle/>
-          <a:p>
-            <a:pPr algn="ctr"/>
-            <a:r>
-              <a:rPr lang="en-GB" sz="1100" dirty="0" smtClean="0"/>
-              <a:t>GCBASIC </a:t>
-            </a:r>
-            <a:r>
-              <a:rPr lang="en-GB" sz="1500" dirty="0" smtClean="0"/>
-              <a:t>Compiler</a:t>
-            </a:r>
-            <a:endParaRPr lang="en-GB" sz="1100" dirty="0"/>
-          </a:p>
-        </p:txBody>
-      </p:sp>
-      <p:sp>
-        <p:nvSpPr>
-          <p:cNvPr id="12" name="Title 1"/>
-          <p:cNvSpPr>
-            <a:spLocks noGrp="1"/>
-          </p:cNvSpPr>
-          <p:nvPr>
-            <p:ph type="title"/>
-          </p:nvPr>
-        </p:nvSpPr>
-        <p:spPr/>
-        <p:txBody>
-          <a:bodyPr/>
-          <a:lstStyle/>
-          <a:p>
-            <a:pPr algn="l"/>
-            <a:r>
-              <a:rPr lang="en-GB" dirty="0" smtClean="0"/>
-              <a:t>GCBASIC Compiler</a:t>
-            </a:r>
-            <a:endParaRPr lang="en-GB" dirty="0"/>
-          </a:p>
-        </p:txBody>
-      </p:sp>
-      <p:sp>
-        <p:nvSpPr>
-          <p:cNvPr id="13" name="TextBox 12"/>
-          <p:cNvSpPr txBox="1"/>
-          <p:nvPr/>
-        </p:nvSpPr>
-        <p:spPr>
-          <a:xfrm>
-            <a:off x="3563888" y="2643758"/>
-            <a:ext cx="3528392" cy="1393943"/>
-          </a:xfrm>
-          <a:prstGeom prst="rect">
-            <a:avLst/>
-          </a:prstGeom>
-          <a:noFill/>
-        </p:spPr>
-        <p:txBody>
-          <a:bodyPr wrap="square" lIns="85064" tIns="42531" rIns="85064" bIns="42531" rtlCol="0">
-            <a:spAutoFit/>
-          </a:bodyPr>
-          <a:lstStyle/>
-          <a:p>
-            <a:r>
-              <a:rPr lang="en-GB" dirty="0" smtClean="0"/>
-              <a:t>GCBASIC is an Open Source compiler for PIC and AVR microcontrollers</a:t>
-            </a:r>
-          </a:p>
-          <a:p>
-            <a:endParaRPr lang="en-GB" dirty="0" smtClean="0"/>
-          </a:p>
-          <a:p>
-            <a:r>
-              <a:rPr lang="en-GB" dirty="0" smtClean="0"/>
-              <a:t>GCBASIC now supports the 18FxxQ24 chip family</a:t>
-            </a:r>
-            <a:endParaRPr lang="en-GB" dirty="0"/>
-          </a:p>
-        </p:txBody>
-      </p:sp>
-    </p:spTree>
-  </p:cSld>
-  <p:clrMapOvr>
-    <a:masterClrMapping/>
-  </p:clrMapOvr>
-  <mc:AlternateContent xmlns:mc="http://schemas.openxmlformats.org/markup-compatibility/2006" xmlns:p14="http://schemas.microsoft.com/office/powerpoint/2010/main">
-    <mc:Choice Requires="p14">
-      <p:transition spd="slow" p14:dur="2000"/>
-    </mc:Choice>
-    <mc:Fallback xmlns="">
-      <p:transition spd="slow"/>
-    </mc:Fallback>
-  </mc:AlternateContent>
-  <p:timing>
-    <p:tnLst>
-      <p:par>
-        <p:cTn id="1" dur="indefinite" restart="never" nodeType="tmRoot"/>
-      </p:par>
-    </p:tnLst>
-  </p:timing>
-</p:sld>
-</file>
-
-<file path=ppt/slides/slide7.xml><?xml version="1.0" encoding="utf-8"?>
-<p:sld xmlns:a="http://schemas.openxmlformats.org/drawingml/2006/main" xmlns:r="http://schemas.openxmlformats.org/officeDocument/2006/relationships" xmlns:p="http://schemas.openxmlformats.org/presentationml/2006/main">
-  <p:cSld>
-    <p:bg>
-      <p:bgPr>
-        <a:solidFill>
-          <a:schemeClr val="bg1"/>
-        </a:solidFill>
-        <a:effectLst/>
-      </p:bgPr>
-    </p:bg>
-    <p:spTree>
-      <p:nvGrpSpPr>
-        <p:cNvPr id="1" name=""/>
-        <p:cNvGrpSpPr/>
-        <p:nvPr/>
-      </p:nvGrpSpPr>
-      <p:grpSpPr>
-        <a:xfrm>
-          <a:off x="0" y="0"/>
-          <a:ext cx="0" cy="0"/>
-          <a:chOff x="0" y="0"/>
-          <a:chExt cx="0" cy="0"/>
-        </a:xfrm>
-      </p:grpSpPr>
-      <p:sp>
-        <p:nvSpPr>
-          <p:cNvPr id="2" name="Title 1"/>
-          <p:cNvSpPr>
-            <a:spLocks noGrp="1"/>
-          </p:cNvSpPr>
-          <p:nvPr>
-            <p:ph type="title"/>
-          </p:nvPr>
-        </p:nvSpPr>
-        <p:spPr/>
-        <p:txBody>
-          <a:bodyPr/>
-          <a:lstStyle/>
-          <a:p>
-            <a:pPr algn="l"/>
-            <a:r>
-              <a:rPr lang="en-GB" dirty="0" smtClean="0"/>
-              <a:t>Prerequisites </a:t>
-            </a:r>
-            <a:endParaRPr lang="en-GB" dirty="0"/>
-          </a:p>
-        </p:txBody>
-      </p:sp>
-      <p:sp>
-        <p:nvSpPr>
-          <p:cNvPr id="3" name="Content Placeholder 2"/>
-          <p:cNvSpPr>
-            <a:spLocks noGrp="1"/>
-          </p:cNvSpPr>
-          <p:nvPr>
-            <p:ph idx="1"/>
-          </p:nvPr>
-        </p:nvSpPr>
-        <p:spPr/>
-        <p:txBody>
-          <a:bodyPr/>
-          <a:lstStyle/>
-          <a:p>
-            <a:r>
-              <a:rPr lang="en-GB" dirty="0" smtClean="0"/>
-              <a:t>Assumes you have </a:t>
-            </a:r>
-          </a:p>
-          <a:p>
-            <a:pPr marL="778521" lvl="1" indent="-478483"/>
-            <a:r>
-              <a:rPr lang="en-GB" dirty="0" smtClean="0"/>
-              <a:t>Installed the GCBASIC software</a:t>
-            </a:r>
-          </a:p>
-          <a:p>
-            <a:pPr marL="778521" lvl="1" indent="-478483"/>
-            <a:r>
-              <a:rPr lang="en-GB" dirty="0" smtClean="0"/>
-              <a:t>Installed your programmer software</a:t>
-            </a:r>
-          </a:p>
-          <a:p>
-            <a:pPr marL="778521" lvl="1" indent="-478483"/>
-            <a:r>
-              <a:rPr lang="en-GB" dirty="0" smtClean="0"/>
-              <a:t>Test that you have the 18FxxQ24 attached</a:t>
-            </a:r>
-          </a:p>
-          <a:p>
-            <a:pPr marL="778521" lvl="1" indent="-478483"/>
-            <a:r>
-              <a:rPr lang="en-GB" dirty="0" smtClean="0"/>
-              <a:t>You have the 4 LEDs operating</a:t>
-            </a:r>
-          </a:p>
-          <a:p>
-            <a:pPr marL="778521" lvl="1" indent="-478483"/>
-            <a:r>
-              <a:rPr lang="en-GB" dirty="0" smtClean="0"/>
-              <a:t>You have a POT connected</a:t>
-            </a:r>
-          </a:p>
-          <a:p>
-            <a:pPr marL="778521" lvl="1" indent="-478483"/>
-            <a:r>
-              <a:rPr lang="en-GB" dirty="0" smtClean="0"/>
-              <a:t>You have </a:t>
-            </a:r>
-            <a:r>
-              <a:rPr lang="en-GB" dirty="0" err="1" smtClean="0"/>
-              <a:t>SWITCHes</a:t>
-            </a:r>
-            <a:r>
-              <a:rPr lang="en-GB" dirty="0" smtClean="0"/>
-              <a:t> connected</a:t>
-            </a:r>
-          </a:p>
-          <a:p>
-            <a:pPr marL="0" indent="0">
-              <a:buNone/>
-            </a:pPr>
-            <a:endParaRPr lang="en-GB" dirty="0" smtClean="0"/>
-          </a:p>
-          <a:p>
-            <a:pPr marL="0" indent="0">
-              <a:buNone/>
-            </a:pPr>
-            <a:endParaRPr lang="en-GB" dirty="0"/>
-          </a:p>
-        </p:txBody>
-      </p:sp>
-    </p:spTree>
-  </p:cSld>
-  <p:clrMapOvr>
-    <a:overrideClrMapping bg1="lt1" tx1="dk1" bg2="lt2" tx2="dk2" accent1="accent1" accent2="accent2" accent3="accent3" accent4="accent4" accent5="accent5" accent6="accent6" hlink="hlink" folHlink="folHlink"/>
-  </p:clrMapOvr>
-  <mc:AlternateContent xmlns:mc="http://schemas.openxmlformats.org/markup-compatibility/2006" xmlns:p14="http://schemas.microsoft.com/office/powerpoint/2010/main">
-    <mc:Choice Requires="p14">
-      <p:transition spd="slow" p14:dur="2000"/>
-    </mc:Choice>
-    <mc:Fallback xmlns="">
-      <p:transition spd="slow"/>
-    </mc:Fallback>
-  </mc:AlternateContent>
-  <p:timing>
-    <p:tnLst>
-      <p:par>
-        <p:cTn id="1" dur="indefinite" restart="never" nodeType="tmRoot"/>
-      </p:par>
-    </p:tnLst>
-  </p:timing>
-</p:sld>
-</file>
-
-<file path=ppt/slides/slide8.xml><?xml version="1.0" encoding="utf-8"?>
-<p:sld xmlns:a="http://schemas.openxmlformats.org/drawingml/2006/main" xmlns:r="http://schemas.openxmlformats.org/officeDocument/2006/relationships" xmlns:p="http://schemas.openxmlformats.org/presentationml/2006/main">
-  <p:cSld>
-    <p:spTree>
-      <p:nvGrpSpPr>
-        <p:cNvPr id="1" name=""/>
-        <p:cNvGrpSpPr/>
-        <p:nvPr/>
-      </p:nvGrpSpPr>
-      <p:grpSpPr>
-        <a:xfrm>
-          <a:off x="0" y="0"/>
-          <a:ext cx="0" cy="0"/>
-          <a:chOff x="0" y="0"/>
-          <a:chExt cx="0" cy="0"/>
-        </a:xfrm>
-      </p:grpSpPr>
-      <p:sp>
-        <p:nvSpPr>
-          <p:cNvPr id="2" name="Title 1"/>
-          <p:cNvSpPr>
-            <a:spLocks noGrp="1"/>
-          </p:cNvSpPr>
-          <p:nvPr>
-            <p:ph type="title"/>
-          </p:nvPr>
-        </p:nvSpPr>
-        <p:spPr/>
-        <p:txBody>
-          <a:bodyPr vert="horz" lIns="85064" tIns="42531" rIns="85064" bIns="42531" rtlCol="0" anchor="t">
-            <a:normAutofit/>
-          </a:bodyPr>
-          <a:lstStyle/>
-          <a:p>
-            <a:pPr algn="l"/>
-            <a:r>
-              <a:rPr lang="en-GB" dirty="0" smtClean="0"/>
-              <a:t>Pulling it all together </a:t>
-            </a:r>
-            <a:endParaRPr lang="en-GB" dirty="0"/>
-          </a:p>
-        </p:txBody>
-      </p:sp>
-      <p:sp>
-        <p:nvSpPr>
-          <p:cNvPr id="3" name="Content Placeholder 2"/>
-          <p:cNvSpPr>
-            <a:spLocks noGrp="1"/>
-          </p:cNvSpPr>
-          <p:nvPr>
-            <p:ph idx="1"/>
-          </p:nvPr>
-        </p:nvSpPr>
-        <p:spPr/>
-        <p:txBody>
-          <a:bodyPr>
-            <a:normAutofit/>
-          </a:bodyPr>
-          <a:lstStyle/>
-          <a:p>
-            <a:r>
-              <a:rPr lang="en-GB" dirty="0" smtClean="0"/>
-              <a:t>Output</a:t>
-            </a:r>
-          </a:p>
-          <a:p>
-            <a:pPr lvl="1"/>
-            <a:r>
-              <a:rPr lang="en-GB" dirty="0" smtClean="0"/>
-              <a:t>LEDs rotating in sequence</a:t>
-            </a:r>
-          </a:p>
-          <a:p>
-            <a:r>
-              <a:rPr lang="en-GB" dirty="0" smtClean="0"/>
-              <a:t>Input</a:t>
-            </a:r>
-          </a:p>
-          <a:p>
-            <a:pPr lvl="1"/>
-            <a:r>
-              <a:rPr lang="en-GB" dirty="0" smtClean="0"/>
-              <a:t>Switch to control direction of sequence</a:t>
-            </a:r>
-          </a:p>
-          <a:p>
-            <a:pPr lvl="1"/>
-            <a:r>
-              <a:rPr lang="en-GB" dirty="0" smtClean="0"/>
-              <a:t>Using Master Clear as an input NOT as a reset</a:t>
-            </a:r>
-          </a:p>
-          <a:p>
-            <a:r>
-              <a:rPr lang="en-GB" dirty="0" smtClean="0"/>
-              <a:t>ADC </a:t>
-            </a:r>
-          </a:p>
-          <a:p>
-            <a:pPr lvl="1"/>
-            <a:r>
-              <a:rPr lang="en-GB" dirty="0" smtClean="0"/>
-              <a:t>Read the voltage from the potentiometer</a:t>
-            </a:r>
-          </a:p>
-          <a:p>
-            <a:r>
-              <a:rPr lang="en-GB" dirty="0" smtClean="0"/>
-              <a:t>Time</a:t>
-            </a:r>
-          </a:p>
-          <a:p>
-            <a:pPr lvl="1"/>
-            <a:r>
-              <a:rPr lang="en-GB" dirty="0" smtClean="0"/>
-              <a:t>Using WAIT that consistent across all </a:t>
-            </a:r>
-            <a:r>
-              <a:rPr lang="en-GB" dirty="0" err="1" smtClean="0"/>
-              <a:t>mcu</a:t>
-            </a:r>
-            <a:r>
-              <a:rPr lang="en-GB" dirty="0" smtClean="0"/>
-              <a:t> frequency</a:t>
-            </a:r>
-          </a:p>
-          <a:p>
-            <a:endParaRPr lang="en-GB" dirty="0" smtClean="0"/>
-          </a:p>
-          <a:p>
-            <a:pPr lvl="1"/>
-            <a:endParaRPr lang="en-GB" dirty="0" smtClean="0"/>
-          </a:p>
-          <a:p>
-            <a:pPr lvl="2">
-              <a:buNone/>
-            </a:pPr>
-            <a:endParaRPr lang="en-GB" i="1" dirty="0" smtClean="0"/>
-          </a:p>
-          <a:p>
-            <a:pPr lvl="2">
-              <a:buNone/>
-            </a:pPr>
-            <a:endParaRPr lang="en-GB" dirty="0"/>
-          </a:p>
-        </p:txBody>
-      </p:sp>
-    </p:spTree>
-    <p:extLst>
-      <p:ext uri="{BB962C8B-B14F-4D97-AF65-F5344CB8AC3E}">
-        <p14:creationId xmlns:p14="http://schemas.microsoft.com/office/powerpoint/2010/main" val="3795166154"/>
-      </p:ext>
-    </p:extLst>
-  </p:cSld>
-  <p:clrMapOvr>
-    <a:masterClrMapping/>
-  </p:clrMapOvr>
-  <mc:AlternateContent xmlns:mc="http://schemas.openxmlformats.org/markup-compatibility/2006">
-    <mc:Choice xmlns:p14="http://schemas.microsoft.com/office/powerpoint/2010/main" Requires="p14">
-      <p:transition spd="slow" p14:dur="2000" advClick="0"/>
-    </mc:Choice>
-    <mc:Fallback>
-      <p:transition spd="slow" advClick="0"/>
-    </mc:Fallback>
-  </mc:AlternateContent>
-  <p:timing>
-    <p:tnLst>
-      <p:par>
-        <p:cTn id="1" dur="indefinite" restart="never" nodeType="tmRoot"/>
-      </p:par>
-    </p:tnLst>
-  </p:timing>
-</p:sld>
-</file>
-
-<file path=ppt/slides/slide9.xml><?xml version="1.0" encoding="utf-8"?>
 <p:sld xmlns:a="http://schemas.openxmlformats.org/drawingml/2006/main" xmlns:r="http://schemas.openxmlformats.org/officeDocument/2006/relationships" xmlns:p="http://schemas.openxmlformats.org/presentationml/2006/main">
   <p:cSld>
     <p:spTree>
@@ -11505,13 +8946,8 @@
             <a:pPr lvl="1"/>
             <a:r>
               <a:rPr lang="en-GB" dirty="0" smtClean="0"/>
-              <a:t>Set state of </a:t>
-            </a:r>
-            <a:r>
-              <a:rPr lang="en-GB" dirty="0" smtClean="0"/>
-              <a:t>LEDs – left or right</a:t>
-            </a:r>
-            <a:endParaRPr lang="en-GB" dirty="0" smtClean="0"/>
+              <a:t>Set state of LEDs – left or right</a:t>
+            </a:r>
           </a:p>
           <a:p>
             <a:pPr lvl="1"/>
@@ -12330,11 +9766,2916 @@
   <p:clrMapOvr>
     <a:masterClrMapping/>
   </p:clrMapOvr>
-  <mc:AlternateContent xmlns:mc="http://schemas.openxmlformats.org/markup-compatibility/2006">
-    <mc:Choice xmlns:p14="http://schemas.microsoft.com/office/powerpoint/2010/main" Requires="p14">
+  <mc:AlternateContent xmlns:mc="http://schemas.openxmlformats.org/markup-compatibility/2006" xmlns:p14="http://schemas.microsoft.com/office/powerpoint/2010/main">
+    <mc:Choice Requires="p14">
       <p:transition spd="slow" p14:dur="2000" advClick="0"/>
     </mc:Choice>
-    <mc:Fallback>
+    <mc:Fallback xmlns="">
+      <p:transition spd="slow" advClick="0"/>
+    </mc:Fallback>
+  </mc:AlternateContent>
+  <p:timing>
+    <p:tnLst>
+      <p:par>
+        <p:cTn id="1" dur="indefinite" restart="never" nodeType="tmRoot"/>
+      </p:par>
+    </p:tnLst>
+  </p:timing>
+</p:sld>
+</file>
+
+<file path=ppt/slides/slide13.xml><?xml version="1.0" encoding="utf-8"?>
+<p:sld xmlns:a="http://schemas.openxmlformats.org/drawingml/2006/main" xmlns:r="http://schemas.openxmlformats.org/officeDocument/2006/relationships" xmlns:p="http://schemas.openxmlformats.org/presentationml/2006/main">
+  <p:cSld>
+    <p:spTree>
+      <p:nvGrpSpPr>
+        <p:cNvPr id="1" name=""/>
+        <p:cNvGrpSpPr/>
+        <p:nvPr/>
+      </p:nvGrpSpPr>
+      <p:grpSpPr>
+        <a:xfrm>
+          <a:off x="0" y="0"/>
+          <a:ext cx="0" cy="0"/>
+          <a:chOff x="0" y="0"/>
+          <a:chExt cx="0" cy="0"/>
+        </a:xfrm>
+      </p:grpSpPr>
+      <p:sp>
+        <p:nvSpPr>
+          <p:cNvPr id="2" name="Title 1"/>
+          <p:cNvSpPr>
+            <a:spLocks noGrp="1"/>
+          </p:cNvSpPr>
+          <p:nvPr>
+            <p:ph type="title"/>
+          </p:nvPr>
+        </p:nvSpPr>
+        <p:spPr/>
+        <p:txBody>
+          <a:bodyPr/>
+          <a:lstStyle/>
+          <a:p>
+            <a:endParaRPr lang="en-GB" dirty="0"/>
+          </a:p>
+        </p:txBody>
+      </p:sp>
+      <p:sp>
+        <p:nvSpPr>
+          <p:cNvPr id="3" name="Content Placeholder 2"/>
+          <p:cNvSpPr>
+            <a:spLocks noGrp="1"/>
+          </p:cNvSpPr>
+          <p:nvPr>
+            <p:ph idx="1"/>
+          </p:nvPr>
+        </p:nvSpPr>
+        <p:spPr/>
+        <p:txBody>
+          <a:bodyPr/>
+          <a:lstStyle/>
+          <a:p>
+            <a:endParaRPr lang="en-GB" dirty="0"/>
+          </a:p>
+        </p:txBody>
+      </p:sp>
+    </p:spTree>
+  </p:cSld>
+  <p:clrMapOvr>
+    <a:masterClrMapping/>
+  </p:clrMapOvr>
+  <mc:AlternateContent xmlns:mc="http://schemas.openxmlformats.org/markup-compatibility/2006" xmlns:p14="http://schemas.microsoft.com/office/powerpoint/2010/main">
+    <mc:Choice Requires="p14">
+      <p:transition spd="slow" p14:dur="2000"/>
+    </mc:Choice>
+    <mc:Fallback xmlns="">
+      <p:transition spd="slow"/>
+    </mc:Fallback>
+  </mc:AlternateContent>
+  <p:timing>
+    <p:tnLst>
+      <p:par>
+        <p:cTn id="1" dur="indefinite" restart="never" nodeType="tmRoot"/>
+      </p:par>
+    </p:tnLst>
+  </p:timing>
+</p:sld>
+</file>
+
+<file path=ppt/slides/slide14.xml><?xml version="1.0" encoding="utf-8"?>
+<p:sld xmlns:a="http://schemas.openxmlformats.org/drawingml/2006/main" xmlns:r="http://schemas.openxmlformats.org/officeDocument/2006/relationships" xmlns:p="http://schemas.openxmlformats.org/presentationml/2006/main">
+  <p:cSld>
+    <p:spTree>
+      <p:nvGrpSpPr>
+        <p:cNvPr id="1" name=""/>
+        <p:cNvGrpSpPr/>
+        <p:nvPr/>
+      </p:nvGrpSpPr>
+      <p:grpSpPr>
+        <a:xfrm>
+          <a:off x="0" y="0"/>
+          <a:ext cx="0" cy="0"/>
+          <a:chOff x="0" y="0"/>
+          <a:chExt cx="0" cy="0"/>
+        </a:xfrm>
+      </p:grpSpPr>
+      <p:sp>
+        <p:nvSpPr>
+          <p:cNvPr id="2" name="Title 1"/>
+          <p:cNvSpPr>
+            <a:spLocks noGrp="1"/>
+          </p:cNvSpPr>
+          <p:nvPr>
+            <p:ph type="title"/>
+          </p:nvPr>
+        </p:nvSpPr>
+        <p:spPr/>
+        <p:txBody>
+          <a:bodyPr>
+            <a:normAutofit/>
+          </a:bodyPr>
+          <a:lstStyle/>
+          <a:p>
+            <a:r>
+              <a:rPr lang="en-GB" dirty="0" smtClean="0"/>
+              <a:t>Videos...</a:t>
+            </a:r>
+            <a:endParaRPr lang="en-GB" dirty="0"/>
+          </a:p>
+        </p:txBody>
+      </p:sp>
+      <p:sp>
+        <p:nvSpPr>
+          <p:cNvPr id="3" name="Content Placeholder 2"/>
+          <p:cNvSpPr>
+            <a:spLocks noGrp="1"/>
+          </p:cNvSpPr>
+          <p:nvPr>
+            <p:ph idx="1"/>
+          </p:nvPr>
+        </p:nvSpPr>
+        <p:spPr>
+          <a:xfrm>
+            <a:off x="467544" y="987574"/>
+            <a:ext cx="6447501" cy="4111476"/>
+          </a:xfrm>
+          <a:solidFill>
+            <a:schemeClr val="bg1"/>
+          </a:solidFill>
+        </p:spPr>
+        <p:txBody>
+          <a:bodyPr>
+            <a:noAutofit/>
+          </a:bodyPr>
+          <a:lstStyle/>
+          <a:p>
+            <a:pPr marL="180000" indent="-478483">
+              <a:spcBef>
+                <a:spcPts val="300"/>
+              </a:spcBef>
+              <a:buFont typeface="+mj-lt"/>
+              <a:buAutoNum type="arabicPeriod"/>
+            </a:pPr>
+            <a:r>
+              <a:rPr lang="en-GB" sz="1100" dirty="0"/>
+              <a:t>Install the hardware and make the board work </a:t>
+            </a:r>
+            <a:r>
+              <a:rPr lang="en-GB" sz="1100" dirty="0" smtClean="0"/>
+              <a:t>– make LEDs work</a:t>
+            </a:r>
+            <a:endParaRPr lang="en-GB" sz="1100" b="1" dirty="0"/>
+          </a:p>
+          <a:p>
+            <a:pPr marL="180000" indent="-478483">
+              <a:spcBef>
+                <a:spcPts val="300"/>
+              </a:spcBef>
+              <a:buFont typeface="+mj-lt"/>
+              <a:buAutoNum type="arabicPeriod"/>
+            </a:pPr>
+            <a:r>
+              <a:rPr lang="en-GB" sz="1100" dirty="0"/>
+              <a:t>Make  four LEDs flash in a sequence</a:t>
+            </a:r>
+          </a:p>
+          <a:p>
+            <a:pPr marL="180000" indent="-478483">
+              <a:spcBef>
+                <a:spcPts val="300"/>
+              </a:spcBef>
+              <a:buFont typeface="+mj-lt"/>
+              <a:buAutoNum type="arabicPeriod"/>
+            </a:pPr>
+            <a:r>
+              <a:rPr lang="en-GB" sz="1100" dirty="0"/>
+              <a:t>Set the LEDs to represent the value of ADC</a:t>
+            </a:r>
+          </a:p>
+          <a:p>
+            <a:pPr marL="180000" indent="-478483">
+              <a:spcBef>
+                <a:spcPts val="300"/>
+              </a:spcBef>
+              <a:buFont typeface="+mj-lt"/>
+              <a:buAutoNum type="arabicPeriod"/>
+            </a:pPr>
+            <a:r>
+              <a:rPr lang="en-GB" sz="1100" dirty="0"/>
+              <a:t>Sequence the LEDs with a delay using the value of ADC</a:t>
+            </a:r>
+          </a:p>
+          <a:p>
+            <a:pPr marL="180000" indent="-478483">
+              <a:spcBef>
+                <a:spcPts val="300"/>
+              </a:spcBef>
+              <a:buFont typeface="+mj-lt"/>
+              <a:buAutoNum type="arabicPeriod"/>
+            </a:pPr>
+            <a:r>
+              <a:rPr lang="en-GB" sz="1100" dirty="0"/>
+              <a:t>Using an input to set the state of the LEDs</a:t>
+            </a:r>
+          </a:p>
+          <a:p>
+            <a:pPr marL="180000" indent="-478483">
+              <a:spcBef>
+                <a:spcPts val="300"/>
+              </a:spcBef>
+              <a:buFont typeface="+mj-lt"/>
+              <a:buAutoNum type="arabicPeriod"/>
+            </a:pPr>
+            <a:r>
+              <a:rPr lang="en-GB" sz="1100" dirty="0"/>
+              <a:t>Using the reset switch</a:t>
+            </a:r>
+          </a:p>
+          <a:p>
+            <a:pPr marL="180000" indent="-478483">
+              <a:spcBef>
+                <a:spcPts val="300"/>
+              </a:spcBef>
+              <a:buFont typeface="+mj-lt"/>
+              <a:buAutoNum type="arabicPeriod"/>
+            </a:pPr>
+            <a:r>
+              <a:rPr lang="en-GB" sz="1100" dirty="0"/>
+              <a:t>Using the switch, ADC – make the LEDs flash in a sequence with reverse</a:t>
+            </a:r>
+          </a:p>
+          <a:p>
+            <a:pPr marL="180000" indent="-478483">
+              <a:spcBef>
+                <a:spcPts val="300"/>
+              </a:spcBef>
+              <a:buFont typeface="+mj-lt"/>
+              <a:buAutoNum type="arabicPeriod"/>
+            </a:pPr>
+            <a:r>
+              <a:rPr lang="en-GB" sz="1100" b="1" dirty="0"/>
+              <a:t>Using the serial to display values</a:t>
+            </a:r>
+          </a:p>
+          <a:p>
+            <a:pPr marL="180000" indent="-478483">
+              <a:spcBef>
+                <a:spcPts val="300"/>
+              </a:spcBef>
+              <a:buFont typeface="+mj-lt"/>
+              <a:buAutoNum type="arabicPeriod"/>
+            </a:pPr>
+            <a:r>
+              <a:rPr lang="en-GB" sz="1100" dirty="0"/>
+              <a:t>Using the timer0 overflow, 8bit timer, 16bit timer to flash the LEDs</a:t>
+            </a:r>
+          </a:p>
+          <a:p>
+            <a:pPr marL="180000" indent="-478483">
+              <a:spcBef>
+                <a:spcPts val="300"/>
+              </a:spcBef>
+              <a:buFont typeface="+mj-lt"/>
+              <a:buAutoNum type="arabicPeriod"/>
+            </a:pPr>
+            <a:r>
+              <a:rPr lang="en-GB" sz="1100" dirty="0"/>
+              <a:t>Using </a:t>
+            </a:r>
+            <a:r>
+              <a:rPr lang="en-GB" sz="1100" dirty="0" err="1"/>
+              <a:t>EEProm</a:t>
+            </a:r>
+            <a:r>
+              <a:rPr lang="en-GB" sz="1100" dirty="0"/>
+              <a:t> – showing values on the serial terminal, and more constants insights</a:t>
+            </a:r>
+          </a:p>
+          <a:p>
+            <a:pPr marL="180000" indent="-478483">
+              <a:spcBef>
+                <a:spcPts val="300"/>
+              </a:spcBef>
+              <a:buFont typeface="+mj-lt"/>
+              <a:buAutoNum type="arabicPeriod"/>
+            </a:pPr>
+            <a:r>
+              <a:rPr lang="en-GB" sz="1100" dirty="0"/>
+              <a:t>Using I2C with serial to discover I2C devices</a:t>
+            </a:r>
+          </a:p>
+          <a:p>
+            <a:pPr marL="180000" indent="-478483">
+              <a:spcBef>
+                <a:spcPts val="300"/>
+              </a:spcBef>
+              <a:buFont typeface="+mj-lt"/>
+              <a:buAutoNum type="arabicPeriod"/>
+            </a:pPr>
+            <a:r>
+              <a:rPr lang="en-GB" sz="1100" dirty="0"/>
+              <a:t>Using an I2C GCLD display</a:t>
+            </a:r>
+          </a:p>
+          <a:p>
+            <a:pPr marL="180000" indent="-478483">
+              <a:spcBef>
+                <a:spcPts val="300"/>
+              </a:spcBef>
+              <a:buFont typeface="+mj-lt"/>
+              <a:buAutoNum type="arabicPeriod"/>
+            </a:pPr>
+            <a:r>
+              <a:rPr lang="en-GB" sz="1100" dirty="0"/>
+              <a:t>Using a SPI GCLD display</a:t>
+            </a:r>
+          </a:p>
+          <a:p>
+            <a:pPr marL="180000" indent="-478483">
+              <a:spcBef>
+                <a:spcPts val="300"/>
+              </a:spcBef>
+              <a:buFont typeface="+mj-lt"/>
+              <a:buAutoNum type="arabicPeriod"/>
+            </a:pPr>
+            <a:r>
+              <a:rPr lang="en-GB" sz="1100" dirty="0"/>
+              <a:t>Using PWM, </a:t>
+            </a:r>
+            <a:r>
+              <a:rPr lang="en-GB" sz="1100" dirty="0" smtClean="0"/>
+              <a:t>many ways</a:t>
+            </a:r>
+            <a:r>
+              <a:rPr lang="en-GB" sz="1100" dirty="0"/>
+              <a:t>,  to dim the LEDS</a:t>
+            </a:r>
+          </a:p>
+          <a:p>
+            <a:pPr marL="180000" indent="-478483">
+              <a:spcBef>
+                <a:spcPts val="300"/>
+              </a:spcBef>
+              <a:buFont typeface="+mj-lt"/>
+              <a:buAutoNum type="arabicPeriod"/>
+            </a:pPr>
+            <a:r>
+              <a:rPr lang="en-GB" sz="1100" dirty="0"/>
+              <a:t>Using an external interrupt to control an LED</a:t>
+            </a:r>
+          </a:p>
+          <a:p>
+            <a:pPr marL="180000" indent="-478483">
+              <a:spcBef>
+                <a:spcPts val="300"/>
+              </a:spcBef>
+              <a:buFont typeface="+mj-lt"/>
+              <a:buAutoNum type="arabicPeriod"/>
+            </a:pPr>
+            <a:r>
+              <a:rPr lang="en-GB" sz="1100" dirty="0"/>
+              <a:t>Using storage within the chip – Progmem, </a:t>
+            </a:r>
+            <a:r>
+              <a:rPr lang="en-GB" sz="1100" dirty="0" smtClean="0"/>
+              <a:t>EEPROM </a:t>
+            </a:r>
+            <a:r>
+              <a:rPr lang="en-GB" sz="1100" dirty="0"/>
+              <a:t>and DATA blocks</a:t>
+            </a:r>
+          </a:p>
+          <a:p>
+            <a:pPr marL="180000" indent="-478483">
+              <a:spcBef>
+                <a:spcPts val="300"/>
+              </a:spcBef>
+              <a:buFont typeface="+mj-lt"/>
+              <a:buAutoNum type="arabicPeriod"/>
+            </a:pPr>
+            <a:r>
+              <a:rPr lang="en-GB" sz="1100" dirty="0" smtClean="0"/>
+              <a:t>The </a:t>
+            </a:r>
+            <a:r>
+              <a:rPr lang="en-GB" sz="1100" dirty="0"/>
+              <a:t>GCBASIC tool chain</a:t>
+            </a:r>
+          </a:p>
+          <a:p>
+            <a:pPr marL="180000" indent="-478483">
+              <a:spcBef>
+                <a:spcPts val="300"/>
+              </a:spcBef>
+              <a:buFont typeface="+mj-lt"/>
+              <a:buAutoNum type="arabicPeriod"/>
+            </a:pPr>
+            <a:r>
+              <a:rPr lang="en-GB" sz="1100" dirty="0"/>
+              <a:t>Assembly , alternatives assemblers and MPLAB-X</a:t>
+            </a:r>
+          </a:p>
+          <a:p>
+            <a:pPr marL="180000" indent="-478483">
+              <a:spcBef>
+                <a:spcPts val="300"/>
+              </a:spcBef>
+              <a:buFont typeface="+mj-lt"/>
+              <a:buAutoNum type="arabicPeriod"/>
+            </a:pPr>
+            <a:r>
+              <a:rPr lang="en-GB" sz="1100" dirty="0"/>
+              <a:t>Summary</a:t>
+            </a:r>
+          </a:p>
+          <a:p>
+            <a:pPr marL="180000" indent="-478483">
+              <a:spcBef>
+                <a:spcPts val="300"/>
+              </a:spcBef>
+              <a:buFont typeface="+mj-lt"/>
+              <a:buAutoNum type="arabicPeriod"/>
+            </a:pPr>
+            <a:endParaRPr lang="en-GB" sz="400" dirty="0" smtClean="0">
+              <a:solidFill>
+                <a:schemeClr val="bg1">
+                  <a:lumMod val="75000"/>
+                </a:schemeClr>
+              </a:solidFill>
+            </a:endParaRPr>
+          </a:p>
+          <a:p>
+            <a:pPr marL="180000" indent="-478483">
+              <a:spcBef>
+                <a:spcPts val="300"/>
+              </a:spcBef>
+              <a:buNone/>
+            </a:pPr>
+            <a:endParaRPr lang="en-GB" sz="700" dirty="0" smtClean="0"/>
+          </a:p>
+          <a:p>
+            <a:pPr marL="180000" indent="-478483">
+              <a:spcBef>
+                <a:spcPts val="300"/>
+              </a:spcBef>
+              <a:buFont typeface="+mj-lt"/>
+              <a:buAutoNum type="arabicPeriod"/>
+            </a:pPr>
+            <a:endParaRPr lang="en-GB" sz="700" dirty="0" smtClean="0"/>
+          </a:p>
+          <a:p>
+            <a:pPr marL="180000" indent="-478483">
+              <a:spcBef>
+                <a:spcPts val="300"/>
+              </a:spcBef>
+              <a:buFont typeface="+mj-lt"/>
+              <a:buAutoNum type="arabicPeriod"/>
+            </a:pPr>
+            <a:endParaRPr lang="en-GB" sz="500" dirty="0" smtClean="0"/>
+          </a:p>
+          <a:p>
+            <a:pPr marL="180000" indent="-478483">
+              <a:spcBef>
+                <a:spcPts val="300"/>
+              </a:spcBef>
+              <a:buFont typeface="+mj-lt"/>
+              <a:buAutoNum type="arabicPeriod"/>
+            </a:pPr>
+            <a:endParaRPr lang="en-GB" sz="500" dirty="0" smtClean="0"/>
+          </a:p>
+          <a:p>
+            <a:pPr marL="180000" indent="-478483">
+              <a:spcBef>
+                <a:spcPts val="300"/>
+              </a:spcBef>
+              <a:buFont typeface="+mj-lt"/>
+              <a:buAutoNum type="arabicPeriod"/>
+            </a:pPr>
+            <a:endParaRPr lang="en-GB" sz="500" dirty="0" smtClean="0"/>
+          </a:p>
+          <a:p>
+            <a:pPr marL="180000" indent="-478483">
+              <a:spcBef>
+                <a:spcPts val="300"/>
+              </a:spcBef>
+              <a:buFont typeface="+mj-lt"/>
+              <a:buAutoNum type="arabicPeriod"/>
+            </a:pPr>
+            <a:endParaRPr lang="en-GB" sz="500" dirty="0"/>
+          </a:p>
+        </p:txBody>
+      </p:sp>
+    </p:spTree>
+    <p:extLst>
+      <p:ext uri="{BB962C8B-B14F-4D97-AF65-F5344CB8AC3E}">
+        <p14:creationId xmlns:p14="http://schemas.microsoft.com/office/powerpoint/2010/main" val="4280388338"/>
+      </p:ext>
+    </p:extLst>
+  </p:cSld>
+  <p:clrMapOvr>
+    <a:masterClrMapping/>
+  </p:clrMapOvr>
+  <mc:AlternateContent xmlns:mc="http://schemas.openxmlformats.org/markup-compatibility/2006" xmlns:p14="http://schemas.microsoft.com/office/powerpoint/2010/main">
+    <mc:Choice Requires="p14">
+      <p:transition spd="slow" p14:dur="2000"/>
+    </mc:Choice>
+    <mc:Fallback xmlns="">
+      <p:transition spd="slow"/>
+    </mc:Fallback>
+  </mc:AlternateContent>
+  <p:timing>
+    <p:tnLst>
+      <p:par>
+        <p:cTn id="1" dur="indefinite" restart="never" nodeType="tmRoot"/>
+      </p:par>
+    </p:tnLst>
+  </p:timing>
+</p:sld>
+</file>
+
+<file path=ppt/slides/slide15.xml><?xml version="1.0" encoding="utf-8"?>
+<p:sld xmlns:a="http://schemas.openxmlformats.org/drawingml/2006/main" xmlns:r="http://schemas.openxmlformats.org/officeDocument/2006/relationships" xmlns:p="http://schemas.openxmlformats.org/presentationml/2006/main">
+  <p:cSld>
+    <p:spTree>
+      <p:nvGrpSpPr>
+        <p:cNvPr id="1" name=""/>
+        <p:cNvGrpSpPr/>
+        <p:nvPr/>
+      </p:nvGrpSpPr>
+      <p:grpSpPr>
+        <a:xfrm>
+          <a:off x="0" y="0"/>
+          <a:ext cx="0" cy="0"/>
+          <a:chOff x="0" y="0"/>
+          <a:chExt cx="0" cy="0"/>
+        </a:xfrm>
+      </p:grpSpPr>
+      <p:sp>
+        <p:nvSpPr>
+          <p:cNvPr id="4" name="Title 3"/>
+          <p:cNvSpPr>
+            <a:spLocks noGrp="1"/>
+          </p:cNvSpPr>
+          <p:nvPr>
+            <p:ph type="title"/>
+          </p:nvPr>
+        </p:nvSpPr>
+        <p:spPr/>
+        <p:txBody>
+          <a:bodyPr/>
+          <a:lstStyle/>
+          <a:p>
+            <a:r>
+              <a:rPr lang="en-GB" dirty="0" smtClean="0"/>
+              <a:t>GCBASIC</a:t>
+            </a:r>
+            <a:endParaRPr lang="en-GB" dirty="0"/>
+          </a:p>
+        </p:txBody>
+      </p:sp>
+      <p:sp>
+        <p:nvSpPr>
+          <p:cNvPr id="5" name="Text Placeholder 4"/>
+          <p:cNvSpPr>
+            <a:spLocks noGrp="1"/>
+          </p:cNvSpPr>
+          <p:nvPr>
+            <p:ph type="body" idx="1"/>
+          </p:nvPr>
+        </p:nvSpPr>
+        <p:spPr/>
+        <p:txBody>
+          <a:bodyPr>
+            <a:normAutofit fontScale="85000" lnSpcReduction="20000"/>
+          </a:bodyPr>
+          <a:lstStyle/>
+          <a:p>
+            <a:r>
+              <a:rPr lang="en-GB" dirty="0" smtClean="0"/>
+              <a:t>PIC16Fxxxx chip Family ( Legacy )</a:t>
+            </a:r>
+          </a:p>
+          <a:p>
+            <a:r>
+              <a:rPr lang="en-GB" dirty="0"/>
+              <a:t>Part 7 – </a:t>
+            </a:r>
+            <a:r>
+              <a:rPr lang="en-GB" sz="1400" dirty="0"/>
+              <a:t>make the LEDs flash in a sequence with reverse</a:t>
+            </a:r>
+            <a:endParaRPr lang="en-GB" dirty="0"/>
+          </a:p>
+        </p:txBody>
+      </p:sp>
+    </p:spTree>
+    <p:extLst>
+      <p:ext uri="{BB962C8B-B14F-4D97-AF65-F5344CB8AC3E}">
+        <p14:creationId xmlns:p14="http://schemas.microsoft.com/office/powerpoint/2010/main" val="4063394238"/>
+      </p:ext>
+    </p:extLst>
+  </p:cSld>
+  <p:clrMapOvr>
+    <a:masterClrMapping/>
+  </p:clrMapOvr>
+  <p:timing>
+    <p:tnLst>
+      <p:par>
+        <p:cTn id="1" dur="indefinite" restart="never" nodeType="tmRoot"/>
+      </p:par>
+    </p:tnLst>
+  </p:timing>
+</p:sld>
+</file>
+
+<file path=ppt/slides/slide2.xml><?xml version="1.0" encoding="utf-8"?>
+<p:sld xmlns:a="http://schemas.openxmlformats.org/drawingml/2006/main" xmlns:r="http://schemas.openxmlformats.org/officeDocument/2006/relationships" xmlns:p="http://schemas.openxmlformats.org/presentationml/2006/main">
+  <p:cSld>
+    <p:spTree>
+      <p:nvGrpSpPr>
+        <p:cNvPr id="1" name=""/>
+        <p:cNvGrpSpPr/>
+        <p:nvPr/>
+      </p:nvGrpSpPr>
+      <p:grpSpPr>
+        <a:xfrm>
+          <a:off x="0" y="0"/>
+          <a:ext cx="0" cy="0"/>
+          <a:chOff x="0" y="0"/>
+          <a:chExt cx="0" cy="0"/>
+        </a:xfrm>
+      </p:grpSpPr>
+      <p:sp>
+        <p:nvSpPr>
+          <p:cNvPr id="2" name="Title 1"/>
+          <p:cNvSpPr>
+            <a:spLocks noGrp="1"/>
+          </p:cNvSpPr>
+          <p:nvPr>
+            <p:ph type="ctrTitle"/>
+          </p:nvPr>
+        </p:nvSpPr>
+        <p:spPr/>
+        <p:txBody>
+          <a:bodyPr/>
+          <a:lstStyle/>
+          <a:p>
+            <a:r>
+              <a:rPr lang="en-GB" dirty="0" smtClean="0"/>
+              <a:t>GCBASIC</a:t>
+            </a:r>
+            <a:endParaRPr lang="en-GB" dirty="0"/>
+          </a:p>
+        </p:txBody>
+      </p:sp>
+      <p:sp>
+        <p:nvSpPr>
+          <p:cNvPr id="3" name="Subtitle 2"/>
+          <p:cNvSpPr>
+            <a:spLocks noGrp="1"/>
+          </p:cNvSpPr>
+          <p:nvPr>
+            <p:ph type="subTitle" idx="1"/>
+          </p:nvPr>
+        </p:nvSpPr>
+        <p:spPr>
+          <a:xfrm>
+            <a:off x="179513" y="2914650"/>
+            <a:ext cx="6840759" cy="1925352"/>
+          </a:xfrm>
+        </p:spPr>
+        <p:txBody>
+          <a:bodyPr>
+            <a:normAutofit/>
+          </a:bodyPr>
+          <a:lstStyle/>
+          <a:p>
+            <a:r>
+              <a:rPr lang="en-GB" dirty="0" smtClean="0"/>
+              <a:t>PIC16Fxxxx chip Family ( Legacy )</a:t>
+            </a:r>
+            <a:endParaRPr lang="en-GB" dirty="0"/>
+          </a:p>
+          <a:p>
+            <a:r>
+              <a:rPr lang="en-GB" dirty="0"/>
+              <a:t>Part 7 – make the LEDs flash in a sequence with reverse</a:t>
+            </a:r>
+          </a:p>
+          <a:p>
+            <a:endParaRPr lang="en-GB" dirty="0"/>
+          </a:p>
+          <a:p>
+            <a:r>
+              <a:rPr lang="en-GB" sz="1700" dirty="0" smtClean="0"/>
+              <a:t>January 2025</a:t>
+            </a:r>
+            <a:endParaRPr lang="en-GB" sz="1700" dirty="0"/>
+          </a:p>
+        </p:txBody>
+      </p:sp>
+      <p:pic>
+        <p:nvPicPr>
+          <p:cNvPr id="1026" name="Picture 2" descr="D:\Build\AnobiumTransparent.jpg"/>
+          <p:cNvPicPr>
+            <a:picLocks noChangeAspect="1" noChangeArrowheads="1"/>
+          </p:cNvPicPr>
+          <p:nvPr/>
+        </p:nvPicPr>
+        <p:blipFill>
+          <a:blip r:embed="rId2" cstate="print"/>
+          <a:srcRect/>
+          <a:stretch>
+            <a:fillRect/>
+          </a:stretch>
+        </p:blipFill>
+        <p:spPr bwMode="auto">
+          <a:xfrm>
+            <a:off x="5292080" y="911052"/>
+            <a:ext cx="1828859" cy="771550"/>
+          </a:xfrm>
+          <a:prstGeom prst="rect">
+            <a:avLst/>
+          </a:prstGeom>
+          <a:noFill/>
+        </p:spPr>
+      </p:pic>
+      <p:sp>
+        <p:nvSpPr>
+          <p:cNvPr id="4" name="AutoShape 2" descr="ICSP connection"/>
+          <p:cNvSpPr>
+            <a:spLocks noChangeAspect="1" noChangeArrowheads="1"/>
+          </p:cNvSpPr>
+          <p:nvPr/>
+        </p:nvSpPr>
+        <p:spPr bwMode="auto">
+          <a:xfrm>
+            <a:off x="155575" y="-144462"/>
+            <a:ext cx="304800" cy="304801"/>
+          </a:xfrm>
+          <a:prstGeom prst="rect">
+            <a:avLst/>
+          </a:prstGeom>
+          <a:noFill/>
+        </p:spPr>
+        <p:txBody>
+          <a:bodyPr vert="horz" wrap="square" lIns="85064" tIns="42531" rIns="85064" bIns="42531" numCol="1" anchor="t" anchorCtr="0" compatLnSpc="1">
+            <a:prstTxWarp prst="textNoShape">
+              <a:avLst/>
+            </a:prstTxWarp>
+          </a:bodyPr>
+          <a:lstStyle/>
+          <a:p>
+            <a:endParaRPr lang="en-GB" dirty="0"/>
+          </a:p>
+        </p:txBody>
+      </p:sp>
+    </p:spTree>
+    <p:extLst>
+      <p:ext uri="{BB962C8B-B14F-4D97-AF65-F5344CB8AC3E}">
+        <p14:creationId xmlns:p14="http://schemas.microsoft.com/office/powerpoint/2010/main" val="984357114"/>
+      </p:ext>
+    </p:extLst>
+  </p:cSld>
+  <p:clrMapOvr>
+    <a:masterClrMapping/>
+  </p:clrMapOvr>
+  <mc:AlternateContent xmlns:mc="http://schemas.openxmlformats.org/markup-compatibility/2006" xmlns:p14="http://schemas.microsoft.com/office/powerpoint/2010/main">
+    <mc:Choice Requires="p14">
+      <p:transition spd="slow" p14:dur="2000"/>
+    </mc:Choice>
+    <mc:Fallback xmlns="">
+      <p:transition spd="slow"/>
+    </mc:Fallback>
+  </mc:AlternateContent>
+  <p:timing>
+    <p:tnLst>
+      <p:par>
+        <p:cTn id="1" dur="indefinite" restart="never" nodeType="tmRoot"/>
+      </p:par>
+    </p:tnLst>
+  </p:timing>
+</p:sld>
+</file>
+
+<file path=ppt/slides/slide3.xml><?xml version="1.0" encoding="utf-8"?>
+<p:sld xmlns:a="http://schemas.openxmlformats.org/drawingml/2006/main" xmlns:r="http://schemas.openxmlformats.org/officeDocument/2006/relationships" xmlns:p="http://schemas.openxmlformats.org/presentationml/2006/main">
+  <p:cSld>
+    <p:spTree>
+      <p:nvGrpSpPr>
+        <p:cNvPr id="1" name=""/>
+        <p:cNvGrpSpPr/>
+        <p:nvPr/>
+      </p:nvGrpSpPr>
+      <p:grpSpPr>
+        <a:xfrm>
+          <a:off x="0" y="0"/>
+          <a:ext cx="0" cy="0"/>
+          <a:chOff x="0" y="0"/>
+          <a:chExt cx="0" cy="0"/>
+        </a:xfrm>
+      </p:grpSpPr>
+      <p:sp>
+        <p:nvSpPr>
+          <p:cNvPr id="2" name="Title 1"/>
+          <p:cNvSpPr>
+            <a:spLocks noGrp="1"/>
+          </p:cNvSpPr>
+          <p:nvPr>
+            <p:ph type="title"/>
+          </p:nvPr>
+        </p:nvSpPr>
+        <p:spPr/>
+        <p:txBody>
+          <a:bodyPr/>
+          <a:lstStyle/>
+          <a:p>
+            <a:r>
+              <a:rPr lang="en-GB" dirty="0" smtClean="0"/>
+              <a:t>GCBASIC</a:t>
+            </a:r>
+            <a:endParaRPr lang="en-GB" dirty="0"/>
+          </a:p>
+        </p:txBody>
+      </p:sp>
+      <p:pic>
+        <p:nvPicPr>
+          <p:cNvPr id="1026" name="Picture 2" descr="D:\Build\AnobiumTransparent.jpg"/>
+          <p:cNvPicPr>
+            <a:picLocks noChangeAspect="1" noChangeArrowheads="1"/>
+          </p:cNvPicPr>
+          <p:nvPr/>
+        </p:nvPicPr>
+        <p:blipFill>
+          <a:blip r:embed="rId2" cstate="print"/>
+          <a:srcRect/>
+          <a:stretch>
+            <a:fillRect/>
+          </a:stretch>
+        </p:blipFill>
+        <p:spPr bwMode="auto">
+          <a:xfrm>
+            <a:off x="5292080" y="911052"/>
+            <a:ext cx="1828859" cy="771550"/>
+          </a:xfrm>
+          <a:prstGeom prst="rect">
+            <a:avLst/>
+          </a:prstGeom>
+          <a:noFill/>
+        </p:spPr>
+      </p:pic>
+      <p:sp>
+        <p:nvSpPr>
+          <p:cNvPr id="4" name="AutoShape 2" descr="ICSP connection"/>
+          <p:cNvSpPr>
+            <a:spLocks noChangeAspect="1" noChangeArrowheads="1"/>
+          </p:cNvSpPr>
+          <p:nvPr/>
+        </p:nvSpPr>
+        <p:spPr bwMode="auto">
+          <a:xfrm>
+            <a:off x="155575" y="-144462"/>
+            <a:ext cx="304800" cy="304801"/>
+          </a:xfrm>
+          <a:prstGeom prst="rect">
+            <a:avLst/>
+          </a:prstGeom>
+          <a:noFill/>
+        </p:spPr>
+        <p:txBody>
+          <a:bodyPr vert="horz" wrap="square" lIns="85064" tIns="42531" rIns="85064" bIns="42531" numCol="1" anchor="t" anchorCtr="0" compatLnSpc="1">
+            <a:prstTxWarp prst="textNoShape">
+              <a:avLst/>
+            </a:prstTxWarp>
+          </a:bodyPr>
+          <a:lstStyle/>
+          <a:p>
+            <a:endParaRPr lang="en-GB" dirty="0"/>
+          </a:p>
+        </p:txBody>
+      </p:sp>
+      <p:sp>
+        <p:nvSpPr>
+          <p:cNvPr id="7" name="Rectangle 6"/>
+          <p:cNvSpPr/>
+          <p:nvPr/>
+        </p:nvSpPr>
+        <p:spPr>
+          <a:xfrm>
+            <a:off x="539552" y="2067694"/>
+            <a:ext cx="7367888" cy="707886"/>
+          </a:xfrm>
+          <a:prstGeom prst="rect">
+            <a:avLst/>
+          </a:prstGeom>
+          <a:noFill/>
+        </p:spPr>
+        <p:txBody>
+          <a:bodyPr wrap="square" lIns="91440" tIns="45720" rIns="91440" bIns="45720">
+            <a:spAutoFit/>
+          </a:bodyPr>
+          <a:lstStyle/>
+          <a:p>
+            <a:pPr algn="ctr"/>
+            <a:r>
+              <a:rPr lang="en-US" sz="4000" b="1" dirty="0" smtClean="0">
+                <a:ln w="10541" cmpd="sng">
+                  <a:solidFill>
+                    <a:srgbClr val="7D7D7D">
+                      <a:tint val="100000"/>
+                      <a:shade val="100000"/>
+                      <a:satMod val="110000"/>
+                    </a:srgbClr>
+                  </a:solidFill>
+                  <a:prstDash val="solid"/>
+                </a:ln>
+                <a:solidFill>
+                  <a:srgbClr val="FF0000"/>
+                </a:solidFill>
+              </a:rPr>
+              <a:t>Like and subscribe</a:t>
+            </a:r>
+            <a:r>
+              <a:rPr lang="en-US" sz="4000" b="1" dirty="0">
+                <a:ln w="10541" cmpd="sng">
+                  <a:solidFill>
+                    <a:srgbClr val="7D7D7D">
+                      <a:tint val="100000"/>
+                      <a:shade val="100000"/>
+                      <a:satMod val="110000"/>
+                    </a:srgbClr>
+                  </a:solidFill>
+                  <a:prstDash val="solid"/>
+                </a:ln>
+                <a:solidFill>
+                  <a:srgbClr val="FF0000"/>
+                </a:solidFill>
+              </a:rPr>
+              <a:t>!</a:t>
+            </a:r>
+            <a:endParaRPr lang="en-US" sz="4000" b="1" dirty="0" smtClean="0">
+              <a:ln w="10541" cmpd="sng">
+                <a:solidFill>
+                  <a:srgbClr val="7D7D7D">
+                    <a:tint val="100000"/>
+                    <a:shade val="100000"/>
+                    <a:satMod val="110000"/>
+                  </a:srgbClr>
+                </a:solidFill>
+                <a:prstDash val="solid"/>
+              </a:ln>
+              <a:solidFill>
+                <a:srgbClr val="FF0000"/>
+              </a:solidFill>
+            </a:endParaRPr>
+          </a:p>
+        </p:txBody>
+      </p:sp>
+    </p:spTree>
+    <p:extLst>
+      <p:ext uri="{BB962C8B-B14F-4D97-AF65-F5344CB8AC3E}">
+        <p14:creationId xmlns:p14="http://schemas.microsoft.com/office/powerpoint/2010/main" val="3431118717"/>
+      </p:ext>
+    </p:extLst>
+  </p:cSld>
+  <p:clrMapOvr>
+    <a:masterClrMapping/>
+  </p:clrMapOvr>
+  <mc:AlternateContent xmlns:mc="http://schemas.openxmlformats.org/markup-compatibility/2006" xmlns:p14="http://schemas.microsoft.com/office/powerpoint/2010/main">
+    <mc:Choice Requires="p14">
+      <p:transition spd="slow" p14:dur="2000"/>
+    </mc:Choice>
+    <mc:Fallback xmlns="">
+      <p:transition spd="slow"/>
+    </mc:Fallback>
+  </mc:AlternateContent>
+  <p:timing>
+    <p:tnLst>
+      <p:par>
+        <p:cTn id="1" dur="indefinite" restart="never" nodeType="tmRoot"/>
+      </p:par>
+    </p:tnLst>
+  </p:timing>
+</p:sld>
+</file>
+
+<file path=ppt/slides/slide4.xml><?xml version="1.0" encoding="utf-8"?>
+<p:sld xmlns:a="http://schemas.openxmlformats.org/drawingml/2006/main" xmlns:r="http://schemas.openxmlformats.org/officeDocument/2006/relationships" xmlns:p="http://schemas.openxmlformats.org/presentationml/2006/main" show="0">
+  <p:cSld>
+    <p:spTree>
+      <p:nvGrpSpPr>
+        <p:cNvPr id="1" name=""/>
+        <p:cNvGrpSpPr/>
+        <p:nvPr/>
+      </p:nvGrpSpPr>
+      <p:grpSpPr>
+        <a:xfrm>
+          <a:off x="0" y="0"/>
+          <a:ext cx="0" cy="0"/>
+          <a:chOff x="0" y="0"/>
+          <a:chExt cx="0" cy="0"/>
+        </a:xfrm>
+      </p:grpSpPr>
+      <p:sp>
+        <p:nvSpPr>
+          <p:cNvPr id="2" name="Title 1"/>
+          <p:cNvSpPr>
+            <a:spLocks noGrp="1"/>
+          </p:cNvSpPr>
+          <p:nvPr>
+            <p:ph type="title"/>
+          </p:nvPr>
+        </p:nvSpPr>
+        <p:spPr/>
+        <p:txBody>
+          <a:bodyPr/>
+          <a:lstStyle/>
+          <a:p>
+            <a:pPr algn="l"/>
+            <a:r>
+              <a:rPr lang="en-GB" dirty="0" smtClean="0"/>
+              <a:t>PIC16Fxxxx</a:t>
+            </a:r>
+            <a:endParaRPr lang="en-GB" dirty="0"/>
+          </a:p>
+        </p:txBody>
+      </p:sp>
+      <p:sp>
+        <p:nvSpPr>
+          <p:cNvPr id="3" name="Content Placeholder 2"/>
+          <p:cNvSpPr>
+            <a:spLocks noGrp="1"/>
+          </p:cNvSpPr>
+          <p:nvPr>
+            <p:ph idx="1"/>
+          </p:nvPr>
+        </p:nvSpPr>
+        <p:spPr/>
+        <p:txBody>
+          <a:bodyPr>
+            <a:normAutofit/>
+          </a:bodyPr>
+          <a:lstStyle/>
+          <a:p>
+            <a:r>
+              <a:rPr lang="en-GB" dirty="0"/>
+              <a:t>PIC16Fxxxx </a:t>
+            </a:r>
+            <a:r>
+              <a:rPr lang="en-GB" dirty="0" smtClean="0"/>
+              <a:t> is a high performance PIC16</a:t>
+            </a:r>
+          </a:p>
+          <a:p>
+            <a:pPr lvl="1"/>
+            <a:r>
+              <a:rPr lang="en-GB" dirty="0" smtClean="0"/>
+              <a:t>Digital and </a:t>
+            </a:r>
+            <a:r>
+              <a:rPr lang="en-GB" dirty="0" err="1" smtClean="0"/>
+              <a:t>Analog</a:t>
+            </a:r>
+            <a:r>
+              <a:rPr lang="en-GB" dirty="0" smtClean="0"/>
+              <a:t> peripherals </a:t>
+            </a:r>
+          </a:p>
+          <a:p>
+            <a:pPr lvl="1"/>
+            <a:r>
+              <a:rPr lang="en-GB" dirty="0" smtClean="0"/>
+              <a:t>8 –bit or 10-bit ADC</a:t>
+            </a:r>
+          </a:p>
+          <a:p>
+            <a:pPr lvl="1"/>
+            <a:r>
+              <a:rPr lang="en-GB" dirty="0" smtClean="0"/>
+              <a:t>Multiple communication interfaces</a:t>
+            </a:r>
+          </a:p>
+          <a:p>
+            <a:pPr lvl="2"/>
+            <a:r>
+              <a:rPr lang="en-GB" dirty="0" smtClean="0"/>
+              <a:t>Serial, I2C and  SPI </a:t>
+            </a:r>
+          </a:p>
+          <a:p>
+            <a:pPr lvl="2"/>
+            <a:r>
+              <a:rPr lang="en-GB" dirty="0" smtClean="0"/>
+              <a:t>PWM – CCP/PWM and 16Bit</a:t>
+            </a:r>
+          </a:p>
+          <a:p>
+            <a:endParaRPr lang="en-GB" dirty="0" smtClean="0"/>
+          </a:p>
+          <a:p>
+            <a:r>
+              <a:rPr lang="en-GB" dirty="0" smtClean="0"/>
+              <a:t>The PIC16 offers 8, 14,18,20, 28, 40 and 48-pin packages to support customers in a wide variety of applications. </a:t>
+            </a:r>
+          </a:p>
+          <a:p>
+            <a:endParaRPr lang="en-GB" dirty="0"/>
+          </a:p>
+        </p:txBody>
+      </p:sp>
+    </p:spTree>
+    <p:extLst>
+      <p:ext uri="{BB962C8B-B14F-4D97-AF65-F5344CB8AC3E}">
+        <p14:creationId xmlns:p14="http://schemas.microsoft.com/office/powerpoint/2010/main" val="2378623955"/>
+      </p:ext>
+    </p:extLst>
+  </p:cSld>
+  <p:clrMapOvr>
+    <a:masterClrMapping/>
+  </p:clrMapOvr>
+  <mc:AlternateContent xmlns:mc="http://schemas.openxmlformats.org/markup-compatibility/2006" xmlns:p14="http://schemas.microsoft.com/office/powerpoint/2010/main">
+    <mc:Choice Requires="p14">
+      <p:transition spd="slow" p14:dur="2000"/>
+    </mc:Choice>
+    <mc:Fallback xmlns="">
+      <p:transition spd="slow"/>
+    </mc:Fallback>
+  </mc:AlternateContent>
+  <p:timing>
+    <p:tnLst>
+      <p:par>
+        <p:cTn id="1" dur="indefinite" restart="never" nodeType="tmRoot"/>
+      </p:par>
+    </p:tnLst>
+  </p:timing>
+</p:sld>
+</file>
+
+<file path=ppt/slides/slide5.xml><?xml version="1.0" encoding="utf-8"?>
+<p:sld xmlns:a="http://schemas.openxmlformats.org/drawingml/2006/main" xmlns:r="http://schemas.openxmlformats.org/officeDocument/2006/relationships" xmlns:p="http://schemas.openxmlformats.org/presentationml/2006/main">
+  <p:cSld>
+    <p:spTree>
+      <p:nvGrpSpPr>
+        <p:cNvPr id="1" name=""/>
+        <p:cNvGrpSpPr/>
+        <p:nvPr/>
+      </p:nvGrpSpPr>
+      <p:grpSpPr>
+        <a:xfrm>
+          <a:off x="0" y="0"/>
+          <a:ext cx="0" cy="0"/>
+          <a:chOff x="0" y="0"/>
+          <a:chExt cx="0" cy="0"/>
+        </a:xfrm>
+      </p:grpSpPr>
+      <p:sp>
+        <p:nvSpPr>
+          <p:cNvPr id="2" name="Title 1"/>
+          <p:cNvSpPr>
+            <a:spLocks noGrp="1"/>
+          </p:cNvSpPr>
+          <p:nvPr>
+            <p:ph type="title"/>
+          </p:nvPr>
+        </p:nvSpPr>
+        <p:spPr/>
+        <p:txBody>
+          <a:bodyPr>
+            <a:normAutofit/>
+          </a:bodyPr>
+          <a:lstStyle/>
+          <a:p>
+            <a:r>
+              <a:rPr lang="en-GB" dirty="0" smtClean="0"/>
+              <a:t>Videos...</a:t>
+            </a:r>
+            <a:endParaRPr lang="en-GB" dirty="0"/>
+          </a:p>
+        </p:txBody>
+      </p:sp>
+      <p:sp>
+        <p:nvSpPr>
+          <p:cNvPr id="3" name="Content Placeholder 2"/>
+          <p:cNvSpPr>
+            <a:spLocks noGrp="1"/>
+          </p:cNvSpPr>
+          <p:nvPr>
+            <p:ph idx="1"/>
+          </p:nvPr>
+        </p:nvSpPr>
+        <p:spPr>
+          <a:xfrm>
+            <a:off x="467544" y="987574"/>
+            <a:ext cx="6447501" cy="4111476"/>
+          </a:xfrm>
+          <a:solidFill>
+            <a:schemeClr val="bg1"/>
+          </a:solidFill>
+        </p:spPr>
+        <p:txBody>
+          <a:bodyPr>
+            <a:noAutofit/>
+          </a:bodyPr>
+          <a:lstStyle/>
+          <a:p>
+            <a:pPr marL="180000" indent="-478483">
+              <a:spcBef>
+                <a:spcPts val="300"/>
+              </a:spcBef>
+              <a:buFont typeface="+mj-lt"/>
+              <a:buAutoNum type="arabicPeriod"/>
+            </a:pPr>
+            <a:r>
+              <a:rPr lang="en-GB" sz="1100" dirty="0"/>
+              <a:t>Install the hardware and make the board work </a:t>
+            </a:r>
+            <a:r>
+              <a:rPr lang="en-GB" sz="1100" dirty="0" smtClean="0"/>
+              <a:t>– make LEDs work</a:t>
+            </a:r>
+            <a:endParaRPr lang="en-GB" sz="1100" b="1" dirty="0"/>
+          </a:p>
+          <a:p>
+            <a:pPr marL="180000" indent="-478483">
+              <a:spcBef>
+                <a:spcPts val="300"/>
+              </a:spcBef>
+              <a:buFont typeface="+mj-lt"/>
+              <a:buAutoNum type="arabicPeriod"/>
+            </a:pPr>
+            <a:r>
+              <a:rPr lang="en-GB" sz="1100" dirty="0"/>
+              <a:t>Make  four LEDs flash in a sequence</a:t>
+            </a:r>
+          </a:p>
+          <a:p>
+            <a:pPr marL="180000" indent="-478483">
+              <a:spcBef>
+                <a:spcPts val="300"/>
+              </a:spcBef>
+              <a:buFont typeface="+mj-lt"/>
+              <a:buAutoNum type="arabicPeriod"/>
+            </a:pPr>
+            <a:r>
+              <a:rPr lang="en-GB" sz="1100" dirty="0"/>
+              <a:t>Set the LEDs to represent the value of ADC</a:t>
+            </a:r>
+          </a:p>
+          <a:p>
+            <a:pPr marL="180000" indent="-478483">
+              <a:spcBef>
+                <a:spcPts val="300"/>
+              </a:spcBef>
+              <a:buFont typeface="+mj-lt"/>
+              <a:buAutoNum type="arabicPeriod"/>
+            </a:pPr>
+            <a:r>
+              <a:rPr lang="en-GB" sz="1100" dirty="0"/>
+              <a:t>Sequence the LEDs with a delay using the value of ADC</a:t>
+            </a:r>
+          </a:p>
+          <a:p>
+            <a:pPr marL="180000" indent="-478483">
+              <a:spcBef>
+                <a:spcPts val="300"/>
+              </a:spcBef>
+              <a:buFont typeface="+mj-lt"/>
+              <a:buAutoNum type="arabicPeriod"/>
+            </a:pPr>
+            <a:r>
+              <a:rPr lang="en-GB" sz="1100" dirty="0"/>
+              <a:t>Using an input to set the state of the LEDs</a:t>
+            </a:r>
+          </a:p>
+          <a:p>
+            <a:pPr marL="180000" indent="-478483">
+              <a:spcBef>
+                <a:spcPts val="300"/>
+              </a:spcBef>
+              <a:buFont typeface="+mj-lt"/>
+              <a:buAutoNum type="arabicPeriod"/>
+            </a:pPr>
+            <a:r>
+              <a:rPr lang="en-GB" sz="1100" dirty="0"/>
+              <a:t>Using the reset switch</a:t>
+            </a:r>
+          </a:p>
+          <a:p>
+            <a:pPr marL="180000" indent="-478483">
+              <a:spcBef>
+                <a:spcPts val="300"/>
+              </a:spcBef>
+              <a:buFont typeface="+mj-lt"/>
+              <a:buAutoNum type="arabicPeriod"/>
+            </a:pPr>
+            <a:r>
+              <a:rPr lang="en-GB" sz="1100" b="1" dirty="0"/>
+              <a:t>Using the switch, ADC – make the LEDs flash in a sequence with reverse</a:t>
+            </a:r>
+          </a:p>
+          <a:p>
+            <a:pPr marL="180000" indent="-478483">
+              <a:spcBef>
+                <a:spcPts val="300"/>
+              </a:spcBef>
+              <a:buFont typeface="+mj-lt"/>
+              <a:buAutoNum type="arabicPeriod"/>
+            </a:pPr>
+            <a:r>
+              <a:rPr lang="en-GB" sz="1100" dirty="0"/>
+              <a:t>Using the serial to display values</a:t>
+            </a:r>
+          </a:p>
+          <a:p>
+            <a:pPr marL="180000" indent="-478483">
+              <a:spcBef>
+                <a:spcPts val="300"/>
+              </a:spcBef>
+              <a:buFont typeface="+mj-lt"/>
+              <a:buAutoNum type="arabicPeriod"/>
+            </a:pPr>
+            <a:r>
+              <a:rPr lang="en-GB" sz="1100" dirty="0"/>
+              <a:t>Using the timer0 overflow, 8bit timer, 16bit timer to flash the LEDs</a:t>
+            </a:r>
+          </a:p>
+          <a:p>
+            <a:pPr marL="180000" indent="-478483">
+              <a:spcBef>
+                <a:spcPts val="300"/>
+              </a:spcBef>
+              <a:buFont typeface="+mj-lt"/>
+              <a:buAutoNum type="arabicPeriod"/>
+            </a:pPr>
+            <a:r>
+              <a:rPr lang="en-GB" sz="1100" dirty="0"/>
+              <a:t>Using </a:t>
+            </a:r>
+            <a:r>
+              <a:rPr lang="en-GB" sz="1100" dirty="0" err="1"/>
+              <a:t>EEProm</a:t>
+            </a:r>
+            <a:r>
+              <a:rPr lang="en-GB" sz="1100" dirty="0"/>
+              <a:t> – showing values on the serial terminal, and more constants insights</a:t>
+            </a:r>
+          </a:p>
+          <a:p>
+            <a:pPr marL="180000" indent="-478483">
+              <a:spcBef>
+                <a:spcPts val="300"/>
+              </a:spcBef>
+              <a:buFont typeface="+mj-lt"/>
+              <a:buAutoNum type="arabicPeriod"/>
+            </a:pPr>
+            <a:r>
+              <a:rPr lang="en-GB" sz="1100" dirty="0"/>
+              <a:t>Using I2C with serial to discover I2C devices</a:t>
+            </a:r>
+          </a:p>
+          <a:p>
+            <a:pPr marL="180000" indent="-478483">
+              <a:spcBef>
+                <a:spcPts val="300"/>
+              </a:spcBef>
+              <a:buFont typeface="+mj-lt"/>
+              <a:buAutoNum type="arabicPeriod"/>
+            </a:pPr>
+            <a:r>
+              <a:rPr lang="en-GB" sz="1100" dirty="0"/>
+              <a:t>Using an I2C GCLD display</a:t>
+            </a:r>
+          </a:p>
+          <a:p>
+            <a:pPr marL="180000" indent="-478483">
+              <a:spcBef>
+                <a:spcPts val="300"/>
+              </a:spcBef>
+              <a:buFont typeface="+mj-lt"/>
+              <a:buAutoNum type="arabicPeriod"/>
+            </a:pPr>
+            <a:r>
+              <a:rPr lang="en-GB" sz="1100" dirty="0"/>
+              <a:t>Using a SPI GCLD display</a:t>
+            </a:r>
+          </a:p>
+          <a:p>
+            <a:pPr marL="180000" indent="-478483">
+              <a:spcBef>
+                <a:spcPts val="300"/>
+              </a:spcBef>
+              <a:buFont typeface="+mj-lt"/>
+              <a:buAutoNum type="arabicPeriod"/>
+            </a:pPr>
+            <a:r>
+              <a:rPr lang="en-GB" sz="1100" dirty="0"/>
+              <a:t>Using PWM, </a:t>
+            </a:r>
+            <a:r>
+              <a:rPr lang="en-GB" sz="1100" dirty="0" smtClean="0"/>
+              <a:t>many ways</a:t>
+            </a:r>
+            <a:r>
+              <a:rPr lang="en-GB" sz="1100" dirty="0"/>
+              <a:t>,  to dim the LEDS</a:t>
+            </a:r>
+          </a:p>
+          <a:p>
+            <a:pPr marL="180000" indent="-478483">
+              <a:spcBef>
+                <a:spcPts val="300"/>
+              </a:spcBef>
+              <a:buFont typeface="+mj-lt"/>
+              <a:buAutoNum type="arabicPeriod"/>
+            </a:pPr>
+            <a:r>
+              <a:rPr lang="en-GB" sz="1100" dirty="0"/>
+              <a:t>Using an external interrupt to control an LED</a:t>
+            </a:r>
+          </a:p>
+          <a:p>
+            <a:pPr marL="180000" indent="-478483">
+              <a:spcBef>
+                <a:spcPts val="300"/>
+              </a:spcBef>
+              <a:buFont typeface="+mj-lt"/>
+              <a:buAutoNum type="arabicPeriod"/>
+            </a:pPr>
+            <a:r>
+              <a:rPr lang="en-GB" sz="1100" dirty="0"/>
+              <a:t>Using storage within the chip – Progmem, </a:t>
+            </a:r>
+            <a:r>
+              <a:rPr lang="en-GB" sz="1100" dirty="0" smtClean="0"/>
+              <a:t>EEPROM </a:t>
+            </a:r>
+            <a:r>
+              <a:rPr lang="en-GB" sz="1100" dirty="0"/>
+              <a:t>and DATA blocks</a:t>
+            </a:r>
+          </a:p>
+          <a:p>
+            <a:pPr marL="180000" indent="-478483">
+              <a:spcBef>
+                <a:spcPts val="300"/>
+              </a:spcBef>
+              <a:buFont typeface="+mj-lt"/>
+              <a:buAutoNum type="arabicPeriod"/>
+            </a:pPr>
+            <a:r>
+              <a:rPr lang="en-GB" sz="1100" dirty="0" smtClean="0"/>
+              <a:t>The </a:t>
+            </a:r>
+            <a:r>
+              <a:rPr lang="en-GB" sz="1100" dirty="0"/>
+              <a:t>GCBASIC tool chain</a:t>
+            </a:r>
+          </a:p>
+          <a:p>
+            <a:pPr marL="180000" indent="-478483">
+              <a:spcBef>
+                <a:spcPts val="300"/>
+              </a:spcBef>
+              <a:buFont typeface="+mj-lt"/>
+              <a:buAutoNum type="arabicPeriod"/>
+            </a:pPr>
+            <a:r>
+              <a:rPr lang="en-GB" sz="1100" dirty="0"/>
+              <a:t>Assembly , alternatives assemblers and MPLAB-X</a:t>
+            </a:r>
+          </a:p>
+          <a:p>
+            <a:pPr marL="180000" indent="-478483">
+              <a:spcBef>
+                <a:spcPts val="300"/>
+              </a:spcBef>
+              <a:buFont typeface="+mj-lt"/>
+              <a:buAutoNum type="arabicPeriod"/>
+            </a:pPr>
+            <a:r>
+              <a:rPr lang="en-GB" sz="1100" dirty="0"/>
+              <a:t>Summary</a:t>
+            </a:r>
+          </a:p>
+          <a:p>
+            <a:pPr marL="180000" indent="-478483">
+              <a:spcBef>
+                <a:spcPts val="300"/>
+              </a:spcBef>
+              <a:buFont typeface="+mj-lt"/>
+              <a:buAutoNum type="arabicPeriod"/>
+            </a:pPr>
+            <a:endParaRPr lang="en-GB" sz="400" dirty="0" smtClean="0">
+              <a:solidFill>
+                <a:schemeClr val="bg1">
+                  <a:lumMod val="75000"/>
+                </a:schemeClr>
+              </a:solidFill>
+            </a:endParaRPr>
+          </a:p>
+          <a:p>
+            <a:pPr marL="180000" indent="-478483">
+              <a:spcBef>
+                <a:spcPts val="300"/>
+              </a:spcBef>
+              <a:buNone/>
+            </a:pPr>
+            <a:endParaRPr lang="en-GB" sz="700" dirty="0" smtClean="0"/>
+          </a:p>
+          <a:p>
+            <a:pPr marL="180000" indent="-478483">
+              <a:spcBef>
+                <a:spcPts val="300"/>
+              </a:spcBef>
+              <a:buFont typeface="+mj-lt"/>
+              <a:buAutoNum type="arabicPeriod"/>
+            </a:pPr>
+            <a:endParaRPr lang="en-GB" sz="700" dirty="0" smtClean="0"/>
+          </a:p>
+          <a:p>
+            <a:pPr marL="180000" indent="-478483">
+              <a:spcBef>
+                <a:spcPts val="300"/>
+              </a:spcBef>
+              <a:buFont typeface="+mj-lt"/>
+              <a:buAutoNum type="arabicPeriod"/>
+            </a:pPr>
+            <a:endParaRPr lang="en-GB" sz="500" dirty="0" smtClean="0"/>
+          </a:p>
+          <a:p>
+            <a:pPr marL="180000" indent="-478483">
+              <a:spcBef>
+                <a:spcPts val="300"/>
+              </a:spcBef>
+              <a:buFont typeface="+mj-lt"/>
+              <a:buAutoNum type="arabicPeriod"/>
+            </a:pPr>
+            <a:endParaRPr lang="en-GB" sz="500" dirty="0" smtClean="0"/>
+          </a:p>
+          <a:p>
+            <a:pPr marL="180000" indent="-478483">
+              <a:spcBef>
+                <a:spcPts val="300"/>
+              </a:spcBef>
+              <a:buFont typeface="+mj-lt"/>
+              <a:buAutoNum type="arabicPeriod"/>
+            </a:pPr>
+            <a:endParaRPr lang="en-GB" sz="500" dirty="0" smtClean="0"/>
+          </a:p>
+          <a:p>
+            <a:pPr marL="180000" indent="-478483">
+              <a:spcBef>
+                <a:spcPts val="300"/>
+              </a:spcBef>
+              <a:buFont typeface="+mj-lt"/>
+              <a:buAutoNum type="arabicPeriod"/>
+            </a:pPr>
+            <a:endParaRPr lang="en-GB" sz="500" dirty="0"/>
+          </a:p>
+        </p:txBody>
+      </p:sp>
+    </p:spTree>
+    <p:extLst>
+      <p:ext uri="{BB962C8B-B14F-4D97-AF65-F5344CB8AC3E}">
+        <p14:creationId xmlns:p14="http://schemas.microsoft.com/office/powerpoint/2010/main" val="3831971124"/>
+      </p:ext>
+    </p:extLst>
+  </p:cSld>
+  <p:clrMapOvr>
+    <a:masterClrMapping/>
+  </p:clrMapOvr>
+  <mc:AlternateContent xmlns:mc="http://schemas.openxmlformats.org/markup-compatibility/2006" xmlns:p14="http://schemas.microsoft.com/office/powerpoint/2010/main">
+    <mc:Choice Requires="p14">
+      <p:transition spd="slow" p14:dur="2000"/>
+    </mc:Choice>
+    <mc:Fallback xmlns="">
+      <p:transition spd="slow"/>
+    </mc:Fallback>
+  </mc:AlternateContent>
+  <p:timing>
+    <p:tnLst>
+      <p:par>
+        <p:cTn id="1" dur="indefinite" restart="never" nodeType="tmRoot"/>
+      </p:par>
+    </p:tnLst>
+  </p:timing>
+</p:sld>
+</file>
+
+<file path=ppt/slides/slide6.xml><?xml version="1.0" encoding="utf-8"?>
+<p:sld xmlns:a="http://schemas.openxmlformats.org/drawingml/2006/main" xmlns:r="http://schemas.openxmlformats.org/officeDocument/2006/relationships" xmlns:p="http://schemas.openxmlformats.org/presentationml/2006/main">
+  <p:cSld>
+    <p:spTree>
+      <p:nvGrpSpPr>
+        <p:cNvPr id="1" name=""/>
+        <p:cNvGrpSpPr/>
+        <p:nvPr/>
+      </p:nvGrpSpPr>
+      <p:grpSpPr>
+        <a:xfrm>
+          <a:off x="0" y="0"/>
+          <a:ext cx="0" cy="0"/>
+          <a:chOff x="0" y="0"/>
+          <a:chExt cx="0" cy="0"/>
+        </a:xfrm>
+      </p:grpSpPr>
+      <p:sp>
+        <p:nvSpPr>
+          <p:cNvPr id="4" name="Oval 3"/>
+          <p:cNvSpPr/>
+          <p:nvPr/>
+        </p:nvSpPr>
+        <p:spPr>
+          <a:xfrm>
+            <a:off x="1835697" y="1707656"/>
+            <a:ext cx="1605103" cy="1425217"/>
+          </a:xfrm>
+          <a:prstGeom prst="ellipse">
+            <a:avLst/>
+          </a:prstGeom>
+        </p:spPr>
+        <p:style>
+          <a:lnRef idx="2">
+            <a:schemeClr val="accent1">
+              <a:shade val="50000"/>
+            </a:schemeClr>
+          </a:lnRef>
+          <a:fillRef idx="1">
+            <a:schemeClr val="accent1"/>
+          </a:fillRef>
+          <a:effectRef idx="0">
+            <a:schemeClr val="accent1"/>
+          </a:effectRef>
+          <a:fontRef idx="minor">
+            <a:schemeClr val="lt1"/>
+          </a:fontRef>
+        </p:style>
+        <p:txBody>
+          <a:bodyPr lIns="0" tIns="0" rIns="0" bIns="0" rtlCol="0" anchor="ctr"/>
+          <a:lstStyle/>
+          <a:p>
+            <a:pPr algn="ctr"/>
+            <a:r>
+              <a:rPr lang="en-GB" sz="1100" dirty="0" smtClean="0"/>
+              <a:t>GCBASIC </a:t>
+            </a:r>
+            <a:r>
+              <a:rPr lang="en-GB" sz="1500" dirty="0" smtClean="0"/>
+              <a:t>Compiler</a:t>
+            </a:r>
+            <a:endParaRPr lang="en-GB" sz="1100" dirty="0"/>
+          </a:p>
+        </p:txBody>
+      </p:sp>
+      <p:sp>
+        <p:nvSpPr>
+          <p:cNvPr id="12" name="Title 1"/>
+          <p:cNvSpPr>
+            <a:spLocks noGrp="1"/>
+          </p:cNvSpPr>
+          <p:nvPr>
+            <p:ph type="title"/>
+          </p:nvPr>
+        </p:nvSpPr>
+        <p:spPr/>
+        <p:txBody>
+          <a:bodyPr/>
+          <a:lstStyle/>
+          <a:p>
+            <a:pPr algn="l"/>
+            <a:r>
+              <a:rPr lang="en-GB" dirty="0" smtClean="0"/>
+              <a:t>GCBASIC Compiler</a:t>
+            </a:r>
+            <a:endParaRPr lang="en-GB" dirty="0"/>
+          </a:p>
+        </p:txBody>
+      </p:sp>
+      <p:sp>
+        <p:nvSpPr>
+          <p:cNvPr id="13" name="TextBox 12"/>
+          <p:cNvSpPr txBox="1"/>
+          <p:nvPr/>
+        </p:nvSpPr>
+        <p:spPr>
+          <a:xfrm>
+            <a:off x="3563888" y="2643758"/>
+            <a:ext cx="3528392" cy="1655553"/>
+          </a:xfrm>
+          <a:prstGeom prst="rect">
+            <a:avLst/>
+          </a:prstGeom>
+          <a:noFill/>
+        </p:spPr>
+        <p:txBody>
+          <a:bodyPr wrap="square" lIns="85064" tIns="42531" rIns="85064" bIns="42531" rtlCol="0">
+            <a:spAutoFit/>
+          </a:bodyPr>
+          <a:lstStyle/>
+          <a:p>
+            <a:r>
+              <a:rPr lang="en-GB" dirty="0" smtClean="0"/>
+              <a:t>GCBASIC is an Open Source compiler for PIC, AVR and LGT microcontrollers</a:t>
+            </a:r>
+          </a:p>
+          <a:p>
+            <a:endParaRPr lang="en-GB" dirty="0" smtClean="0"/>
+          </a:p>
+          <a:p>
+            <a:r>
+              <a:rPr lang="en-GB" dirty="0" smtClean="0"/>
+              <a:t>GCBASIC supports the 16Fxxxx chip family</a:t>
+            </a:r>
+            <a:endParaRPr lang="en-GB" dirty="0"/>
+          </a:p>
+        </p:txBody>
+      </p:sp>
+    </p:spTree>
+    <p:extLst>
+      <p:ext uri="{BB962C8B-B14F-4D97-AF65-F5344CB8AC3E}">
+        <p14:creationId xmlns:p14="http://schemas.microsoft.com/office/powerpoint/2010/main" val="1862847396"/>
+      </p:ext>
+    </p:extLst>
+  </p:cSld>
+  <p:clrMapOvr>
+    <a:masterClrMapping/>
+  </p:clrMapOvr>
+  <mc:AlternateContent xmlns:mc="http://schemas.openxmlformats.org/markup-compatibility/2006" xmlns:p14="http://schemas.microsoft.com/office/powerpoint/2010/main">
+    <mc:Choice Requires="p14">
+      <p:transition spd="slow" p14:dur="2000"/>
+    </mc:Choice>
+    <mc:Fallback xmlns="">
+      <p:transition spd="slow"/>
+    </mc:Fallback>
+  </mc:AlternateContent>
+  <p:timing>
+    <p:tnLst>
+      <p:par>
+        <p:cTn id="1" dur="indefinite" restart="never" nodeType="tmRoot"/>
+      </p:par>
+    </p:tnLst>
+  </p:timing>
+</p:sld>
+</file>
+
+<file path=ppt/slides/slide7.xml><?xml version="1.0" encoding="utf-8"?>
+<p:sld xmlns:a="http://schemas.openxmlformats.org/drawingml/2006/main" xmlns:r="http://schemas.openxmlformats.org/officeDocument/2006/relationships" xmlns:p="http://schemas.openxmlformats.org/presentationml/2006/main">
+  <p:cSld>
+    <p:spTree>
+      <p:nvGrpSpPr>
+        <p:cNvPr id="1" name=""/>
+        <p:cNvGrpSpPr/>
+        <p:nvPr/>
+      </p:nvGrpSpPr>
+      <p:grpSpPr>
+        <a:xfrm>
+          <a:off x="0" y="0"/>
+          <a:ext cx="0" cy="0"/>
+          <a:chOff x="0" y="0"/>
+          <a:chExt cx="0" cy="0"/>
+        </a:xfrm>
+      </p:grpSpPr>
+      <p:sp>
+        <p:nvSpPr>
+          <p:cNvPr id="2" name="Title 1"/>
+          <p:cNvSpPr>
+            <a:spLocks noGrp="1"/>
+          </p:cNvSpPr>
+          <p:nvPr>
+            <p:ph type="title"/>
+          </p:nvPr>
+        </p:nvSpPr>
+        <p:spPr/>
+        <p:txBody>
+          <a:bodyPr/>
+          <a:lstStyle/>
+          <a:p>
+            <a:pPr algn="l"/>
+            <a:r>
+              <a:rPr lang="en-GB" dirty="0" smtClean="0"/>
+              <a:t>Prerequisites </a:t>
+            </a:r>
+            <a:endParaRPr lang="en-GB" dirty="0"/>
+          </a:p>
+        </p:txBody>
+      </p:sp>
+      <p:sp>
+        <p:nvSpPr>
+          <p:cNvPr id="3" name="Content Placeholder 2"/>
+          <p:cNvSpPr>
+            <a:spLocks noGrp="1"/>
+          </p:cNvSpPr>
+          <p:nvPr>
+            <p:ph idx="1"/>
+          </p:nvPr>
+        </p:nvSpPr>
+        <p:spPr/>
+        <p:txBody>
+          <a:bodyPr/>
+          <a:lstStyle/>
+          <a:p>
+            <a:r>
+              <a:rPr lang="en-GB" dirty="0" smtClean="0"/>
+              <a:t>Assumes you have </a:t>
+            </a:r>
+          </a:p>
+          <a:p>
+            <a:pPr marL="778521" lvl="1" indent="-478483"/>
+            <a:r>
+              <a:rPr lang="en-GB" dirty="0" smtClean="0"/>
+              <a:t>Installed the GCBASIC software</a:t>
+            </a:r>
+          </a:p>
+          <a:p>
+            <a:pPr marL="778521" lvl="1" indent="-478483"/>
+            <a:r>
+              <a:rPr lang="en-GB" dirty="0" smtClean="0"/>
+              <a:t>Installed your programmer software</a:t>
+            </a:r>
+          </a:p>
+          <a:p>
+            <a:pPr marL="778521" lvl="1" indent="-478483"/>
+            <a:r>
+              <a:rPr lang="en-GB" dirty="0" smtClean="0"/>
+              <a:t>Test that you have the PIC attached</a:t>
+            </a:r>
+          </a:p>
+          <a:p>
+            <a:pPr marL="778521" lvl="1" indent="-478483"/>
+            <a:r>
+              <a:rPr lang="en-GB" dirty="0" smtClean="0"/>
+              <a:t>You have the 4 LEDs operating</a:t>
+            </a:r>
+          </a:p>
+          <a:p>
+            <a:pPr marL="778521" lvl="1" indent="-478483"/>
+            <a:r>
+              <a:rPr lang="en-GB" dirty="0" smtClean="0"/>
+              <a:t>You have a POT connected</a:t>
+            </a:r>
+          </a:p>
+          <a:p>
+            <a:pPr marL="778521" lvl="1" indent="-478483"/>
+            <a:r>
+              <a:rPr lang="en-GB" smtClean="0"/>
+              <a:t>You have switches </a:t>
+            </a:r>
+            <a:r>
+              <a:rPr lang="en-GB" dirty="0" smtClean="0"/>
+              <a:t>connected</a:t>
+            </a:r>
+          </a:p>
+          <a:p>
+            <a:pPr marL="0" indent="0">
+              <a:buNone/>
+            </a:pPr>
+            <a:endParaRPr lang="en-GB" dirty="0" smtClean="0"/>
+          </a:p>
+          <a:p>
+            <a:pPr marL="0" indent="0">
+              <a:buNone/>
+            </a:pPr>
+            <a:endParaRPr lang="en-GB" dirty="0"/>
+          </a:p>
+        </p:txBody>
+      </p:sp>
+      <p:pic>
+        <p:nvPicPr>
+          <p:cNvPr id="4" name="Picture 2"/>
+          <p:cNvPicPr>
+            <a:picLocks noChangeAspect="1" noChangeArrowheads="1"/>
+          </p:cNvPicPr>
+          <p:nvPr/>
+        </p:nvPicPr>
+        <p:blipFill>
+          <a:blip r:embed="rId2">
+            <a:extLst>
+              <a:ext uri="{28A0092B-C50C-407E-A947-70E740481C1C}">
+                <a14:useLocalDpi xmlns:a14="http://schemas.microsoft.com/office/drawing/2010/main" val="0"/>
+              </a:ext>
+            </a:extLst>
+          </a:blip>
+          <a:srcRect/>
+          <a:stretch>
+            <a:fillRect/>
+          </a:stretch>
+        </p:blipFill>
+        <p:spPr bwMode="auto">
+          <a:xfrm>
+            <a:off x="5436096" y="1582266"/>
+            <a:ext cx="3448050" cy="2933700"/>
+          </a:xfrm>
+          <a:prstGeom prst="rect">
+            <a:avLst/>
+          </a:prstGeom>
+          <a:noFill/>
+          <a:ln>
+            <a:noFill/>
+          </a:ln>
+          <a:effectLst/>
+          <a:extLst>
+            <a:ext uri="{909E8E84-426E-40DD-AFC4-6F175D3DCCD1}">
+              <a14:hiddenFill xmlns:a14="http://schemas.microsoft.com/office/drawing/2010/main">
+                <a:solidFill>
+                  <a:schemeClr val="accent1"/>
+                </a:solidFill>
+              </a14:hiddenFill>
+            </a:ext>
+            <a:ext uri="{91240B29-F687-4F45-9708-019B960494DF}">
+              <a14:hiddenLine xmlns:a14="http://schemas.microsoft.com/office/drawing/2010/main" w="9525">
+                <a:solidFill>
+                  <a:schemeClr val="tx1"/>
+                </a:solidFill>
+                <a:miter lim="800000"/>
+                <a:headEnd/>
+                <a:tailEnd/>
+              </a14:hiddenLine>
+            </a:ext>
+            <a:ext uri="{AF507438-7753-43E0-B8FC-AC1667EBCBE1}">
+              <a14:hiddenEffects xmlns:a14="http://schemas.microsoft.com/office/drawing/2010/main">
+                <a:effectLst>
+                  <a:outerShdw dist="35921" dir="2700000" algn="ctr" rotWithShape="0">
+                    <a:schemeClr val="bg2"/>
+                  </a:outerShdw>
+                </a:effectLst>
+              </a14:hiddenEffects>
+            </a:ext>
+          </a:extLst>
+        </p:spPr>
+      </p:pic>
+    </p:spTree>
+    <p:extLst>
+      <p:ext uri="{BB962C8B-B14F-4D97-AF65-F5344CB8AC3E}">
+        <p14:creationId xmlns:p14="http://schemas.microsoft.com/office/powerpoint/2010/main" val="2567328996"/>
+      </p:ext>
+    </p:extLst>
+  </p:cSld>
+  <p:clrMapOvr>
+    <a:masterClrMapping/>
+  </p:clrMapOvr>
+  <mc:AlternateContent xmlns:mc="http://schemas.openxmlformats.org/markup-compatibility/2006" xmlns:p14="http://schemas.microsoft.com/office/powerpoint/2010/main">
+    <mc:Choice Requires="p14">
+      <p:transition spd="slow" p14:dur="2000"/>
+    </mc:Choice>
+    <mc:Fallback xmlns="">
+      <p:transition spd="slow"/>
+    </mc:Fallback>
+  </mc:AlternateContent>
+  <p:timing>
+    <p:tnLst>
+      <p:par>
+        <p:cTn id="1" dur="indefinite" restart="never" nodeType="tmRoot"/>
+      </p:par>
+    </p:tnLst>
+  </p:timing>
+</p:sld>
+</file>
+
+<file path=ppt/slides/slide8.xml><?xml version="1.0" encoding="utf-8"?>
+<p:sld xmlns:a="http://schemas.openxmlformats.org/drawingml/2006/main" xmlns:r="http://schemas.openxmlformats.org/officeDocument/2006/relationships" xmlns:p="http://schemas.openxmlformats.org/presentationml/2006/main">
+  <p:cSld>
+    <p:spTree>
+      <p:nvGrpSpPr>
+        <p:cNvPr id="1" name=""/>
+        <p:cNvGrpSpPr/>
+        <p:nvPr/>
+      </p:nvGrpSpPr>
+      <p:grpSpPr>
+        <a:xfrm>
+          <a:off x="0" y="0"/>
+          <a:ext cx="0" cy="0"/>
+          <a:chOff x="0" y="0"/>
+          <a:chExt cx="0" cy="0"/>
+        </a:xfrm>
+      </p:grpSpPr>
+      <p:pic>
+        <p:nvPicPr>
+          <p:cNvPr id="1026" name="Picture 2"/>
+          <p:cNvPicPr>
+            <a:picLocks noChangeAspect="1" noChangeArrowheads="1"/>
+          </p:cNvPicPr>
+          <p:nvPr/>
+        </p:nvPicPr>
+        <p:blipFill>
+          <a:blip r:embed="rId2">
+            <a:extLst>
+              <a:ext uri="{28A0092B-C50C-407E-A947-70E740481C1C}">
+                <a14:useLocalDpi xmlns:a14="http://schemas.microsoft.com/office/drawing/2010/main" val="0"/>
+              </a:ext>
+            </a:extLst>
+          </a:blip>
+          <a:srcRect/>
+          <a:stretch>
+            <a:fillRect/>
+          </a:stretch>
+        </p:blipFill>
+        <p:spPr bwMode="auto">
+          <a:xfrm>
+            <a:off x="107504" y="778048"/>
+            <a:ext cx="5087696" cy="4362922"/>
+          </a:xfrm>
+          <a:prstGeom prst="rect">
+            <a:avLst/>
+          </a:prstGeom>
+          <a:noFill/>
+          <a:ln>
+            <a:noFill/>
+          </a:ln>
+          <a:effectLst/>
+          <a:extLst>
+            <a:ext uri="{909E8E84-426E-40DD-AFC4-6F175D3DCCD1}">
+              <a14:hiddenFill xmlns:a14="http://schemas.microsoft.com/office/drawing/2010/main">
+                <a:solidFill>
+                  <a:schemeClr val="accent1"/>
+                </a:solidFill>
+              </a14:hiddenFill>
+            </a:ext>
+            <a:ext uri="{91240B29-F687-4F45-9708-019B960494DF}">
+              <a14:hiddenLine xmlns:a14="http://schemas.microsoft.com/office/drawing/2010/main" w="9525">
+                <a:solidFill>
+                  <a:schemeClr val="tx1"/>
+                </a:solidFill>
+                <a:miter lim="800000"/>
+                <a:headEnd/>
+                <a:tailEnd/>
+              </a14:hiddenLine>
+            </a:ext>
+            <a:ext uri="{AF507438-7753-43E0-B8FC-AC1667EBCBE1}">
+              <a14:hiddenEffects xmlns:a14="http://schemas.microsoft.com/office/drawing/2010/main">
+                <a:effectLst>
+                  <a:outerShdw dist="35921" dir="2700000" algn="ctr" rotWithShape="0">
+                    <a:schemeClr val="bg2"/>
+                  </a:outerShdw>
+                </a:effectLst>
+              </a14:hiddenEffects>
+            </a:ext>
+          </a:extLst>
+        </p:spPr>
+      </p:pic>
+      <p:sp>
+        <p:nvSpPr>
+          <p:cNvPr id="2" name="Title 1"/>
+          <p:cNvSpPr>
+            <a:spLocks noGrp="1"/>
+          </p:cNvSpPr>
+          <p:nvPr>
+            <p:ph type="title"/>
+          </p:nvPr>
+        </p:nvSpPr>
+        <p:spPr/>
+        <p:txBody>
+          <a:bodyPr/>
+          <a:lstStyle/>
+          <a:p>
+            <a:pPr algn="l"/>
+            <a:r>
+              <a:rPr lang="en-GB" dirty="0" smtClean="0"/>
+              <a:t>Hardware</a:t>
+            </a:r>
+            <a:endParaRPr lang="en-GB" dirty="0"/>
+          </a:p>
+        </p:txBody>
+      </p:sp>
+      <p:sp>
+        <p:nvSpPr>
+          <p:cNvPr id="5" name="Rectangle 4"/>
+          <p:cNvSpPr/>
+          <p:nvPr/>
+        </p:nvSpPr>
+        <p:spPr>
+          <a:xfrm>
+            <a:off x="5239650" y="1173882"/>
+            <a:ext cx="3825992" cy="3216265"/>
+          </a:xfrm>
+          <a:prstGeom prst="rect">
+            <a:avLst/>
+          </a:prstGeom>
+          <a:solidFill>
+            <a:schemeClr val="bg1"/>
+          </a:solidFill>
+        </p:spPr>
+        <p:txBody>
+          <a:bodyPr wrap="square">
+            <a:spAutoFit/>
+          </a:bodyPr>
+          <a:lstStyle/>
+          <a:p>
+            <a:r>
+              <a:rPr lang="en-GB" sz="700" b="1" dirty="0">
+                <a:latin typeface="Courier New" panose="02070309020205020404" pitchFamily="49" charset="0"/>
+                <a:cs typeface="Courier New" panose="02070309020205020404" pitchFamily="49" charset="0"/>
+              </a:rPr>
+              <a:t>The PICDEM 2 Plus Demonstration Board </a:t>
+            </a:r>
+            <a:endParaRPr lang="en-GB" sz="700" b="1" dirty="0" smtClean="0">
+              <a:latin typeface="Courier New" panose="02070309020205020404" pitchFamily="49" charset="0"/>
+              <a:cs typeface="Courier New" panose="02070309020205020404" pitchFamily="49" charset="0"/>
+            </a:endParaRPr>
+          </a:p>
+          <a:p>
+            <a:endParaRPr lang="en-GB" sz="700" b="1" dirty="0" smtClean="0">
+              <a:latin typeface="Courier New" panose="02070309020205020404" pitchFamily="49" charset="0"/>
+              <a:cs typeface="Courier New" panose="02070309020205020404" pitchFamily="49" charset="0"/>
+            </a:endParaRPr>
+          </a:p>
+          <a:p>
+            <a:pPr marL="228600" indent="-228600">
+              <a:buAutoNum type="arabicPeriod"/>
+            </a:pPr>
+            <a:r>
+              <a:rPr lang="en-GB" sz="700" dirty="0" smtClean="0">
+                <a:latin typeface="Courier New" panose="02070309020205020404" pitchFamily="49" charset="0"/>
+                <a:cs typeface="Courier New" panose="02070309020205020404" pitchFamily="49" charset="0"/>
+              </a:rPr>
+              <a:t>18-</a:t>
+            </a:r>
+            <a:r>
+              <a:rPr lang="en-GB" sz="700" dirty="0">
+                <a:latin typeface="Courier New" panose="02070309020205020404" pitchFamily="49" charset="0"/>
+                <a:cs typeface="Courier New" panose="02070309020205020404" pitchFamily="49" charset="0"/>
+              </a:rPr>
+              <a:t>, 28- and 40-pin DIP sockets (although three sockets are provided, only one device may be used at a time) </a:t>
+            </a:r>
+            <a:endParaRPr lang="en-GB" sz="700" dirty="0" smtClean="0">
+              <a:latin typeface="Courier New" panose="02070309020205020404" pitchFamily="49" charset="0"/>
+              <a:cs typeface="Courier New" panose="02070309020205020404" pitchFamily="49" charset="0"/>
+            </a:endParaRPr>
+          </a:p>
+          <a:p>
+            <a:pPr marL="228600" indent="-228600">
+              <a:buAutoNum type="arabicPeriod"/>
+            </a:pPr>
+            <a:r>
+              <a:rPr lang="en-GB" sz="700" dirty="0" smtClean="0">
+                <a:latin typeface="Courier New" panose="02070309020205020404" pitchFamily="49" charset="0"/>
+                <a:cs typeface="Courier New" panose="02070309020205020404" pitchFamily="49" charset="0"/>
+              </a:rPr>
+              <a:t>On-board</a:t>
+            </a:r>
+            <a:r>
+              <a:rPr lang="en-GB" sz="700" dirty="0">
+                <a:latin typeface="Courier New" panose="02070309020205020404" pitchFamily="49" charset="0"/>
+                <a:cs typeface="Courier New" panose="02070309020205020404" pitchFamily="49" charset="0"/>
+              </a:rPr>
+              <a:t>, +5V regulator for direct input from 9V, 100 mA AC/DC wall adapter or 9V battery, or hooks for a +5V, 100 mA regulated DC supply </a:t>
+            </a:r>
+            <a:endParaRPr lang="en-GB" sz="700" dirty="0" smtClean="0">
+              <a:latin typeface="Courier New" panose="02070309020205020404" pitchFamily="49" charset="0"/>
+              <a:cs typeface="Courier New" panose="02070309020205020404" pitchFamily="49" charset="0"/>
+            </a:endParaRPr>
+          </a:p>
+          <a:p>
+            <a:pPr marL="228600" indent="-228600">
+              <a:buAutoNum type="arabicPeriod"/>
+            </a:pPr>
+            <a:r>
+              <a:rPr lang="en-GB" sz="700" dirty="0" smtClean="0">
+                <a:latin typeface="Courier New" panose="02070309020205020404" pitchFamily="49" charset="0"/>
+                <a:cs typeface="Courier New" panose="02070309020205020404" pitchFamily="49" charset="0"/>
+              </a:rPr>
+              <a:t>RS-232 </a:t>
+            </a:r>
+            <a:r>
+              <a:rPr lang="en-GB" sz="700" dirty="0">
+                <a:latin typeface="Courier New" panose="02070309020205020404" pitchFamily="49" charset="0"/>
+                <a:cs typeface="Courier New" panose="02070309020205020404" pitchFamily="49" charset="0"/>
+              </a:rPr>
+              <a:t>socket and associated hardware for direct connection to an RS-232 </a:t>
+            </a:r>
+            <a:r>
+              <a:rPr lang="en-GB" sz="700" dirty="0" smtClean="0">
+                <a:latin typeface="Courier New" panose="02070309020205020404" pitchFamily="49" charset="0"/>
+                <a:cs typeface="Courier New" panose="02070309020205020404" pitchFamily="49" charset="0"/>
+              </a:rPr>
+              <a:t>interface</a:t>
+            </a:r>
+          </a:p>
+          <a:p>
+            <a:pPr marL="228600" indent="-228600">
+              <a:buAutoNum type="arabicPeriod"/>
+            </a:pPr>
+            <a:r>
+              <a:rPr lang="en-GB" sz="700" dirty="0" smtClean="0">
+                <a:latin typeface="Courier New" panose="02070309020205020404" pitchFamily="49" charset="0"/>
+                <a:cs typeface="Courier New" panose="02070309020205020404" pitchFamily="49" charset="0"/>
+              </a:rPr>
+              <a:t>Programmer/debugger </a:t>
+            </a:r>
+            <a:r>
+              <a:rPr lang="en-GB" sz="700" dirty="0">
+                <a:latin typeface="Courier New" panose="02070309020205020404" pitchFamily="49" charset="0"/>
+                <a:cs typeface="Courier New" panose="02070309020205020404" pitchFamily="49" charset="0"/>
+              </a:rPr>
+              <a:t>connectivity supporting MPLAB® ICD 3, MPLAB REAL ICE, </a:t>
+            </a:r>
+            <a:r>
+              <a:rPr lang="en-GB" sz="700" dirty="0" err="1">
+                <a:latin typeface="Courier New" panose="02070309020205020404" pitchFamily="49" charset="0"/>
+                <a:cs typeface="Courier New" panose="02070309020205020404" pitchFamily="49" charset="0"/>
+              </a:rPr>
+              <a:t>PICkit</a:t>
+            </a:r>
+            <a:r>
+              <a:rPr lang="en-GB" sz="700" dirty="0">
+                <a:latin typeface="Courier New" panose="02070309020205020404" pitchFamily="49" charset="0"/>
+                <a:cs typeface="Courier New" panose="02070309020205020404" pitchFamily="49" charset="0"/>
+              </a:rPr>
+              <a:t> </a:t>
+            </a:r>
+            <a:r>
+              <a:rPr lang="en-GB" sz="700" dirty="0" smtClean="0">
+                <a:latin typeface="Courier New" panose="02070309020205020404" pitchFamily="49" charset="0"/>
+                <a:cs typeface="Courier New" panose="02070309020205020404" pitchFamily="49" charset="0"/>
+              </a:rPr>
+              <a:t>2 </a:t>
+            </a:r>
+            <a:r>
+              <a:rPr lang="en-GB" sz="700" dirty="0">
+                <a:latin typeface="Courier New" panose="02070309020205020404" pitchFamily="49" charset="0"/>
+                <a:cs typeface="Courier New" panose="02070309020205020404" pitchFamily="49" charset="0"/>
+              </a:rPr>
+              <a:t>and </a:t>
+            </a:r>
+            <a:r>
+              <a:rPr lang="en-GB" sz="700" dirty="0" err="1">
+                <a:latin typeface="Courier New" panose="02070309020205020404" pitchFamily="49" charset="0"/>
+                <a:cs typeface="Courier New" panose="02070309020205020404" pitchFamily="49" charset="0"/>
+              </a:rPr>
+              <a:t>PICkit</a:t>
+            </a:r>
+            <a:r>
+              <a:rPr lang="en-GB" sz="700" dirty="0">
+                <a:latin typeface="Courier New" panose="02070309020205020404" pitchFamily="49" charset="0"/>
+                <a:cs typeface="Courier New" panose="02070309020205020404" pitchFamily="49" charset="0"/>
+              </a:rPr>
+              <a:t> 3 </a:t>
+            </a:r>
+            <a:endParaRPr lang="en-GB" sz="700" dirty="0" smtClean="0">
+              <a:latin typeface="Courier New" panose="02070309020205020404" pitchFamily="49" charset="0"/>
+              <a:cs typeface="Courier New" panose="02070309020205020404" pitchFamily="49" charset="0"/>
+            </a:endParaRPr>
+          </a:p>
+          <a:p>
+            <a:pPr marL="228600" indent="-228600">
+              <a:buAutoNum type="arabicPeriod"/>
+            </a:pPr>
+            <a:r>
+              <a:rPr lang="en-GB" sz="700" dirty="0" err="1" smtClean="0">
+                <a:latin typeface="Courier New" panose="02070309020205020404" pitchFamily="49" charset="0"/>
+                <a:cs typeface="Courier New" panose="02070309020205020404" pitchFamily="49" charset="0"/>
+              </a:rPr>
+              <a:t>PICkit</a:t>
+            </a:r>
+            <a:r>
+              <a:rPr lang="en-GB" sz="700" dirty="0" smtClean="0">
+                <a:latin typeface="Courier New" panose="02070309020205020404" pitchFamily="49" charset="0"/>
+                <a:cs typeface="Courier New" panose="02070309020205020404" pitchFamily="49" charset="0"/>
+              </a:rPr>
+              <a:t> </a:t>
+            </a:r>
+            <a:r>
+              <a:rPr lang="en-GB" sz="700" dirty="0">
+                <a:latin typeface="Courier New" panose="02070309020205020404" pitchFamily="49" charset="0"/>
+                <a:cs typeface="Courier New" panose="02070309020205020404" pitchFamily="49" charset="0"/>
+              </a:rPr>
+              <a:t>Serial Connector for analysis of serial communications peripherals such as SPI or I2C™ </a:t>
+            </a:r>
+            <a:endParaRPr lang="en-GB" sz="700" dirty="0" smtClean="0">
+              <a:latin typeface="Courier New" panose="02070309020205020404" pitchFamily="49" charset="0"/>
+              <a:cs typeface="Courier New" panose="02070309020205020404" pitchFamily="49" charset="0"/>
+            </a:endParaRPr>
+          </a:p>
+          <a:p>
+            <a:pPr marL="228600" indent="-228600">
+              <a:buAutoNum type="arabicPeriod"/>
+            </a:pPr>
+            <a:r>
+              <a:rPr lang="en-GB" sz="700" dirty="0" smtClean="0">
+                <a:latin typeface="Courier New" panose="02070309020205020404" pitchFamily="49" charset="0"/>
+                <a:cs typeface="Courier New" panose="02070309020205020404" pitchFamily="49" charset="0"/>
+              </a:rPr>
+              <a:t>5 k </a:t>
+            </a:r>
+            <a:r>
+              <a:rPr lang="en-GB" sz="700" dirty="0">
+                <a:latin typeface="Courier New" panose="02070309020205020404" pitchFamily="49" charset="0"/>
+                <a:cs typeface="Courier New" panose="02070309020205020404" pitchFamily="49" charset="0"/>
+              </a:rPr>
+              <a:t>pot for devices with </a:t>
+            </a:r>
+            <a:r>
+              <a:rPr lang="en-GB" sz="700" dirty="0" err="1">
+                <a:latin typeface="Courier New" panose="02070309020205020404" pitchFamily="49" charset="0"/>
+                <a:cs typeface="Courier New" panose="02070309020205020404" pitchFamily="49" charset="0"/>
+              </a:rPr>
+              <a:t>analog</a:t>
+            </a:r>
+            <a:r>
+              <a:rPr lang="en-GB" sz="700" dirty="0">
+                <a:latin typeface="Courier New" panose="02070309020205020404" pitchFamily="49" charset="0"/>
+                <a:cs typeface="Courier New" panose="02070309020205020404" pitchFamily="49" charset="0"/>
+              </a:rPr>
+              <a:t> inputs </a:t>
+            </a:r>
+            <a:endParaRPr lang="en-GB" sz="700" dirty="0" smtClean="0">
+              <a:latin typeface="Courier New" panose="02070309020205020404" pitchFamily="49" charset="0"/>
+              <a:cs typeface="Courier New" panose="02070309020205020404" pitchFamily="49" charset="0"/>
+            </a:endParaRPr>
+          </a:p>
+          <a:p>
+            <a:pPr marL="228600" indent="-228600">
+              <a:buAutoNum type="arabicPeriod"/>
+            </a:pPr>
+            <a:r>
+              <a:rPr lang="en-GB" sz="700" dirty="0" smtClean="0">
+                <a:latin typeface="Courier New" panose="02070309020205020404" pitchFamily="49" charset="0"/>
+                <a:cs typeface="Courier New" panose="02070309020205020404" pitchFamily="49" charset="0"/>
+              </a:rPr>
+              <a:t>Three </a:t>
+            </a:r>
+            <a:r>
+              <a:rPr lang="en-GB" sz="700" dirty="0">
+                <a:latin typeface="Courier New" panose="02070309020205020404" pitchFamily="49" charset="0"/>
+                <a:cs typeface="Courier New" panose="02070309020205020404" pitchFamily="49" charset="0"/>
+              </a:rPr>
+              <a:t>push button switches for external stimulus and Reset </a:t>
+            </a:r>
+            <a:endParaRPr lang="en-GB" sz="700" dirty="0" smtClean="0">
+              <a:latin typeface="Courier New" panose="02070309020205020404" pitchFamily="49" charset="0"/>
+              <a:cs typeface="Courier New" panose="02070309020205020404" pitchFamily="49" charset="0"/>
+            </a:endParaRPr>
+          </a:p>
+          <a:p>
+            <a:pPr marL="228600" indent="-228600">
+              <a:buAutoNum type="arabicPeriod"/>
+            </a:pPr>
+            <a:r>
+              <a:rPr lang="en-GB" sz="700" dirty="0" smtClean="0">
+                <a:latin typeface="Courier New" panose="02070309020205020404" pitchFamily="49" charset="0"/>
+                <a:cs typeface="Courier New" panose="02070309020205020404" pitchFamily="49" charset="0"/>
+              </a:rPr>
+              <a:t>Power-on </a:t>
+            </a:r>
+            <a:r>
+              <a:rPr lang="en-GB" sz="700" dirty="0">
+                <a:latin typeface="Courier New" panose="02070309020205020404" pitchFamily="49" charset="0"/>
+                <a:cs typeface="Courier New" panose="02070309020205020404" pitchFamily="49" charset="0"/>
+              </a:rPr>
+              <a:t>indicator LED </a:t>
+            </a:r>
+            <a:endParaRPr lang="en-GB" sz="700" dirty="0" smtClean="0">
+              <a:latin typeface="Courier New" panose="02070309020205020404" pitchFamily="49" charset="0"/>
+              <a:cs typeface="Courier New" panose="02070309020205020404" pitchFamily="49" charset="0"/>
+            </a:endParaRPr>
+          </a:p>
+          <a:p>
+            <a:pPr marL="228600" indent="-228600">
+              <a:buAutoNum type="arabicPeriod"/>
+            </a:pPr>
+            <a:r>
+              <a:rPr lang="en-GB" sz="700" dirty="0" smtClean="0">
+                <a:latin typeface="Courier New" panose="02070309020205020404" pitchFamily="49" charset="0"/>
+                <a:cs typeface="Courier New" panose="02070309020205020404" pitchFamily="49" charset="0"/>
+              </a:rPr>
+              <a:t>Four </a:t>
+            </a:r>
+            <a:r>
+              <a:rPr lang="en-GB" sz="700" dirty="0">
+                <a:latin typeface="Courier New" panose="02070309020205020404" pitchFamily="49" charset="0"/>
+                <a:cs typeface="Courier New" panose="02070309020205020404" pitchFamily="49" charset="0"/>
+              </a:rPr>
+              <a:t>LEDs connected to PORTB </a:t>
+            </a:r>
+            <a:endParaRPr lang="en-GB" sz="700" dirty="0" smtClean="0">
+              <a:latin typeface="Courier New" panose="02070309020205020404" pitchFamily="49" charset="0"/>
+              <a:cs typeface="Courier New" panose="02070309020205020404" pitchFamily="49" charset="0"/>
+            </a:endParaRPr>
+          </a:p>
+          <a:p>
+            <a:pPr marL="228600" indent="-228600">
+              <a:buAutoNum type="arabicPeriod"/>
+            </a:pPr>
+            <a:r>
+              <a:rPr lang="en-GB" sz="700" dirty="0" smtClean="0">
+                <a:latin typeface="Courier New" panose="02070309020205020404" pitchFamily="49" charset="0"/>
+                <a:cs typeface="Courier New" panose="02070309020205020404" pitchFamily="49" charset="0"/>
+              </a:rPr>
+              <a:t>On-board </a:t>
+            </a:r>
+            <a:r>
+              <a:rPr lang="en-GB" sz="700" dirty="0">
+                <a:latin typeface="Courier New" panose="02070309020205020404" pitchFamily="49" charset="0"/>
+                <a:cs typeface="Courier New" panose="02070309020205020404" pitchFamily="49" charset="0"/>
+              </a:rPr>
+              <a:t>external oscillators including: a) Unpopulated DIP socket for canned crystal oscillator (Y2) b) RC oscillator circuit (R4, C3) c) Unpopulated holes for crystal connection (Y1) d) 32.768 kHz crystal for Timer1 clock operation (Y3</a:t>
+            </a:r>
+            <a:r>
+              <a:rPr lang="en-GB" sz="700" dirty="0" smtClean="0">
+                <a:latin typeface="Courier New" panose="02070309020205020404" pitchFamily="49" charset="0"/>
+                <a:cs typeface="Courier New" panose="02070309020205020404" pitchFamily="49" charset="0"/>
+              </a:rPr>
+              <a:t>)</a:t>
+            </a:r>
+          </a:p>
+          <a:p>
+            <a:pPr marL="228600" indent="-228600">
+              <a:buAutoNum type="arabicPeriod"/>
+            </a:pPr>
+            <a:r>
+              <a:rPr lang="en-GB" sz="700" dirty="0">
+                <a:latin typeface="Courier New" panose="02070309020205020404" pitchFamily="49" charset="0"/>
+                <a:cs typeface="Courier New" panose="02070309020205020404" pitchFamily="49" charset="0"/>
+              </a:rPr>
+              <a:t>32K x 8 Serial EEPROM</a:t>
+            </a:r>
+          </a:p>
+          <a:p>
+            <a:pPr marL="228600" indent="-228600">
+              <a:buAutoNum type="arabicPeriod"/>
+            </a:pPr>
+            <a:r>
+              <a:rPr lang="en-GB" sz="700" dirty="0" smtClean="0">
+                <a:latin typeface="Courier New" panose="02070309020205020404" pitchFamily="49" charset="0"/>
+                <a:cs typeface="Courier New" panose="02070309020205020404" pitchFamily="49" charset="0"/>
+              </a:rPr>
+              <a:t>LCD </a:t>
+            </a:r>
+            <a:r>
+              <a:rPr lang="en-GB" sz="700" dirty="0">
+                <a:latin typeface="Courier New" panose="02070309020205020404" pitchFamily="49" charset="0"/>
+                <a:cs typeface="Courier New" panose="02070309020205020404" pitchFamily="49" charset="0"/>
+              </a:rPr>
+              <a:t>display</a:t>
+            </a:r>
+          </a:p>
+          <a:p>
+            <a:pPr marL="228600" indent="-228600">
+              <a:buAutoNum type="arabicPeriod"/>
+            </a:pPr>
+            <a:r>
+              <a:rPr lang="en-GB" sz="700" dirty="0" smtClean="0">
+                <a:latin typeface="Courier New" panose="02070309020205020404" pitchFamily="49" charset="0"/>
+                <a:cs typeface="Courier New" panose="02070309020205020404" pitchFamily="49" charset="0"/>
+              </a:rPr>
+              <a:t>Piezo </a:t>
+            </a:r>
+            <a:r>
+              <a:rPr lang="en-GB" sz="700" dirty="0">
+                <a:latin typeface="Courier New" panose="02070309020205020404" pitchFamily="49" charset="0"/>
+                <a:cs typeface="Courier New" panose="02070309020205020404" pitchFamily="49" charset="0"/>
+              </a:rPr>
+              <a:t>buzzer</a:t>
+            </a:r>
+          </a:p>
+          <a:p>
+            <a:pPr marL="228600" indent="-228600">
+              <a:buAutoNum type="arabicPeriod"/>
+            </a:pPr>
+            <a:r>
+              <a:rPr lang="en-GB" sz="700" dirty="0" smtClean="0">
+                <a:latin typeface="Courier New" panose="02070309020205020404" pitchFamily="49" charset="0"/>
+                <a:cs typeface="Courier New" panose="02070309020205020404" pitchFamily="49" charset="0"/>
+              </a:rPr>
+              <a:t>Prototype </a:t>
+            </a:r>
+            <a:r>
+              <a:rPr lang="en-GB" sz="700" dirty="0">
+                <a:latin typeface="Courier New" panose="02070309020205020404" pitchFamily="49" charset="0"/>
+                <a:cs typeface="Courier New" panose="02070309020205020404" pitchFamily="49" charset="0"/>
+              </a:rPr>
+              <a:t>area for user hardware</a:t>
+            </a:r>
+          </a:p>
+          <a:p>
+            <a:pPr marL="228600" indent="-228600">
+              <a:buAutoNum type="arabicPeriod"/>
+            </a:pPr>
+            <a:r>
+              <a:rPr lang="en-GB" sz="700" dirty="0" smtClean="0">
+                <a:latin typeface="Courier New" panose="02070309020205020404" pitchFamily="49" charset="0"/>
+                <a:cs typeface="Courier New" panose="02070309020205020404" pitchFamily="49" charset="0"/>
+              </a:rPr>
+              <a:t>Expansion </a:t>
+            </a:r>
+            <a:r>
+              <a:rPr lang="en-GB" sz="700" dirty="0">
+                <a:latin typeface="Courier New" panose="02070309020205020404" pitchFamily="49" charset="0"/>
+                <a:cs typeface="Courier New" panose="02070309020205020404" pitchFamily="49" charset="0"/>
+              </a:rPr>
+              <a:t>Header for </a:t>
+            </a:r>
+            <a:r>
+              <a:rPr lang="en-GB" sz="700" dirty="0" err="1">
+                <a:latin typeface="Courier New" panose="02070309020205020404" pitchFamily="49" charset="0"/>
+                <a:cs typeface="Courier New" panose="02070309020205020404" pitchFamily="49" charset="0"/>
+              </a:rPr>
+              <a:t>PICtail</a:t>
+            </a:r>
+            <a:r>
+              <a:rPr lang="en-GB" sz="700" dirty="0">
+                <a:latin typeface="Courier New" panose="02070309020205020404" pitchFamily="49" charset="0"/>
+                <a:cs typeface="Courier New" panose="02070309020205020404" pitchFamily="49" charset="0"/>
+              </a:rPr>
+              <a:t>™ daughter card connectivity or user access to</a:t>
+            </a:r>
+          </a:p>
+          <a:p>
+            <a:pPr marL="228600" indent="-228600">
+              <a:buAutoNum type="arabicPeriod"/>
+            </a:pPr>
+            <a:r>
+              <a:rPr lang="en-GB" sz="700" dirty="0" smtClean="0">
+                <a:latin typeface="Courier New" panose="02070309020205020404" pitchFamily="49" charset="0"/>
+                <a:cs typeface="Courier New" panose="02070309020205020404" pitchFamily="49" charset="0"/>
+              </a:rPr>
+              <a:t>MCUs</a:t>
+            </a:r>
+            <a:endParaRPr lang="en-GB" sz="700" dirty="0">
+              <a:latin typeface="Courier New" panose="02070309020205020404" pitchFamily="49" charset="0"/>
+              <a:cs typeface="Courier New" panose="02070309020205020404" pitchFamily="49" charset="0"/>
+            </a:endParaRPr>
+          </a:p>
+          <a:p>
+            <a:pPr marL="228600" indent="-228600">
+              <a:buAutoNum type="arabicPeriod"/>
+            </a:pPr>
+            <a:r>
+              <a:rPr lang="en-GB" sz="700" dirty="0" smtClean="0">
+                <a:latin typeface="Courier New" panose="02070309020205020404" pitchFamily="49" charset="0"/>
+                <a:cs typeface="Courier New" panose="02070309020205020404" pitchFamily="49" charset="0"/>
+              </a:rPr>
+              <a:t>Microchip </a:t>
+            </a:r>
+            <a:r>
+              <a:rPr lang="en-GB" sz="700" dirty="0">
+                <a:latin typeface="Courier New" panose="02070309020205020404" pitchFamily="49" charset="0"/>
+                <a:cs typeface="Courier New" panose="02070309020205020404" pitchFamily="49" charset="0"/>
+              </a:rPr>
+              <a:t>TC74 thermal sensor</a:t>
+            </a:r>
+          </a:p>
+        </p:txBody>
+      </p:sp>
+    </p:spTree>
+    <p:extLst>
+      <p:ext uri="{BB962C8B-B14F-4D97-AF65-F5344CB8AC3E}">
+        <p14:creationId xmlns:p14="http://schemas.microsoft.com/office/powerpoint/2010/main" val="1367282072"/>
+      </p:ext>
+    </p:extLst>
+  </p:cSld>
+  <p:clrMapOvr>
+    <a:masterClrMapping/>
+  </p:clrMapOvr>
+  <mc:AlternateContent xmlns:mc="http://schemas.openxmlformats.org/markup-compatibility/2006" xmlns:p14="http://schemas.microsoft.com/office/powerpoint/2010/main">
+    <mc:Choice Requires="p14">
+      <p:transition spd="slow" p14:dur="2000"/>
+    </mc:Choice>
+    <mc:Fallback xmlns="">
+      <p:transition spd="slow"/>
+    </mc:Fallback>
+  </mc:AlternateContent>
+  <p:timing>
+    <p:tnLst>
+      <p:par>
+        <p:cTn id="1" dur="indefinite" restart="never" nodeType="tmRoot"/>
+      </p:par>
+    </p:tnLst>
+  </p:timing>
+</p:sld>
+</file>
+
+<file path=ppt/slides/slide9.xml><?xml version="1.0" encoding="utf-8"?>
+<p:sld xmlns:a="http://schemas.openxmlformats.org/drawingml/2006/main" xmlns:r="http://schemas.openxmlformats.org/officeDocument/2006/relationships" xmlns:p="http://schemas.openxmlformats.org/presentationml/2006/main">
+  <p:cSld>
+    <p:spTree>
+      <p:nvGrpSpPr>
+        <p:cNvPr id="1" name=""/>
+        <p:cNvGrpSpPr/>
+        <p:nvPr/>
+      </p:nvGrpSpPr>
+      <p:grpSpPr>
+        <a:xfrm>
+          <a:off x="0" y="0"/>
+          <a:ext cx="0" cy="0"/>
+          <a:chOff x="0" y="0"/>
+          <a:chExt cx="0" cy="0"/>
+        </a:xfrm>
+      </p:grpSpPr>
+      <p:pic>
+        <p:nvPicPr>
+          <p:cNvPr id="1026" name="Picture 2"/>
+          <p:cNvPicPr>
+            <a:picLocks noChangeAspect="1" noChangeArrowheads="1"/>
+          </p:cNvPicPr>
+          <p:nvPr/>
+        </p:nvPicPr>
+        <p:blipFill rotWithShape="1">
+          <a:blip r:embed="rId2">
+            <a:extLst>
+              <a:ext uri="{28A0092B-C50C-407E-A947-70E740481C1C}">
+                <a14:useLocalDpi xmlns:a14="http://schemas.microsoft.com/office/drawing/2010/main" val="0"/>
+              </a:ext>
+            </a:extLst>
+          </a:blip>
+          <a:srcRect l="1023" t="5968" r="4383" b="5255"/>
+          <a:stretch/>
+        </p:blipFill>
+        <p:spPr bwMode="auto">
+          <a:xfrm>
+            <a:off x="395536" y="1565285"/>
+            <a:ext cx="4810762" cy="3094622"/>
+          </a:xfrm>
+          <a:prstGeom prst="rect">
+            <a:avLst/>
+          </a:prstGeom>
+          <a:noFill/>
+          <a:ln>
+            <a:noFill/>
+          </a:ln>
+          <a:effectLst/>
+          <a:extLst>
+            <a:ext uri="{909E8E84-426E-40DD-AFC4-6F175D3DCCD1}">
+              <a14:hiddenFill xmlns:a14="http://schemas.microsoft.com/office/drawing/2010/main">
+                <a:solidFill>
+                  <a:schemeClr val="accent1"/>
+                </a:solidFill>
+              </a14:hiddenFill>
+            </a:ext>
+            <a:ext uri="{91240B29-F687-4F45-9708-019B960494DF}">
+              <a14:hiddenLine xmlns:a14="http://schemas.microsoft.com/office/drawing/2010/main" w="9525">
+                <a:solidFill>
+                  <a:schemeClr val="tx1"/>
+                </a:solidFill>
+                <a:miter lim="800000"/>
+                <a:headEnd/>
+                <a:tailEnd/>
+              </a14:hiddenLine>
+            </a:ext>
+            <a:ext uri="{AF507438-7753-43E0-B8FC-AC1667EBCBE1}">
+              <a14:hiddenEffects xmlns:a14="http://schemas.microsoft.com/office/drawing/2010/main">
+                <a:effectLst>
+                  <a:outerShdw dist="35921" dir="2700000" algn="ctr" rotWithShape="0">
+                    <a:schemeClr val="bg2"/>
+                  </a:outerShdw>
+                </a:effectLst>
+              </a14:hiddenEffects>
+            </a:ext>
+          </a:extLst>
+        </p:spPr>
+      </p:pic>
+      <p:sp>
+        <p:nvSpPr>
+          <p:cNvPr id="2" name="Title 1"/>
+          <p:cNvSpPr>
+            <a:spLocks noGrp="1"/>
+          </p:cNvSpPr>
+          <p:nvPr>
+            <p:ph type="title"/>
+          </p:nvPr>
+        </p:nvSpPr>
+        <p:spPr/>
+        <p:txBody>
+          <a:bodyPr vert="horz" lIns="85064" tIns="42531" rIns="85064" bIns="42531" rtlCol="0" anchor="t">
+            <a:normAutofit/>
+          </a:bodyPr>
+          <a:lstStyle/>
+          <a:p>
+            <a:pPr algn="l"/>
+            <a:r>
+              <a:rPr lang="en-GB" dirty="0" smtClean="0"/>
+              <a:t>Hardware</a:t>
+            </a:r>
+            <a:endParaRPr lang="en-GB" dirty="0"/>
+          </a:p>
+        </p:txBody>
+      </p:sp>
+      <p:sp>
+        <p:nvSpPr>
+          <p:cNvPr id="10" name="Rectangle 9"/>
+          <p:cNvSpPr/>
+          <p:nvPr/>
+        </p:nvSpPr>
+        <p:spPr>
+          <a:xfrm>
+            <a:off x="3203847" y="2499742"/>
+            <a:ext cx="2020463" cy="555816"/>
+          </a:xfrm>
+          <a:prstGeom prst="rect">
+            <a:avLst/>
+          </a:prstGeom>
+          <a:noFill/>
+          <a:ln>
+            <a:solidFill>
+              <a:srgbClr val="FF0000">
+                <a:alpha val="25098"/>
+              </a:srgbClr>
+            </a:solidFill>
+          </a:ln>
+        </p:spPr>
+        <p:style>
+          <a:lnRef idx="2">
+            <a:schemeClr val="accent1">
+              <a:shade val="50000"/>
+            </a:schemeClr>
+          </a:lnRef>
+          <a:fillRef idx="1">
+            <a:schemeClr val="accent1"/>
+          </a:fillRef>
+          <a:effectRef idx="0">
+            <a:schemeClr val="accent1"/>
+          </a:effectRef>
+          <a:fontRef idx="minor">
+            <a:schemeClr val="lt1"/>
+          </a:fontRef>
+        </p:style>
+        <p:txBody>
+          <a:bodyPr rtlCol="0" anchor="ctr"/>
+          <a:lstStyle/>
+          <a:p>
+            <a:pPr algn="ctr"/>
+            <a:endParaRPr lang="en-GB" dirty="0"/>
+          </a:p>
+        </p:txBody>
+      </p:sp>
+      <p:sp>
+        <p:nvSpPr>
+          <p:cNvPr id="11" name="Rectangle 10"/>
+          <p:cNvSpPr/>
+          <p:nvPr/>
+        </p:nvSpPr>
+        <p:spPr>
+          <a:xfrm>
+            <a:off x="355276" y="2131057"/>
+            <a:ext cx="2372758" cy="144016"/>
+          </a:xfrm>
+          <a:prstGeom prst="rect">
+            <a:avLst/>
+          </a:prstGeom>
+          <a:noFill/>
+          <a:ln>
+            <a:solidFill>
+              <a:srgbClr val="FF0000">
+                <a:alpha val="25098"/>
+              </a:srgbClr>
+            </a:solidFill>
+          </a:ln>
+        </p:spPr>
+        <p:style>
+          <a:lnRef idx="2">
+            <a:schemeClr val="accent1">
+              <a:shade val="50000"/>
+            </a:schemeClr>
+          </a:lnRef>
+          <a:fillRef idx="1">
+            <a:schemeClr val="accent1"/>
+          </a:fillRef>
+          <a:effectRef idx="0">
+            <a:schemeClr val="accent1"/>
+          </a:effectRef>
+          <a:fontRef idx="minor">
+            <a:schemeClr val="lt1"/>
+          </a:fontRef>
+        </p:style>
+        <p:txBody>
+          <a:bodyPr rtlCol="0" anchor="ctr"/>
+          <a:lstStyle/>
+          <a:p>
+            <a:pPr algn="ctr"/>
+            <a:endParaRPr lang="en-GB" dirty="0"/>
+          </a:p>
+        </p:txBody>
+      </p:sp>
+      <p:sp>
+        <p:nvSpPr>
+          <p:cNvPr id="13" name="Rectangle 12"/>
+          <p:cNvSpPr/>
+          <p:nvPr/>
+        </p:nvSpPr>
+        <p:spPr>
+          <a:xfrm>
+            <a:off x="945664" y="2657840"/>
+            <a:ext cx="1776681" cy="144016"/>
+          </a:xfrm>
+          <a:prstGeom prst="rect">
+            <a:avLst/>
+          </a:prstGeom>
+          <a:noFill/>
+          <a:ln>
+            <a:solidFill>
+              <a:srgbClr val="FF0000">
+                <a:alpha val="25098"/>
+              </a:srgbClr>
+            </a:solidFill>
+          </a:ln>
+        </p:spPr>
+        <p:style>
+          <a:lnRef idx="2">
+            <a:schemeClr val="accent1">
+              <a:shade val="50000"/>
+            </a:schemeClr>
+          </a:lnRef>
+          <a:fillRef idx="1">
+            <a:schemeClr val="accent1"/>
+          </a:fillRef>
+          <a:effectRef idx="0">
+            <a:schemeClr val="accent1"/>
+          </a:effectRef>
+          <a:fontRef idx="minor">
+            <a:schemeClr val="lt1"/>
+          </a:fontRef>
+        </p:style>
+        <p:txBody>
+          <a:bodyPr rtlCol="0" anchor="ctr"/>
+          <a:lstStyle/>
+          <a:p>
+            <a:pPr algn="ctr"/>
+            <a:endParaRPr lang="en-GB" dirty="0"/>
+          </a:p>
+        </p:txBody>
+      </p:sp>
+      <p:sp>
+        <p:nvSpPr>
+          <p:cNvPr id="22" name="Rectangle 21"/>
+          <p:cNvSpPr/>
+          <p:nvPr/>
+        </p:nvSpPr>
+        <p:spPr>
+          <a:xfrm>
+            <a:off x="952232" y="1971555"/>
+            <a:ext cx="1776681" cy="144016"/>
+          </a:xfrm>
+          <a:prstGeom prst="rect">
+            <a:avLst/>
+          </a:prstGeom>
+          <a:noFill/>
+          <a:ln>
+            <a:solidFill>
+              <a:srgbClr val="FF0000">
+                <a:alpha val="25098"/>
+              </a:srgbClr>
+            </a:solidFill>
+          </a:ln>
+        </p:spPr>
+        <p:style>
+          <a:lnRef idx="2">
+            <a:schemeClr val="accent1">
+              <a:shade val="50000"/>
+            </a:schemeClr>
+          </a:lnRef>
+          <a:fillRef idx="1">
+            <a:schemeClr val="accent1"/>
+          </a:fillRef>
+          <a:effectRef idx="0">
+            <a:schemeClr val="accent1"/>
+          </a:effectRef>
+          <a:fontRef idx="minor">
+            <a:schemeClr val="lt1"/>
+          </a:fontRef>
+        </p:style>
+        <p:txBody>
+          <a:bodyPr rtlCol="0" anchor="ctr"/>
+          <a:lstStyle/>
+          <a:p>
+            <a:pPr algn="ctr"/>
+            <a:endParaRPr lang="en-GB" dirty="0"/>
+          </a:p>
+        </p:txBody>
+      </p:sp>
+    </p:spTree>
+    <p:extLst>
+      <p:ext uri="{BB962C8B-B14F-4D97-AF65-F5344CB8AC3E}">
+        <p14:creationId xmlns:p14="http://schemas.microsoft.com/office/powerpoint/2010/main" val="1267182666"/>
+      </p:ext>
+    </p:extLst>
+  </p:cSld>
+  <p:clrMapOvr>
+    <a:masterClrMapping/>
+  </p:clrMapOvr>
+  <mc:AlternateContent xmlns:mc="http://schemas.openxmlformats.org/markup-compatibility/2006" xmlns:p14="http://schemas.microsoft.com/office/powerpoint/2010/main">
+    <mc:Choice Requires="p14">
+      <p:transition spd="slow" p14:dur="2000" advClick="0"/>
+    </mc:Choice>
+    <mc:Fallback xmlns="">
       <p:transition spd="slow" advClick="0"/>
     </mc:Fallback>
   </mc:AlternateContent>
@@ -13109,47 +13450,4 @@
   <a:objectDefaults/>
   <a:extraClrSchemeLst/>
 </a:theme>
-</file>
-
-<file path=ppt/theme/themeOverride1.xml><?xml version="1.0" encoding="utf-8"?>
-<a:themeOverride xmlns:a="http://schemas.openxmlformats.org/drawingml/2006/main">
-  <a:clrScheme name="Blue">
-    <a:dk1>
-      <a:sysClr val="windowText" lastClr="000000"/>
-    </a:dk1>
-    <a:lt1>
-      <a:sysClr val="window" lastClr="FFFFFF"/>
-    </a:lt1>
-    <a:dk2>
-      <a:srgbClr val="17406D"/>
-    </a:dk2>
-    <a:lt2>
-      <a:srgbClr val="DBEFF9"/>
-    </a:lt2>
-    <a:accent1>
-      <a:srgbClr val="0F6FC6"/>
-    </a:accent1>
-    <a:accent2>
-      <a:srgbClr val="009DD9"/>
-    </a:accent2>
-    <a:accent3>
-      <a:srgbClr val="0BD0D9"/>
-    </a:accent3>
-    <a:accent4>
-      <a:srgbClr val="10CF9B"/>
-    </a:accent4>
-    <a:accent5>
-      <a:srgbClr val="7CCA62"/>
-    </a:accent5>
-    <a:accent6>
-      <a:srgbClr val="A5C249"/>
-    </a:accent6>
-    <a:hlink>
-      <a:srgbClr val="F49100"/>
-    </a:hlink>
-    <a:folHlink>
-      <a:srgbClr val="85DFD0"/>
-    </a:folHlink>
-  </a:clrScheme>
-</a:themeOverride>
 </file>